--- a/DHARSHINI.pptx
+++ b/DHARSHINI.pptx
@@ -1,33 +1,33 @@
 
 <file path=ppt/presentation.xml><?xml version="1.0" encoding="utf-8"?>
-<p:presentation xmlns:p="http://schemas.openxmlformats.org/presentationml/2006/main" xmlns:r="http://schemas.openxmlformats.org/officeDocument/2006/relationships" xmlns:a="http://schemas.openxmlformats.org/drawingml/2006/main">
+<p:presentation xmlns:a="http://schemas.openxmlformats.org/drawingml/2006/main" xmlns:r="http://schemas.openxmlformats.org/officeDocument/2006/relationships" xmlns:p="http://schemas.openxmlformats.org/presentationml/2006/main">
   <p:sldMasterIdLst>
     <p:sldMasterId id="2147483654" r:id="rId1"/>
   </p:sldMasterIdLst>
   <p:notesMasterIdLst>
-    <p:notesMasterId r:id="rId2"/>
+    <p:notesMasterId r:id="rId14"/>
   </p:notesMasterIdLst>
   <p:sldIdLst>
-    <p:sldId id="271" r:id="rId3"/>
-    <p:sldId id="272" r:id="rId4"/>
-    <p:sldId id="273" r:id="rId5"/>
-    <p:sldId id="274" r:id="rId6"/>
-    <p:sldId id="275" r:id="rId7"/>
-    <p:sldId id="276" r:id="rId8"/>
-    <p:sldId id="277" r:id="rId9"/>
-    <p:sldId id="278" r:id="rId10"/>
-    <p:sldId id="279" r:id="rId11"/>
-    <p:sldId id="280" r:id="rId12"/>
-    <p:sldId id="282" r:id="rId13"/>
-    <p:sldId id="283" r:id="rId14"/>
+    <p:sldId id="271" r:id="rId2"/>
+    <p:sldId id="272" r:id="rId3"/>
+    <p:sldId id="273" r:id="rId4"/>
+    <p:sldId id="274" r:id="rId5"/>
+    <p:sldId id="275" r:id="rId6"/>
+    <p:sldId id="276" r:id="rId7"/>
+    <p:sldId id="277" r:id="rId8"/>
+    <p:sldId id="278" r:id="rId9"/>
+    <p:sldId id="279" r:id="rId10"/>
+    <p:sldId id="280" r:id="rId11"/>
+    <p:sldId id="282" r:id="rId12"/>
+    <p:sldId id="283" r:id="rId13"/>
   </p:sldIdLst>
-  <p:sldSz type="screen16x9" cy="6858000" cx="12192000"/>
+  <p:sldSz cx="12192000" cy="6858000"/>
   <p:notesSz cx="12192000" cy="6858000"/>
   <p:defaultTextStyle>
     <a:defPPr>
       <a:defRPr lang="en-US"/>
     </a:defPPr>
-    <a:lvl1pPr algn="l" defTabSz="914400" eaLnBrk="1" hangingPunct="1" latinLnBrk="0" marL="0" rtl="0">
+    <a:lvl1pPr marL="0" algn="l" defTabSz="914400" rtl="0" eaLnBrk="1" latinLnBrk="0" hangingPunct="1">
       <a:defRPr sz="1800" kern="1200">
         <a:solidFill>
           <a:schemeClr val="tx1"/>
@@ -37,7 +37,7 @@
         <a:cs typeface="+mn-cs"/>
       </a:defRPr>
     </a:lvl1pPr>
-    <a:lvl2pPr algn="l" defTabSz="914400" eaLnBrk="1" hangingPunct="1" latinLnBrk="0" marL="457200" rtl="0">
+    <a:lvl2pPr marL="457200" algn="l" defTabSz="914400" rtl="0" eaLnBrk="1" latinLnBrk="0" hangingPunct="1">
       <a:defRPr sz="1800" kern="1200">
         <a:solidFill>
           <a:schemeClr val="tx1"/>
@@ -47,7 +47,7 @@
         <a:cs typeface="+mn-cs"/>
       </a:defRPr>
     </a:lvl2pPr>
-    <a:lvl3pPr algn="l" defTabSz="914400" eaLnBrk="1" hangingPunct="1" latinLnBrk="0" marL="914400" rtl="0">
+    <a:lvl3pPr marL="914400" algn="l" defTabSz="914400" rtl="0" eaLnBrk="1" latinLnBrk="0" hangingPunct="1">
       <a:defRPr sz="1800" kern="1200">
         <a:solidFill>
           <a:schemeClr val="tx1"/>
@@ -57,7 +57,7 @@
         <a:cs typeface="+mn-cs"/>
       </a:defRPr>
     </a:lvl3pPr>
-    <a:lvl4pPr algn="l" defTabSz="914400" eaLnBrk="1" hangingPunct="1" latinLnBrk="0" marL="1371600" rtl="0">
+    <a:lvl4pPr marL="1371600" algn="l" defTabSz="914400" rtl="0" eaLnBrk="1" latinLnBrk="0" hangingPunct="1">
       <a:defRPr sz="1800" kern="1200">
         <a:solidFill>
           <a:schemeClr val="tx1"/>
@@ -67,7 +67,7 @@
         <a:cs typeface="+mn-cs"/>
       </a:defRPr>
     </a:lvl4pPr>
-    <a:lvl5pPr algn="l" defTabSz="914400" eaLnBrk="1" hangingPunct="1" latinLnBrk="0" marL="1828800" rtl="0">
+    <a:lvl5pPr marL="1828800" algn="l" defTabSz="914400" rtl="0" eaLnBrk="1" latinLnBrk="0" hangingPunct="1">
       <a:defRPr sz="1800" kern="1200">
         <a:solidFill>
           <a:schemeClr val="tx1"/>
@@ -77,7 +77,7 @@
         <a:cs typeface="+mn-cs"/>
       </a:defRPr>
     </a:lvl5pPr>
-    <a:lvl6pPr algn="l" defTabSz="914400" eaLnBrk="1" hangingPunct="1" latinLnBrk="0" marL="2286000" rtl="0">
+    <a:lvl6pPr marL="2286000" algn="l" defTabSz="914400" rtl="0" eaLnBrk="1" latinLnBrk="0" hangingPunct="1">
       <a:defRPr sz="1800" kern="1200">
         <a:solidFill>
           <a:schemeClr val="tx1"/>
@@ -87,7 +87,7 @@
         <a:cs typeface="+mn-cs"/>
       </a:defRPr>
     </a:lvl6pPr>
-    <a:lvl7pPr algn="l" defTabSz="914400" eaLnBrk="1" hangingPunct="1" latinLnBrk="0" marL="2743200" rtl="0">
+    <a:lvl7pPr marL="2743200" algn="l" defTabSz="914400" rtl="0" eaLnBrk="1" latinLnBrk="0" hangingPunct="1">
       <a:defRPr sz="1800" kern="1200">
         <a:solidFill>
           <a:schemeClr val="tx1"/>
@@ -97,7 +97,7 @@
         <a:cs typeface="+mn-cs"/>
       </a:defRPr>
     </a:lvl7pPr>
-    <a:lvl8pPr algn="l" defTabSz="914400" eaLnBrk="1" hangingPunct="1" latinLnBrk="0" marL="3200400" rtl="0">
+    <a:lvl8pPr marL="3200400" algn="l" defTabSz="914400" rtl="0" eaLnBrk="1" latinLnBrk="0" hangingPunct="1">
       <a:defRPr sz="1800" kern="1200">
         <a:solidFill>
           <a:schemeClr val="tx1"/>
@@ -107,7 +107,7 @@
         <a:cs typeface="+mn-cs"/>
       </a:defRPr>
     </a:lvl8pPr>
-    <a:lvl9pPr algn="l" defTabSz="914400" eaLnBrk="1" hangingPunct="1" latinLnBrk="0" marL="3657600" rtl="0">
+    <a:lvl9pPr marL="3657600" algn="l" defTabSz="914400" rtl="0" eaLnBrk="1" latinLnBrk="0" hangingPunct="1">
       <a:defRPr sz="1800" kern="1200">
         <a:solidFill>
           <a:schemeClr val="tx1"/>
@@ -118,11 +118,27 @@
       </a:defRPr>
     </a:lvl9pPr>
   </p:defaultTextStyle>
+  <p:extLst>
+    <p:ext uri="{EFAFB233-063F-42B5-8137-9DF3F51BA10A}">
+      <p15:sldGuideLst xmlns:p15="http://schemas.microsoft.com/office/powerpoint/2012/main">
+        <p15:guide id="1" orient="horz" pos="2880">
+          <p15:clr>
+            <a:srgbClr val="A4A3A4"/>
+          </p15:clr>
+        </p15:guide>
+        <p15:guide id="2" pos="2160">
+          <p15:clr>
+            <a:srgbClr val="A4A3A4"/>
+          </p15:clr>
+        </p15:guide>
+      </p15:sldGuideLst>
+    </p:ext>
+  </p:extLst>
 </p:presentation>
 </file>
 
 <file path=ppt/charts/chart1.xml><?xml version="1.0" encoding="utf-8"?>
-<c:chartSpace xmlns:c="http://schemas.openxmlformats.org/drawingml/2006/chart" xmlns:a="http://schemas.openxmlformats.org/drawingml/2006/main" xmlns:r="http://schemas.openxmlformats.org/officeDocument/2006/relationships">
+<c:chartSpace xmlns:c="http://schemas.openxmlformats.org/drawingml/2006/chart" xmlns:a="http://schemas.openxmlformats.org/drawingml/2006/main" xmlns:r="http://schemas.openxmlformats.org/officeDocument/2006/relationships" xmlns:c16r2="http://schemas.microsoft.com/office/drawing/2015/06/chart">
   <c:date1904 val="0"/>
   <c:lang val="en-US"/>
   <c:roundedCorners val="0"/>
@@ -135,70 +151,10 @@
     </mc:Fallback>
   </mc:AlternateContent>
   <c:pivotSource>
-    <c:name>[priya excel.csv]Sheet1!PivotTable1</c:name>
+    <c:name>[employee_data (1).csv]Sheet1!PivotTable1</c:name>
     <c:fmtId val="3"/>
   </c:pivotSource>
   <c:chart>
-    <c:title>
-      <c:tx>
-        <c:rich>
-          <a:bodyPr rot="0" spcFirstLastPara="1" vertOverflow="ellipsis" vert="horz" wrap="square" anchor="ctr" anchorCtr="1"/>
-          <a:lstStyle/>
-          <a:p>
-            <a:pPr>
-              <a:defRPr sz="1400" b="0" i="0" u="none" strike="noStrike" kern="1200" spc="0" baseline="0">
-                <a:solidFill>
-                  <a:schemeClr val="tx1">
-                    <a:lumMod val="65000"/>
-                    <a:lumOff val="35000"/>
-                  </a:schemeClr>
-                </a:solidFill>
-                <a:latin typeface="+mn-lt"/>
-                <a:ea typeface="+mn-ea"/>
-                <a:cs typeface="+mn-cs"/>
-              </a:defRPr>
-            </a:pPr>
-            <a:r>
-              <a:rPr lang="en-US"/>
-              <a:t>Empolyee</a:t>
-            </a:r>
-            <a:r>
-              <a:rPr lang="en-US" baseline="0"/>
-              <a:t> Performance analysis </a:t>
-            </a:r>
-            <a:endParaRPr lang="en-US"/>
-          </a:p>
-        </c:rich>
-      </c:tx>
-      <c:overlay val="0"/>
-      <c:spPr>
-        <a:noFill/>
-        <a:ln>
-          <a:noFill/>
-        </a:ln>
-        <a:effectLst/>
-      </c:spPr>
-      <c:txPr>
-        <a:bodyPr rot="0" spcFirstLastPara="1" vertOverflow="ellipsis" vert="horz" wrap="square" anchor="ctr" anchorCtr="1"/>
-        <a:lstStyle/>
-        <a:p>
-          <a:pPr>
-            <a:defRPr sz="1400" b="0" i="0" u="none" strike="noStrike" kern="1200" spc="0" baseline="0">
-              <a:solidFill>
-                <a:schemeClr val="tx1">
-                  <a:lumMod val="65000"/>
-                  <a:lumOff val="35000"/>
-                </a:schemeClr>
-              </a:solidFill>
-              <a:latin typeface="+mn-lt"/>
-              <a:ea typeface="+mn-ea"/>
-              <a:cs typeface="+mn-cs"/>
-            </a:defRPr>
-          </a:pPr>
-          <a:endParaRPr lang="en-US"/>
-        </a:p>
-      </c:txPr>
-    </c:title>
     <c:autoTitleDeleted val="0"/>
     <c:pivotFmts>
       <c:pivotFmt>
@@ -211,52 +167,10 @@
             <a:noFill/>
           </a:ln>
           <a:effectLst/>
-          <a:sp3d/>
         </c:spPr>
         <c:marker>
           <c:symbol val="none"/>
         </c:marker>
-        <c:dLbl>
-          <c:idx val="0"/>
-          <c:spPr>
-            <a:noFill/>
-            <a:ln>
-              <a:noFill/>
-            </a:ln>
-            <a:effectLst/>
-          </c:spPr>
-          <c:txPr>
-            <a:bodyPr rot="0" spcFirstLastPara="1" vertOverflow="ellipsis" vert="horz" wrap="square" lIns="38100" tIns="19050" rIns="38100" bIns="19050" anchor="ctr" anchorCtr="1">
-              <a:spAutoFit/>
-            </a:bodyPr>
-            <a:lstStyle/>
-            <a:p>
-              <a:pPr>
-                <a:defRPr sz="900" b="0" i="0" u="none" strike="noStrike" kern="1200" baseline="0">
-                  <a:solidFill>
-                    <a:schemeClr val="tx1">
-                      <a:lumMod val="75000"/>
-                      <a:lumOff val="25000"/>
-                    </a:schemeClr>
-                  </a:solidFill>
-                  <a:latin typeface="+mn-lt"/>
-                  <a:ea typeface="+mn-ea"/>
-                  <a:cs typeface="+mn-cs"/>
-                </a:defRPr>
-              </a:pPr>
-              <a:endParaRPr lang="en-US"/>
-            </a:p>
-          </c:txPr>
-          <c:showLegendKey val="0"/>
-          <c:showVal val="0"/>
-          <c:showCatName val="0"/>
-          <c:showSerName val="0"/>
-          <c:showPercent val="0"/>
-          <c:showBubbleSize val="0"/>
-          <c:extLst>
-            <c:ext xmlns:c15="http://schemas.microsoft.com/office/drawing/2012/chart" uri="{CE6537A1-D6FC-4f65-9D91-7224C49458BB}"/>
-          </c:extLst>
-        </c:dLbl>
       </c:pivotFmt>
       <c:pivotFmt>
         <c:idx val="1"/>
@@ -268,52 +182,10 @@
             <a:noFill/>
           </a:ln>
           <a:effectLst/>
-          <a:sp3d/>
         </c:spPr>
         <c:marker>
           <c:symbol val="none"/>
         </c:marker>
-        <c:dLbl>
-          <c:idx val="0"/>
-          <c:spPr>
-            <a:noFill/>
-            <a:ln>
-              <a:noFill/>
-            </a:ln>
-            <a:effectLst/>
-          </c:spPr>
-          <c:txPr>
-            <a:bodyPr rot="0" spcFirstLastPara="1" vertOverflow="ellipsis" vert="horz" wrap="square" lIns="38100" tIns="19050" rIns="38100" bIns="19050" anchor="ctr" anchorCtr="1">
-              <a:spAutoFit/>
-            </a:bodyPr>
-            <a:lstStyle/>
-            <a:p>
-              <a:pPr>
-                <a:defRPr sz="900" b="0" i="0" u="none" strike="noStrike" kern="1200" baseline="0">
-                  <a:solidFill>
-                    <a:schemeClr val="tx1">
-                      <a:lumMod val="75000"/>
-                      <a:lumOff val="25000"/>
-                    </a:schemeClr>
-                  </a:solidFill>
-                  <a:latin typeface="+mn-lt"/>
-                  <a:ea typeface="+mn-ea"/>
-                  <a:cs typeface="+mn-cs"/>
-                </a:defRPr>
-              </a:pPr>
-              <a:endParaRPr lang="en-US"/>
-            </a:p>
-          </c:txPr>
-          <c:showLegendKey val="0"/>
-          <c:showVal val="0"/>
-          <c:showCatName val="0"/>
-          <c:showSerName val="0"/>
-          <c:showPercent val="0"/>
-          <c:showBubbleSize val="0"/>
-          <c:extLst>
-            <c:ext xmlns:c15="http://schemas.microsoft.com/office/drawing/2012/chart" uri="{CE6537A1-D6FC-4f65-9D91-7224C49458BB}"/>
-          </c:extLst>
-        </c:dLbl>
       </c:pivotFmt>
       <c:pivotFmt>
         <c:idx val="2"/>
@@ -325,52 +197,10 @@
             <a:noFill/>
           </a:ln>
           <a:effectLst/>
-          <a:sp3d/>
         </c:spPr>
         <c:marker>
           <c:symbol val="none"/>
         </c:marker>
-        <c:dLbl>
-          <c:idx val="0"/>
-          <c:spPr>
-            <a:noFill/>
-            <a:ln>
-              <a:noFill/>
-            </a:ln>
-            <a:effectLst/>
-          </c:spPr>
-          <c:txPr>
-            <a:bodyPr rot="0" spcFirstLastPara="1" vertOverflow="ellipsis" vert="horz" wrap="square" lIns="38100" tIns="19050" rIns="38100" bIns="19050" anchor="ctr" anchorCtr="1">
-              <a:spAutoFit/>
-            </a:bodyPr>
-            <a:lstStyle/>
-            <a:p>
-              <a:pPr>
-                <a:defRPr sz="900" b="0" i="0" u="none" strike="noStrike" kern="1200" baseline="0">
-                  <a:solidFill>
-                    <a:schemeClr val="tx1">
-                      <a:lumMod val="75000"/>
-                      <a:lumOff val="25000"/>
-                    </a:schemeClr>
-                  </a:solidFill>
-                  <a:latin typeface="+mn-lt"/>
-                  <a:ea typeface="+mn-ea"/>
-                  <a:cs typeface="+mn-cs"/>
-                </a:defRPr>
-              </a:pPr>
-              <a:endParaRPr lang="en-US"/>
-            </a:p>
-          </c:txPr>
-          <c:showLegendKey val="0"/>
-          <c:showVal val="0"/>
-          <c:showCatName val="0"/>
-          <c:showSerName val="0"/>
-          <c:showPercent val="0"/>
-          <c:showBubbleSize val="0"/>
-          <c:extLst>
-            <c:ext xmlns:c15="http://schemas.microsoft.com/office/drawing/2012/chart" uri="{CE6537A1-D6FC-4f65-9D91-7224C49458BB}"/>
-          </c:extLst>
-        </c:dLbl>
       </c:pivotFmt>
       <c:pivotFmt>
         <c:idx val="3"/>
@@ -382,52 +212,10 @@
             <a:noFill/>
           </a:ln>
           <a:effectLst/>
-          <a:sp3d/>
         </c:spPr>
         <c:marker>
           <c:symbol val="none"/>
         </c:marker>
-        <c:dLbl>
-          <c:idx val="0"/>
-          <c:spPr>
-            <a:noFill/>
-            <a:ln>
-              <a:noFill/>
-            </a:ln>
-            <a:effectLst/>
-          </c:spPr>
-          <c:txPr>
-            <a:bodyPr rot="0" spcFirstLastPara="1" vertOverflow="ellipsis" vert="horz" wrap="square" lIns="38100" tIns="19050" rIns="38100" bIns="19050" anchor="ctr" anchorCtr="1">
-              <a:spAutoFit/>
-            </a:bodyPr>
-            <a:lstStyle/>
-            <a:p>
-              <a:pPr>
-                <a:defRPr sz="900" b="0" i="0" u="none" strike="noStrike" kern="1200" baseline="0">
-                  <a:solidFill>
-                    <a:schemeClr val="tx1">
-                      <a:lumMod val="75000"/>
-                      <a:lumOff val="25000"/>
-                    </a:schemeClr>
-                  </a:solidFill>
-                  <a:latin typeface="+mn-lt"/>
-                  <a:ea typeface="+mn-ea"/>
-                  <a:cs typeface="+mn-cs"/>
-                </a:defRPr>
-              </a:pPr>
-              <a:endParaRPr lang="en-US"/>
-            </a:p>
-          </c:txPr>
-          <c:showLegendKey val="0"/>
-          <c:showVal val="0"/>
-          <c:showCatName val="0"/>
-          <c:showSerName val="0"/>
-          <c:showPercent val="0"/>
-          <c:showBubbleSize val="0"/>
-          <c:extLst>
-            <c:ext xmlns:c15="http://schemas.microsoft.com/office/drawing/2012/chart" uri="{CE6537A1-D6FC-4f65-9D91-7224C49458BB}"/>
-          </c:extLst>
-        </c:dLbl>
       </c:pivotFmt>
       <c:pivotFmt>
         <c:idx val="4"/>
@@ -439,52 +227,10 @@
             <a:noFill/>
           </a:ln>
           <a:effectLst/>
-          <a:sp3d/>
         </c:spPr>
         <c:marker>
           <c:symbol val="none"/>
         </c:marker>
-        <c:dLbl>
-          <c:idx val="0"/>
-          <c:spPr>
-            <a:noFill/>
-            <a:ln>
-              <a:noFill/>
-            </a:ln>
-            <a:effectLst/>
-          </c:spPr>
-          <c:txPr>
-            <a:bodyPr rot="0" spcFirstLastPara="1" vertOverflow="ellipsis" vert="horz" wrap="square" lIns="38100" tIns="19050" rIns="38100" bIns="19050" anchor="ctr" anchorCtr="1">
-              <a:spAutoFit/>
-            </a:bodyPr>
-            <a:lstStyle/>
-            <a:p>
-              <a:pPr>
-                <a:defRPr sz="900" b="0" i="0" u="none" strike="noStrike" kern="1200" baseline="0">
-                  <a:solidFill>
-                    <a:schemeClr val="tx1">
-                      <a:lumMod val="75000"/>
-                      <a:lumOff val="25000"/>
-                    </a:schemeClr>
-                  </a:solidFill>
-                  <a:latin typeface="+mn-lt"/>
-                  <a:ea typeface="+mn-ea"/>
-                  <a:cs typeface="+mn-cs"/>
-                </a:defRPr>
-              </a:pPr>
-              <a:endParaRPr lang="en-US"/>
-            </a:p>
-          </c:txPr>
-          <c:showLegendKey val="0"/>
-          <c:showVal val="0"/>
-          <c:showCatName val="0"/>
-          <c:showSerName val="0"/>
-          <c:showPercent val="0"/>
-          <c:showBubbleSize val="0"/>
-          <c:extLst>
-            <c:ext xmlns:c15="http://schemas.microsoft.com/office/drawing/2012/chart" uri="{CE6537A1-D6FC-4f65-9D91-7224C49458BB}"/>
-          </c:extLst>
-        </c:dLbl>
       </c:pivotFmt>
       <c:pivotFmt>
         <c:idx val="5"/>
@@ -496,52 +242,10 @@
             <a:noFill/>
           </a:ln>
           <a:effectLst/>
-          <a:sp3d/>
         </c:spPr>
         <c:marker>
           <c:symbol val="none"/>
         </c:marker>
-        <c:dLbl>
-          <c:idx val="0"/>
-          <c:spPr>
-            <a:noFill/>
-            <a:ln>
-              <a:noFill/>
-            </a:ln>
-            <a:effectLst/>
-          </c:spPr>
-          <c:txPr>
-            <a:bodyPr rot="0" spcFirstLastPara="1" vertOverflow="ellipsis" vert="horz" wrap="square" lIns="38100" tIns="19050" rIns="38100" bIns="19050" anchor="ctr" anchorCtr="1">
-              <a:spAutoFit/>
-            </a:bodyPr>
-            <a:lstStyle/>
-            <a:p>
-              <a:pPr>
-                <a:defRPr sz="900" b="0" i="0" u="none" strike="noStrike" kern="1200" baseline="0">
-                  <a:solidFill>
-                    <a:schemeClr val="tx1">
-                      <a:lumMod val="75000"/>
-                      <a:lumOff val="25000"/>
-                    </a:schemeClr>
-                  </a:solidFill>
-                  <a:latin typeface="+mn-lt"/>
-                  <a:ea typeface="+mn-ea"/>
-                  <a:cs typeface="+mn-cs"/>
-                </a:defRPr>
-              </a:pPr>
-              <a:endParaRPr lang="en-US"/>
-            </a:p>
-          </c:txPr>
-          <c:showLegendKey val="0"/>
-          <c:showVal val="0"/>
-          <c:showCatName val="0"/>
-          <c:showSerName val="0"/>
-          <c:showPercent val="0"/>
-          <c:showBubbleSize val="0"/>
-          <c:extLst>
-            <c:ext xmlns:c15="http://schemas.microsoft.com/office/drawing/2012/chart" uri="{CE6537A1-D6FC-4f65-9D91-7224C49458BB}"/>
-          </c:extLst>
-        </c:dLbl>
       </c:pivotFmt>
       <c:pivotFmt>
         <c:idx val="6"/>
@@ -553,52 +257,10 @@
             <a:noFill/>
           </a:ln>
           <a:effectLst/>
-          <a:sp3d/>
         </c:spPr>
         <c:marker>
           <c:symbol val="none"/>
         </c:marker>
-        <c:dLbl>
-          <c:idx val="0"/>
-          <c:spPr>
-            <a:noFill/>
-            <a:ln>
-              <a:noFill/>
-            </a:ln>
-            <a:effectLst/>
-          </c:spPr>
-          <c:txPr>
-            <a:bodyPr rot="0" spcFirstLastPara="1" vertOverflow="ellipsis" vert="horz" wrap="square" lIns="38100" tIns="19050" rIns="38100" bIns="19050" anchor="ctr" anchorCtr="1">
-              <a:spAutoFit/>
-            </a:bodyPr>
-            <a:lstStyle/>
-            <a:p>
-              <a:pPr>
-                <a:defRPr sz="900" b="0" i="0" u="none" strike="noStrike" kern="1200" baseline="0">
-                  <a:solidFill>
-                    <a:schemeClr val="tx1">
-                      <a:lumMod val="75000"/>
-                      <a:lumOff val="25000"/>
-                    </a:schemeClr>
-                  </a:solidFill>
-                  <a:latin typeface="+mn-lt"/>
-                  <a:ea typeface="+mn-ea"/>
-                  <a:cs typeface="+mn-cs"/>
-                </a:defRPr>
-              </a:pPr>
-              <a:endParaRPr lang="en-US"/>
-            </a:p>
-          </c:txPr>
-          <c:showLegendKey val="0"/>
-          <c:showVal val="0"/>
-          <c:showCatName val="0"/>
-          <c:showSerName val="0"/>
-          <c:showPercent val="0"/>
-          <c:showBubbleSize val="0"/>
-          <c:extLst>
-            <c:ext xmlns:c15="http://schemas.microsoft.com/office/drawing/2012/chart" uri="{CE6537A1-D6FC-4f65-9D91-7224C49458BB}"/>
-          </c:extLst>
-        </c:dLbl>
       </c:pivotFmt>
       <c:pivotFmt>
         <c:idx val="7"/>
@@ -610,52 +272,10 @@
             <a:noFill/>
           </a:ln>
           <a:effectLst/>
-          <a:sp3d/>
         </c:spPr>
         <c:marker>
           <c:symbol val="none"/>
         </c:marker>
-        <c:dLbl>
-          <c:idx val="0"/>
-          <c:spPr>
-            <a:noFill/>
-            <a:ln>
-              <a:noFill/>
-            </a:ln>
-            <a:effectLst/>
-          </c:spPr>
-          <c:txPr>
-            <a:bodyPr rot="0" spcFirstLastPara="1" vertOverflow="ellipsis" vert="horz" wrap="square" lIns="38100" tIns="19050" rIns="38100" bIns="19050" anchor="ctr" anchorCtr="1">
-              <a:spAutoFit/>
-            </a:bodyPr>
-            <a:lstStyle/>
-            <a:p>
-              <a:pPr>
-                <a:defRPr sz="900" b="0" i="0" u="none" strike="noStrike" kern="1200" baseline="0">
-                  <a:solidFill>
-                    <a:schemeClr val="tx1">
-                      <a:lumMod val="75000"/>
-                      <a:lumOff val="25000"/>
-                    </a:schemeClr>
-                  </a:solidFill>
-                  <a:latin typeface="+mn-lt"/>
-                  <a:ea typeface="+mn-ea"/>
-                  <a:cs typeface="+mn-cs"/>
-                </a:defRPr>
-              </a:pPr>
-              <a:endParaRPr lang="en-US"/>
-            </a:p>
-          </c:txPr>
-          <c:showLegendKey val="0"/>
-          <c:showVal val="0"/>
-          <c:showCatName val="0"/>
-          <c:showSerName val="0"/>
-          <c:showPercent val="0"/>
-          <c:showBubbleSize val="0"/>
-          <c:extLst>
-            <c:ext xmlns:c15="http://schemas.microsoft.com/office/drawing/2012/chart" uri="{CE6537A1-D6FC-4f65-9D91-7224C49458BB}"/>
-          </c:extLst>
-        </c:dLbl>
       </c:pivotFmt>
       <c:pivotFmt>
         <c:idx val="8"/>
@@ -667,52 +287,10 @@
             <a:noFill/>
           </a:ln>
           <a:effectLst/>
-          <a:sp3d/>
         </c:spPr>
         <c:marker>
           <c:symbol val="none"/>
         </c:marker>
-        <c:dLbl>
-          <c:idx val="0"/>
-          <c:spPr>
-            <a:noFill/>
-            <a:ln>
-              <a:noFill/>
-            </a:ln>
-            <a:effectLst/>
-          </c:spPr>
-          <c:txPr>
-            <a:bodyPr rot="0" spcFirstLastPara="1" vertOverflow="ellipsis" vert="horz" wrap="square" lIns="38100" tIns="19050" rIns="38100" bIns="19050" anchor="ctr" anchorCtr="1">
-              <a:spAutoFit/>
-            </a:bodyPr>
-            <a:lstStyle/>
-            <a:p>
-              <a:pPr>
-                <a:defRPr sz="900" b="0" i="0" u="none" strike="noStrike" kern="1200" baseline="0">
-                  <a:solidFill>
-                    <a:schemeClr val="tx1">
-                      <a:lumMod val="75000"/>
-                      <a:lumOff val="25000"/>
-                    </a:schemeClr>
-                  </a:solidFill>
-                  <a:latin typeface="+mn-lt"/>
-                  <a:ea typeface="+mn-ea"/>
-                  <a:cs typeface="+mn-cs"/>
-                </a:defRPr>
-              </a:pPr>
-              <a:endParaRPr lang="en-US"/>
-            </a:p>
-          </c:txPr>
-          <c:showLegendKey val="0"/>
-          <c:showVal val="0"/>
-          <c:showCatName val="0"/>
-          <c:showSerName val="0"/>
-          <c:showPercent val="0"/>
-          <c:showBubbleSize val="0"/>
-          <c:extLst>
-            <c:ext xmlns:c15="http://schemas.microsoft.com/office/drawing/2012/chart" uri="{CE6537A1-D6FC-4f65-9D91-7224C49458BB}"/>
-          </c:extLst>
-        </c:dLbl>
       </c:pivotFmt>
       <c:pivotFmt>
         <c:idx val="9"/>
@@ -724,52 +302,10 @@
             <a:noFill/>
           </a:ln>
           <a:effectLst/>
-          <a:sp3d/>
         </c:spPr>
         <c:marker>
           <c:symbol val="none"/>
         </c:marker>
-        <c:dLbl>
-          <c:idx val="0"/>
-          <c:spPr>
-            <a:noFill/>
-            <a:ln>
-              <a:noFill/>
-            </a:ln>
-            <a:effectLst/>
-          </c:spPr>
-          <c:txPr>
-            <a:bodyPr rot="0" spcFirstLastPara="1" vertOverflow="ellipsis" vert="horz" wrap="square" lIns="38100" tIns="19050" rIns="38100" bIns="19050" anchor="ctr" anchorCtr="1">
-              <a:spAutoFit/>
-            </a:bodyPr>
-            <a:lstStyle/>
-            <a:p>
-              <a:pPr>
-                <a:defRPr sz="900" b="0" i="0" u="none" strike="noStrike" kern="1200" baseline="0">
-                  <a:solidFill>
-                    <a:schemeClr val="tx1">
-                      <a:lumMod val="75000"/>
-                      <a:lumOff val="25000"/>
-                    </a:schemeClr>
-                  </a:solidFill>
-                  <a:latin typeface="+mn-lt"/>
-                  <a:ea typeface="+mn-ea"/>
-                  <a:cs typeface="+mn-cs"/>
-                </a:defRPr>
-              </a:pPr>
-              <a:endParaRPr lang="en-US"/>
-            </a:p>
-          </c:txPr>
-          <c:showLegendKey val="0"/>
-          <c:showVal val="0"/>
-          <c:showCatName val="0"/>
-          <c:showSerName val="0"/>
-          <c:showPercent val="0"/>
-          <c:showBubbleSize val="0"/>
-          <c:extLst>
-            <c:ext xmlns:c15="http://schemas.microsoft.com/office/drawing/2012/chart" uri="{CE6537A1-D6FC-4f65-9D91-7224C49458BB}"/>
-          </c:extLst>
-        </c:dLbl>
       </c:pivotFmt>
       <c:pivotFmt>
         <c:idx val="10"/>
@@ -781,52 +317,10 @@
             <a:noFill/>
           </a:ln>
           <a:effectLst/>
-          <a:sp3d/>
         </c:spPr>
         <c:marker>
           <c:symbol val="none"/>
         </c:marker>
-        <c:dLbl>
-          <c:idx val="0"/>
-          <c:spPr>
-            <a:noFill/>
-            <a:ln>
-              <a:noFill/>
-            </a:ln>
-            <a:effectLst/>
-          </c:spPr>
-          <c:txPr>
-            <a:bodyPr rot="0" spcFirstLastPara="1" vertOverflow="ellipsis" vert="horz" wrap="square" lIns="38100" tIns="19050" rIns="38100" bIns="19050" anchor="ctr" anchorCtr="1">
-              <a:spAutoFit/>
-            </a:bodyPr>
-            <a:lstStyle/>
-            <a:p>
-              <a:pPr>
-                <a:defRPr sz="900" b="0" i="0" u="none" strike="noStrike" kern="1200" baseline="0">
-                  <a:solidFill>
-                    <a:schemeClr val="tx1">
-                      <a:lumMod val="75000"/>
-                      <a:lumOff val="25000"/>
-                    </a:schemeClr>
-                  </a:solidFill>
-                  <a:latin typeface="+mn-lt"/>
-                  <a:ea typeface="+mn-ea"/>
-                  <a:cs typeface="+mn-cs"/>
-                </a:defRPr>
-              </a:pPr>
-              <a:endParaRPr lang="en-US"/>
-            </a:p>
-          </c:txPr>
-          <c:showLegendKey val="0"/>
-          <c:showVal val="0"/>
-          <c:showCatName val="0"/>
-          <c:showSerName val="0"/>
-          <c:showPercent val="0"/>
-          <c:showBubbleSize val="0"/>
-          <c:extLst>
-            <c:ext xmlns:c15="http://schemas.microsoft.com/office/drawing/2012/chart" uri="{CE6537A1-D6FC-4f65-9D91-7224C49458BB}"/>
-          </c:extLst>
-        </c:dLbl>
       </c:pivotFmt>
       <c:pivotFmt>
         <c:idx val="11"/>
@@ -838,52 +332,10 @@
             <a:noFill/>
           </a:ln>
           <a:effectLst/>
-          <a:sp3d/>
         </c:spPr>
         <c:marker>
           <c:symbol val="none"/>
         </c:marker>
-        <c:dLbl>
-          <c:idx val="0"/>
-          <c:spPr>
-            <a:noFill/>
-            <a:ln>
-              <a:noFill/>
-            </a:ln>
-            <a:effectLst/>
-          </c:spPr>
-          <c:txPr>
-            <a:bodyPr rot="0" spcFirstLastPara="1" vertOverflow="ellipsis" vert="horz" wrap="square" lIns="38100" tIns="19050" rIns="38100" bIns="19050" anchor="ctr" anchorCtr="1">
-              <a:spAutoFit/>
-            </a:bodyPr>
-            <a:lstStyle/>
-            <a:p>
-              <a:pPr>
-                <a:defRPr sz="900" b="0" i="0" u="none" strike="noStrike" kern="1200" baseline="0">
-                  <a:solidFill>
-                    <a:schemeClr val="tx1">
-                      <a:lumMod val="75000"/>
-                      <a:lumOff val="25000"/>
-                    </a:schemeClr>
-                  </a:solidFill>
-                  <a:latin typeface="+mn-lt"/>
-                  <a:ea typeface="+mn-ea"/>
-                  <a:cs typeface="+mn-cs"/>
-                </a:defRPr>
-              </a:pPr>
-              <a:endParaRPr lang="en-US"/>
-            </a:p>
-          </c:txPr>
-          <c:showLegendKey val="0"/>
-          <c:showVal val="0"/>
-          <c:showCatName val="0"/>
-          <c:showSerName val="0"/>
-          <c:showPercent val="0"/>
-          <c:showBubbleSize val="0"/>
-          <c:extLst>
-            <c:ext xmlns:c15="http://schemas.microsoft.com/office/drawing/2012/chart" uri="{CE6537A1-D6FC-4f65-9D91-7224C49458BB}"/>
-          </c:extLst>
-        </c:dLbl>
       </c:pivotFmt>
       <c:pivotFmt>
         <c:idx val="12"/>
@@ -895,108 +347,47 @@
             <a:noFill/>
           </a:ln>
           <a:effectLst/>
-          <a:sp3d/>
         </c:spPr>
         <c:marker>
           <c:symbol val="none"/>
         </c:marker>
-        <c:dLbl>
-          <c:idx val="0"/>
-          <c:spPr>
+      </c:pivotFmt>
+      <c:pivotFmt>
+        <c:idx val="13"/>
+        <c:spPr>
+          <a:solidFill>
+            <a:schemeClr val="accent1"/>
+          </a:solidFill>
+          <a:ln>
             <a:noFill/>
-            <a:ln>
-              <a:noFill/>
-            </a:ln>
-            <a:effectLst/>
-          </c:spPr>
-          <c:txPr>
-            <a:bodyPr rot="0" spcFirstLastPara="1" vertOverflow="ellipsis" vert="horz" wrap="square" lIns="38100" tIns="19050" rIns="38100" bIns="19050" anchor="ctr" anchorCtr="1">
-              <a:spAutoFit/>
-            </a:bodyPr>
-            <a:lstStyle/>
-            <a:p>
-              <a:pPr>
-                <a:defRPr sz="900" b="0" i="0" u="none" strike="noStrike" kern="1200" baseline="0">
-                  <a:solidFill>
-                    <a:schemeClr val="tx1">
-                      <a:lumMod val="75000"/>
-                      <a:lumOff val="25000"/>
-                    </a:schemeClr>
-                  </a:solidFill>
-                  <a:latin typeface="+mn-lt"/>
-                  <a:ea typeface="+mn-ea"/>
-                  <a:cs typeface="+mn-cs"/>
-                </a:defRPr>
-              </a:pPr>
-              <a:endParaRPr lang="en-US"/>
-            </a:p>
-          </c:txPr>
-          <c:showLegendKey val="0"/>
-          <c:showVal val="0"/>
-          <c:showCatName val="0"/>
-          <c:showSerName val="0"/>
-          <c:showPercent val="0"/>
-          <c:showBubbleSize val="0"/>
-          <c:extLst>
-            <c:ext xmlns:c15="http://schemas.microsoft.com/office/drawing/2012/chart" uri="{CE6537A1-D6FC-4f65-9D91-7224C49458BB}"/>
-          </c:extLst>
-        </c:dLbl>
+          </a:ln>
+          <a:effectLst/>
+        </c:spPr>
+        <c:marker>
+          <c:symbol val="none"/>
+        </c:marker>
+      </c:pivotFmt>
+      <c:pivotFmt>
+        <c:idx val="14"/>
+        <c:spPr>
+          <a:solidFill>
+            <a:schemeClr val="accent1"/>
+          </a:solidFill>
+          <a:ln>
+            <a:noFill/>
+          </a:ln>
+          <a:effectLst/>
+        </c:spPr>
+        <c:marker>
+          <c:symbol val="none"/>
+        </c:marker>
       </c:pivotFmt>
     </c:pivotFmts>
-    <c:view3D>
-      <c:rotX val="15"/>
-      <c:rotY val="20"/>
-      <c:depthPercent val="100"/>
-      <c:rAngAx val="1"/>
-    </c:view3D>
-    <c:floor>
-      <c:thickness val="0"/>
-      <c:spPr>
-        <a:noFill/>
-        <a:ln>
-          <a:noFill/>
-        </a:ln>
-        <a:effectLst/>
-        <a:sp3d/>
-      </c:spPr>
-    </c:floor>
-    <c:sideWall>
-      <c:thickness val="0"/>
-      <c:spPr>
-        <a:noFill/>
-        <a:ln>
-          <a:noFill/>
-        </a:ln>
-        <a:effectLst/>
-        <a:sp3d/>
-      </c:spPr>
-    </c:sideWall>
-    <c:backWall>
-      <c:thickness val="0"/>
-      <c:spPr>
-        <a:noFill/>
-        <a:ln>
-          <a:noFill/>
-        </a:ln>
-        <a:effectLst/>
-        <a:sp3d/>
-      </c:spPr>
-    </c:backWall>
     <c:plotArea>
-      <c:layout>
-        <c:manualLayout>
-          <c:layoutTarget val="inner"/>
-          <c:xMode val="edge"/>
-          <c:yMode val="edge"/>
-          <c:x val="0.12121884981297076"/>
-          <c:y val="0.20848000000000003"/>
-          <c:w val="0.5606162570242711"/>
-          <c:h val="0.6302756955380577"/>
-        </c:manualLayout>
-      </c:layout>
-      <c:bar3DChart>
+      <c:layout/>
+      <c:barChart>
         <c:barDir val="col"/>
-        <c:grouping val="standard"/>
+        <c:grouping val="clustered"/>
         <c:varyColors val="0"/>
         <c:ser>
           <c:idx val="0"/>
@@ -1007,7 +398,7 @@
               <c:strCache>
                 <c:ptCount val="1"/>
                 <c:pt idx="0">
-                  <c:v>HIGH</c:v>
+                  <c:v>1</c:v>
                 </c:pt>
               </c:strCache>
             </c:strRef>
@@ -1020,7 +411,6 @@
               <a:noFill/>
             </a:ln>
             <a:effectLst/>
-            <a:sp3d/>
           </c:spPr>
           <c:invertIfNegative val="0"/>
           <c:cat>
@@ -1068,38 +458,43 @@
                 <c:formatCode>General</c:formatCode>
                 <c:ptCount val="10"/>
                 <c:pt idx="0">
-                  <c:v>16.0</c:v>
+                  <c:v>25</c:v>
                 </c:pt>
                 <c:pt idx="1">
-                  <c:v>18.0</c:v>
+                  <c:v>32</c:v>
                 </c:pt>
                 <c:pt idx="2">
-                  <c:v>21.0</c:v>
+                  <c:v>29</c:v>
                 </c:pt>
                 <c:pt idx="3">
-                  <c:v>17.0</c:v>
+                  <c:v>25</c:v>
                 </c:pt>
                 <c:pt idx="4">
-                  <c:v>21.0</c:v>
+                  <c:v>25</c:v>
                 </c:pt>
                 <c:pt idx="5">
-                  <c:v>29.0</c:v>
+                  <c:v>28</c:v>
                 </c:pt>
                 <c:pt idx="6">
-                  <c:v>26.0</c:v>
+                  <c:v>28</c:v>
                 </c:pt>
                 <c:pt idx="7">
-                  <c:v>26.0</c:v>
+                  <c:v>28</c:v>
                 </c:pt>
                 <c:pt idx="8">
-                  <c:v>21.0</c:v>
+                  <c:v>24</c:v>
                 </c:pt>
                 <c:pt idx="9">
-                  <c:v>25.0</c:v>
+                  <c:v>27</c:v>
                 </c:pt>
               </c:numCache>
             </c:numRef>
           </c:val>
+          <c:extLst>
+            <c:ext xmlns:c16="http://schemas.microsoft.com/office/drawing/2014/chart" uri="{C3380CC4-5D6E-409C-BE32-E72D297353CC}">
+              <c16:uniqueId val="{00000000-6D97-44C2-A54A-939B89EB5C0F}"/>
+            </c:ext>
+          </c:extLst>
         </c:ser>
         <c:ser>
           <c:idx val="1"/>
@@ -1110,7 +505,7 @@
               <c:strCache>
                 <c:ptCount val="1"/>
                 <c:pt idx="0">
-                  <c:v>LOW</c:v>
+                  <c:v>2</c:v>
                 </c:pt>
               </c:strCache>
             </c:strRef>
@@ -1123,7 +518,6 @@
               <a:noFill/>
             </a:ln>
             <a:effectLst/>
-            <a:sp3d/>
           </c:spPr>
           <c:invertIfNegative val="0"/>
           <c:cat>
@@ -1171,38 +565,43 @@
                 <c:formatCode>General</c:formatCode>
                 <c:ptCount val="10"/>
                 <c:pt idx="0">
-                  <c:v>34.0</c:v>
+                  <c:v>55</c:v>
                 </c:pt>
                 <c:pt idx="1">
-                  <c:v>47.0</c:v>
+                  <c:v>57</c:v>
                 </c:pt>
                 <c:pt idx="2">
-                  <c:v>41.0</c:v>
+                  <c:v>49</c:v>
                 </c:pt>
                 <c:pt idx="3">
-                  <c:v>39.0</c:v>
+                  <c:v>51</c:v>
                 </c:pt>
                 <c:pt idx="4">
-                  <c:v>41.0</c:v>
+                  <c:v>48</c:v>
                 </c:pt>
                 <c:pt idx="5">
-                  <c:v>33.0</c:v>
+                  <c:v>40</c:v>
                 </c:pt>
                 <c:pt idx="6">
-                  <c:v>41.0</c:v>
+                  <c:v>57</c:v>
                 </c:pt>
                 <c:pt idx="7">
-                  <c:v>43.0</c:v>
+                  <c:v>50</c:v>
                 </c:pt>
                 <c:pt idx="8">
-                  <c:v>45.0</c:v>
+                  <c:v>51</c:v>
                 </c:pt>
                 <c:pt idx="9">
-                  <c:v>34.0</c:v>
+                  <c:v>52</c:v>
                 </c:pt>
               </c:numCache>
             </c:numRef>
           </c:val>
+          <c:extLst>
+            <c:ext xmlns:c16="http://schemas.microsoft.com/office/drawing/2014/chart" uri="{C3380CC4-5D6E-409C-BE32-E72D297353CC}">
+              <c16:uniqueId val="{00000001-6D97-44C2-A54A-939B89EB5C0F}"/>
+            </c:ext>
+          </c:extLst>
         </c:ser>
         <c:ser>
           <c:idx val="2"/>
@@ -1213,7 +612,7 @@
               <c:strCache>
                 <c:ptCount val="1"/>
                 <c:pt idx="0">
-                  <c:v>MED</c:v>
+                  <c:v>3</c:v>
                 </c:pt>
               </c:strCache>
             </c:strRef>
@@ -1226,7 +625,6 @@
               <a:noFill/>
             </a:ln>
             <a:effectLst/>
-            <a:sp3d/>
           </c:spPr>
           <c:invertIfNegative val="0"/>
           <c:cat>
@@ -1274,38 +672,43 @@
                 <c:formatCode>General</c:formatCode>
                 <c:ptCount val="10"/>
                 <c:pt idx="0">
-                  <c:v>85.0</c:v>
+                  <c:v>152</c:v>
                 </c:pt>
                 <c:pt idx="1">
-                  <c:v>65.0</c:v>
+                  <c:v>141</c:v>
                 </c:pt>
                 <c:pt idx="2">
-                  <c:v>78.0</c:v>
+                  <c:v>160</c:v>
                 </c:pt>
                 <c:pt idx="3">
-                  <c:v>92.0</c:v>
+                  <c:v>158</c:v>
                 </c:pt>
                 <c:pt idx="4">
-                  <c:v>77.0</c:v>
+                  <c:v>158</c:v>
                 </c:pt>
                 <c:pt idx="5">
-                  <c:v>69.0</c:v>
+                  <c:v>151</c:v>
                 </c:pt>
                 <c:pt idx="6">
-                  <c:v>75.0</c:v>
+                  <c:v>146</c:v>
                 </c:pt>
                 <c:pt idx="7">
-                  <c:v>82.0</c:v>
+                  <c:v>156</c:v>
                 </c:pt>
                 <c:pt idx="8">
-                  <c:v>71.0</c:v>
+                  <c:v>160</c:v>
                 </c:pt>
                 <c:pt idx="9">
-                  <c:v>84.0</c:v>
+                  <c:v>148</c:v>
                 </c:pt>
               </c:numCache>
             </c:numRef>
           </c:val>
+          <c:extLst>
+            <c:ext xmlns:c16="http://schemas.microsoft.com/office/drawing/2014/chart" uri="{C3380CC4-5D6E-409C-BE32-E72D297353CC}">
+              <c16:uniqueId val="{00000002-6D97-44C2-A54A-939B89EB5C0F}"/>
+            </c:ext>
+          </c:extLst>
         </c:ser>
         <c:ser>
           <c:idx val="3"/>
@@ -1316,7 +719,7 @@
               <c:strCache>
                 <c:ptCount val="1"/>
                 <c:pt idx="0">
-                  <c:v>VERY HIGH</c:v>
+                  <c:v>4</c:v>
                 </c:pt>
               </c:strCache>
             </c:strRef>
@@ -1329,7 +732,6 @@
               <a:noFill/>
             </a:ln>
             <a:effectLst/>
-            <a:sp3d/>
           </c:spPr>
           <c:invertIfNegative val="0"/>
           <c:cat>
@@ -1377,38 +779,150 @@
                 <c:formatCode>General</c:formatCode>
                 <c:ptCount val="10"/>
                 <c:pt idx="0">
-                  <c:v>15.0</c:v>
+                  <c:v>37</c:v>
                 </c:pt>
                 <c:pt idx="1">
-                  <c:v>15.0</c:v>
+                  <c:v>45</c:v>
                 </c:pt>
                 <c:pt idx="2">
-                  <c:v>14.0</c:v>
+                  <c:v>41</c:v>
                 </c:pt>
                 <c:pt idx="3">
-                  <c:v>9.0</c:v>
+                  <c:v>34</c:v>
                 </c:pt>
                 <c:pt idx="4">
-                  <c:v>15.0</c:v>
+                  <c:v>50</c:v>
                 </c:pt>
                 <c:pt idx="5">
-                  <c:v>12.0</c:v>
+                  <c:v>50</c:v>
                 </c:pt>
                 <c:pt idx="6">
-                  <c:v>15.0</c:v>
+                  <c:v>44</c:v>
                 </c:pt>
                 <c:pt idx="7">
-                  <c:v>16.0</c:v>
+                  <c:v>40</c:v>
                 </c:pt>
                 <c:pt idx="8">
-                  <c:v>13.0</c:v>
+                  <c:v>38</c:v>
                 </c:pt>
                 <c:pt idx="9">
-                  <c:v>13.0</c:v>
+                  <c:v>40</c:v>
                 </c:pt>
               </c:numCache>
             </c:numRef>
           </c:val>
+          <c:extLst>
+            <c:ext xmlns:c16="http://schemas.microsoft.com/office/drawing/2014/chart" uri="{C3380CC4-5D6E-409C-BE32-E72D297353CC}">
+              <c16:uniqueId val="{00000003-6D97-44C2-A54A-939B89EB5C0F}"/>
+            </c:ext>
+          </c:extLst>
+        </c:ser>
+        <c:ser>
+          <c:idx val="4"/>
+          <c:order val="4"/>
+          <c:tx>
+            <c:strRef>
+              <c:f>Sheet1!$F$3:$F$4</c:f>
+              <c:strCache>
+                <c:ptCount val="1"/>
+                <c:pt idx="0">
+                  <c:v>5</c:v>
+                </c:pt>
+              </c:strCache>
+            </c:strRef>
+          </c:tx>
+          <c:spPr>
+            <a:solidFill>
+              <a:schemeClr val="accent5"/>
+            </a:solidFill>
+            <a:ln>
+              <a:noFill/>
+            </a:ln>
+            <a:effectLst/>
+          </c:spPr>
+          <c:invertIfNegative val="0"/>
+          <c:cat>
+            <c:strRef>
+              <c:f>Sheet1!$A$5:$A$15</c:f>
+              <c:strCache>
+                <c:ptCount val="10"/>
+                <c:pt idx="0">
+                  <c:v>BPC</c:v>
+                </c:pt>
+                <c:pt idx="1">
+                  <c:v>CCDR</c:v>
+                </c:pt>
+                <c:pt idx="2">
+                  <c:v>EW</c:v>
+                </c:pt>
+                <c:pt idx="3">
+                  <c:v>MSC</c:v>
+                </c:pt>
+                <c:pt idx="4">
+                  <c:v>NEL</c:v>
+                </c:pt>
+                <c:pt idx="5">
+                  <c:v>PL</c:v>
+                </c:pt>
+                <c:pt idx="6">
+                  <c:v>PYZ</c:v>
+                </c:pt>
+                <c:pt idx="7">
+                  <c:v>SVG</c:v>
+                </c:pt>
+                <c:pt idx="8">
+                  <c:v>TNS</c:v>
+                </c:pt>
+                <c:pt idx="9">
+                  <c:v>WBL</c:v>
+                </c:pt>
+              </c:strCache>
+            </c:strRef>
+          </c:cat>
+          <c:val>
+            <c:numRef>
+              <c:f>Sheet1!$F$5:$F$15</c:f>
+              <c:numCache>
+                <c:formatCode>General</c:formatCode>
+                <c:ptCount val="10"/>
+                <c:pt idx="0">
+                  <c:v>34</c:v>
+                </c:pt>
+                <c:pt idx="1">
+                  <c:v>25</c:v>
+                </c:pt>
+                <c:pt idx="2">
+                  <c:v>23</c:v>
+                </c:pt>
+                <c:pt idx="3">
+                  <c:v>28</c:v>
+                </c:pt>
+                <c:pt idx="4">
+                  <c:v>23</c:v>
+                </c:pt>
+                <c:pt idx="5">
+                  <c:v>32</c:v>
+                </c:pt>
+                <c:pt idx="6">
+                  <c:v>24</c:v>
+                </c:pt>
+                <c:pt idx="7">
+                  <c:v>30</c:v>
+                </c:pt>
+                <c:pt idx="8">
+                  <c:v>24</c:v>
+                </c:pt>
+                <c:pt idx="9">
+                  <c:v>27</c:v>
+                </c:pt>
+              </c:numCache>
+            </c:numRef>
+          </c:val>
+          <c:extLst>
+            <c:ext xmlns:c16="http://schemas.microsoft.com/office/drawing/2014/chart" uri="{C3380CC4-5D6E-409C-BE32-E72D297353CC}">
+              <c16:uniqueId val="{00000004-6D97-44C2-A54A-939B89EB5C0F}"/>
+            </c:ext>
+          </c:extLst>
         </c:ser>
         <c:dLbls>
           <c:showLegendKey val="0"/>
@@ -1418,14 +932,13 @@
           <c:showPercent val="0"/>
           <c:showBubbleSize val="0"/>
         </c:dLbls>
-        <c:gapWidth val="150"/>
-        <c:shape val="box"/>
-        <c:axId val="137330895"/>
-        <c:axId val="137338095"/>
-        <c:axId val="27087535"/>
-      </c:bar3DChart>
+        <c:gapWidth val="219"/>
+        <c:overlap val="-27"/>
+        <c:axId val="1931268559"/>
+        <c:axId val="1931265647"/>
+      </c:barChart>
       <c:catAx>
-        <c:axId val="137330895"/>
+        <c:axId val="1931268559"/>
         <c:scaling>
           <c:orientation val="minMax"/>
         </c:scaling>
@@ -1437,8 +950,14 @@
         <c:tickLblPos val="nextTo"/>
         <c:spPr>
           <a:noFill/>
-          <a:ln>
-            <a:noFill/>
+          <a:ln w="9525" cap="flat" cmpd="sng" algn="ctr">
+            <a:solidFill>
+              <a:schemeClr val="tx1">
+                <a:lumMod val="15000"/>
+                <a:lumOff val="85000"/>
+              </a:schemeClr>
+            </a:solidFill>
+            <a:round/>
           </a:ln>
           <a:effectLst/>
         </c:spPr>
@@ -1462,7 +981,7 @@
             <a:endParaRPr lang="en-US"/>
           </a:p>
         </c:txPr>
-        <c:crossAx val="137338095"/>
+        <c:crossAx val="1931265647"/>
         <c:crosses val="autoZero"/>
         <c:auto val="1"/>
         <c:lblAlgn val="ctr"/>
@@ -1470,7 +989,7 @@
         <c:noMultiLvlLbl val="0"/>
       </c:catAx>
       <c:valAx>
-        <c:axId val="137338095"/>
+        <c:axId val="1931265647"/>
         <c:scaling>
           <c:orientation val="minMax"/>
         </c:scaling>
@@ -1521,50 +1040,10 @@
             <a:endParaRPr lang="en-US"/>
           </a:p>
         </c:txPr>
-        <c:crossAx val="137330895"/>
+        <c:crossAx val="1931268559"/>
         <c:crosses val="autoZero"/>
         <c:crossBetween val="between"/>
       </c:valAx>
-      <c:serAx>
-        <c:axId val="27087535"/>
-        <c:scaling>
-          <c:orientation val="minMax"/>
-        </c:scaling>
-        <c:delete val="0"/>
-        <c:axPos val="b"/>
-        <c:majorTickMark val="none"/>
-        <c:minorTickMark val="none"/>
-        <c:tickLblPos val="nextTo"/>
-        <c:spPr>
-          <a:noFill/>
-          <a:ln>
-            <a:noFill/>
-          </a:ln>
-          <a:effectLst/>
-        </c:spPr>
-        <c:txPr>
-          <a:bodyPr rot="-60000000" spcFirstLastPara="1" vertOverflow="ellipsis" vert="horz" wrap="square" anchor="ctr" anchorCtr="1"/>
-          <a:lstStyle/>
-          <a:p>
-            <a:pPr>
-              <a:defRPr sz="900" b="0" i="0" u="none" strike="noStrike" kern="1200" baseline="0">
-                <a:solidFill>
-                  <a:schemeClr val="tx1">
-                    <a:lumMod val="65000"/>
-                    <a:lumOff val="35000"/>
-                  </a:schemeClr>
-                </a:solidFill>
-                <a:latin typeface="+mn-lt"/>
-                <a:ea typeface="+mn-ea"/>
-                <a:cs typeface="+mn-cs"/>
-              </a:defRPr>
-            </a:pPr>
-            <a:endParaRPr lang="en-US"/>
-          </a:p>
-        </c:txPr>
-        <c:crossAx val="137338095"/>
-        <c:crosses val="autoZero"/>
-      </c:serAx>
       <c:spPr>
         <a:noFill/>
         <a:ln>
@@ -1575,6 +1054,7 @@
     </c:plotArea>
     <c:legend>
       <c:legendPos val="r"/>
+      <c:layout/>
       <c:overlay val="0"/>
       <c:spPr>
         <a:noFill/>
@@ -1607,13 +1087,6 @@
     <c:plotVisOnly val="1"/>
     <c:dispBlanksAs val="gap"/>
     <c:showDLblsOverMax val="0"/>
-    <c:extLst>
-      <c:ext xmlns:c16r3="http://schemas.microsoft.com/office/drawing/2017/03/chart" uri="{56B9EC1D-385E-4148-901F-78D8002777C0}">
-        <c16r3:dataDisplayOptions16>
-          <c16r3:dispNaAsBlank val="1"/>
-        </c16r3:dataDisplayOptions16>
-      </c:ext>
-    </c:extLst>
   </c:chart>
   <c:spPr>
     <a:noFill/>
@@ -1632,9 +1105,25 @@
       <a:endParaRPr lang="en-US"/>
     </a:p>
   </c:txPr>
-  <c:externalData r:id="rId1">
+  <c:externalData r:id="rId3">
     <c:autoUpdate val="0"/>
   </c:externalData>
+  <c:extLst>
+    <c:ext xmlns:c14="http://schemas.microsoft.com/office/drawing/2007/8/2/chart" uri="{781A3756-C4B2-4CAC-9D66-4F8BD8637D16}">
+      <c14:pivotOptions>
+        <c14:dropZoneFilter val="1"/>
+        <c14:dropZoneCategories val="1"/>
+        <c14:dropZoneData val="1"/>
+        <c14:dropZoneSeries val="1"/>
+        <c14:dropZonesVisible val="1"/>
+      </c14:pivotOptions>
+    </c:ext>
+    <c:ext xmlns:c16="http://schemas.microsoft.com/office/drawing/2014/chart" uri="{E28EC0CA-F0BB-4C9C-879D-F8772B89E7AC}">
+      <c16:pivotOptions16>
+        <c16:showExpandCollapseFieldButtons val="1"/>
+      </c16:pivotOptions16>
+    </c:ext>
+  </c:extLst>
 </c:chartSpace>
 </file>
 
@@ -1679,7 +1168,7 @@
 </file>
 
 <file path=ppt/charts/style1.xml><?xml version="1.0" encoding="utf-8"?>
-<cs:chartStyle xmlns:cs="http://schemas.microsoft.com/office/drawing/2012/chartStyle" xmlns:a="http://schemas.openxmlformats.org/drawingml/2006/main" id="286">
+<cs:chartStyle xmlns:cs="http://schemas.microsoft.com/office/drawing/2012/chartStyle" xmlns:a="http://schemas.openxmlformats.org/drawingml/2006/main" id="201">
   <cs:axisTitle>
     <cs:lnRef idx="0"/>
     <cs:fillRef idx="0"/>
@@ -1702,6 +1191,17 @@
         <a:lumOff val="35000"/>
       </a:schemeClr>
     </cs:fontRef>
+    <cs:spPr>
+      <a:ln w="9525" cap="flat" cmpd="sng" algn="ctr">
+        <a:solidFill>
+          <a:schemeClr val="tx1">
+            <a:lumMod val="15000"/>
+            <a:lumOff val="85000"/>
+          </a:schemeClr>
+        </a:solidFill>
+        <a:round/>
+      </a:ln>
+    </cs:spPr>
     <cs:defRPr sz="900" kern="1200"/>
   </cs:categoryAxis>
   <cs:chartArea mods="allowNoFillOverride allowNoLineOverride">
@@ -1872,23 +1372,22 @@
     <cs:fillRef idx="0"/>
     <cs:effectRef idx="0"/>
     <cs:fontRef idx="minor">
-      <a:schemeClr val="tx1"/>
+      <a:schemeClr val="dk1"/>
     </cs:fontRef>
     <cs:spPr>
       <a:solidFill>
         <a:schemeClr val="dk1">
-          <a:lumMod val="75000"/>
-          <a:lumOff val="25000"/>
+          <a:lumMod val="65000"/>
+          <a:lumOff val="35000"/>
         </a:schemeClr>
       </a:solidFill>
-      <a:ln w="9525" cap="flat" cmpd="sng" algn="ctr">
+      <a:ln w="9525">
         <a:solidFill>
           <a:schemeClr val="tx1">
             <a:lumMod val="65000"/>
             <a:lumOff val="35000"/>
           </a:schemeClr>
         </a:solidFill>
-        <a:round/>
       </a:ln>
     </cs:spPr>
   </cs:downBar>
@@ -1993,8 +1492,8 @@
       <a:ln w="9525" cap="flat" cmpd="sng" algn="ctr">
         <a:solidFill>
           <a:schemeClr val="tx1">
-            <a:lumMod val="50000"/>
-            <a:lumOff val="50000"/>
+            <a:lumMod val="75000"/>
+            <a:lumOff val="25000"/>
           </a:schemeClr>
         </a:solidFill>
         <a:round/>
@@ -2126,20 +1625,19 @@
     <cs:fillRef idx="0"/>
     <cs:effectRef idx="0"/>
     <cs:fontRef idx="minor">
-      <a:schemeClr val="tx1"/>
+      <a:schemeClr val="dk1"/>
     </cs:fontRef>
     <cs:spPr>
       <a:solidFill>
         <a:schemeClr val="lt1"/>
       </a:solidFill>
-      <a:ln w="9525" cap="flat" cmpd="sng" algn="ctr">
+      <a:ln w="9525">
         <a:solidFill>
           <a:schemeClr val="tx1">
-            <a:lumMod val="65000"/>
-            <a:lumOff val="35000"/>
+            <a:lumMod val="15000"/>
+            <a:lumOff val="85000"/>
           </a:schemeClr>
         </a:solidFill>
-        <a:round/>
       </a:ln>
     </cs:spPr>
   </cs:upBar>
@@ -2182,7 +1680,7 @@
     </p:bg>
     <p:spTree>
       <p:nvGrpSpPr>
-        <p:cNvPr id="46" name=""/>
+        <p:cNvPr id="1" name=""/>
         <p:cNvGrpSpPr/>
         <p:nvPr/>
       </p:nvGrpSpPr>
@@ -2209,10 +1707,12 @@
             <a:off x="0" y="0"/>
             <a:ext cx="5283200" cy="344488"/>
           </a:xfrm>
-          <a:prstGeom prst="rect"/>
+          <a:prstGeom prst="rect">
+            <a:avLst/>
+          </a:prstGeom>
         </p:spPr>
         <p:txBody>
-          <a:bodyPr bIns="45720" lIns="91440" rIns="91440" rtlCol="0" tIns="45720" vert="horz"/>
+          <a:bodyPr vert="horz" lIns="91440" tIns="45720" rIns="91440" bIns="45720" rtlCol="0"/>
           <a:lstStyle>
             <a:lvl1pPr algn="l">
               <a:defRPr sz="1200"/>
@@ -2238,10 +1738,12 @@
             <a:off x="6905625" y="0"/>
             <a:ext cx="5283200" cy="344488"/>
           </a:xfrm>
-          <a:prstGeom prst="rect"/>
+          <a:prstGeom prst="rect">
+            <a:avLst/>
+          </a:prstGeom>
         </p:spPr>
         <p:txBody>
-          <a:bodyPr bIns="45720" lIns="91440" rIns="91440" rtlCol="0" tIns="45720" vert="horz"/>
+          <a:bodyPr vert="horz" lIns="91440" tIns="45720" rIns="91440" bIns="45720" rtlCol="0"/>
           <a:lstStyle>
             <a:lvl1pPr algn="r">
               <a:defRPr sz="1200"/>
@@ -2250,7 +1752,7 @@
           <a:p>
             <a:fld id="{84B86612-B127-4CD0-BF15-66D49A7175F7}" type="datetimeFigureOut">
               <a:rPr lang="en-IN" smtClean="0"/>
-              <a:t>29-08-2024</a:t>
+              <a:t>14-11-2024</a:t>
             </a:fld>
             <a:endParaRPr lang="en-IN"/>
           </a:p>
@@ -2260,7 +1762,7 @@
         <p:nvSpPr>
           <p:cNvPr id="1048711" name="Slide Image Placeholder 3"/>
           <p:cNvSpPr>
-            <a:spLocks noChangeAspect="1" noRot="1" noGrp="1"/>
+            <a:spLocks noGrp="1" noRot="1" noChangeAspect="1"/>
           </p:cNvSpPr>
           <p:nvPr>
             <p:ph type="sldImg" idx="2"/>
@@ -2271,7 +1773,9 @@
             <a:off x="4038600" y="857250"/>
             <a:ext cx="4114800" cy="2314575"/>
           </a:xfrm>
-          <a:prstGeom prst="rect"/>
+          <a:prstGeom prst="rect">
+            <a:avLst/>
+          </a:prstGeom>
           <a:noFill/>
           <a:ln w="12700">
             <a:solidFill>
@@ -2280,7 +1784,8 @@
           </a:ln>
         </p:spPr>
         <p:txBody>
-          <a:bodyPr anchor="ctr" bIns="45720" lIns="91440" rIns="91440" rtlCol="0" tIns="45720" vert="horz"/>
+          <a:bodyPr vert="horz" lIns="91440" tIns="45720" rIns="91440" bIns="45720" rtlCol="0" anchor="ctr"/>
+          <a:lstStyle/>
           <a:p>
             <a:endParaRPr lang="en-IN"/>
           </a:p>
@@ -2301,10 +1806,13 @@
             <a:off x="1219200" y="3300413"/>
             <a:ext cx="9753600" cy="2700337"/>
           </a:xfrm>
-          <a:prstGeom prst="rect"/>
+          <a:prstGeom prst="rect">
+            <a:avLst/>
+          </a:prstGeom>
         </p:spPr>
         <p:txBody>
-          <a:bodyPr bIns="45720" lIns="91440" rIns="91440" rtlCol="0" tIns="45720" vert="horz"/>
+          <a:bodyPr vert="horz" lIns="91440" tIns="45720" rIns="91440" bIns="45720" rtlCol="0"/>
+          <a:lstStyle/>
           <a:p>
             <a:pPr lvl="0"/>
             <a:r>
@@ -2358,10 +1866,12 @@
             <a:off x="0" y="6513513"/>
             <a:ext cx="5283200" cy="344487"/>
           </a:xfrm>
-          <a:prstGeom prst="rect"/>
+          <a:prstGeom prst="rect">
+            <a:avLst/>
+          </a:prstGeom>
         </p:spPr>
         <p:txBody>
-          <a:bodyPr anchor="b" bIns="45720" lIns="91440" rIns="91440" rtlCol="0" tIns="45720" vert="horz"/>
+          <a:bodyPr vert="horz" lIns="91440" tIns="45720" rIns="91440" bIns="45720" rtlCol="0" anchor="b"/>
           <a:lstStyle>
             <a:lvl1pPr algn="l">
               <a:defRPr sz="1200"/>
@@ -2387,10 +1897,12 @@
             <a:off x="6905625" y="6513513"/>
             <a:ext cx="5283200" cy="344487"/>
           </a:xfrm>
-          <a:prstGeom prst="rect"/>
+          <a:prstGeom prst="rect">
+            <a:avLst/>
+          </a:prstGeom>
         </p:spPr>
         <p:txBody>
-          <a:bodyPr anchor="b" bIns="45720" lIns="91440" rIns="91440" rtlCol="0" tIns="45720" vert="horz"/>
+          <a:bodyPr vert="horz" lIns="91440" tIns="45720" rIns="91440" bIns="45720" rtlCol="0" anchor="b"/>
           <a:lstStyle>
             <a:lvl1pPr algn="r">
               <a:defRPr sz="1200"/>
@@ -2407,9 +1919,9 @@
       </p:sp>
     </p:spTree>
   </p:cSld>
-  <p:clrMap accent1="accent1" accent2="accent2" accent3="accent3" accent4="accent4" accent5="accent5" accent6="accent6" bg1="lt1" bg2="lt2" tx1="dk1" tx2="dk2" hlink="hlink" folHlink="folHlink"/>
+  <p:clrMap bg1="lt1" tx1="dk1" bg2="lt2" tx2="dk2" accent1="accent1" accent2="accent2" accent3="accent3" accent4="accent4" accent5="accent5" accent6="accent6" hlink="hlink" folHlink="folHlink"/>
   <p:notesStyle>
-    <a:lvl1pPr algn="l" defTabSz="914400" eaLnBrk="1" hangingPunct="1" latinLnBrk="0" marL="0" rtl="0">
+    <a:lvl1pPr marL="0" algn="l" defTabSz="914400" rtl="0" eaLnBrk="1" latinLnBrk="0" hangingPunct="1">
       <a:defRPr sz="1200" kern="1200">
         <a:solidFill>
           <a:schemeClr val="tx1"/>
@@ -2419,7 +1931,7 @@
         <a:cs typeface="+mn-cs"/>
       </a:defRPr>
     </a:lvl1pPr>
-    <a:lvl2pPr algn="l" defTabSz="914400" eaLnBrk="1" hangingPunct="1" latinLnBrk="0" marL="457200" rtl="0">
+    <a:lvl2pPr marL="457200" algn="l" defTabSz="914400" rtl="0" eaLnBrk="1" latinLnBrk="0" hangingPunct="1">
       <a:defRPr sz="1200" kern="1200">
         <a:solidFill>
           <a:schemeClr val="tx1"/>
@@ -2429,7 +1941,7 @@
         <a:cs typeface="+mn-cs"/>
       </a:defRPr>
     </a:lvl2pPr>
-    <a:lvl3pPr algn="l" defTabSz="914400" eaLnBrk="1" hangingPunct="1" latinLnBrk="0" marL="914400" rtl="0">
+    <a:lvl3pPr marL="914400" algn="l" defTabSz="914400" rtl="0" eaLnBrk="1" latinLnBrk="0" hangingPunct="1">
       <a:defRPr sz="1200" kern="1200">
         <a:solidFill>
           <a:schemeClr val="tx1"/>
@@ -2439,7 +1951,7 @@
         <a:cs typeface="+mn-cs"/>
       </a:defRPr>
     </a:lvl3pPr>
-    <a:lvl4pPr algn="l" defTabSz="914400" eaLnBrk="1" hangingPunct="1" latinLnBrk="0" marL="1371600" rtl="0">
+    <a:lvl4pPr marL="1371600" algn="l" defTabSz="914400" rtl="0" eaLnBrk="1" latinLnBrk="0" hangingPunct="1">
       <a:defRPr sz="1200" kern="1200">
         <a:solidFill>
           <a:schemeClr val="tx1"/>
@@ -2449,7 +1961,7 @@
         <a:cs typeface="+mn-cs"/>
       </a:defRPr>
     </a:lvl4pPr>
-    <a:lvl5pPr algn="l" defTabSz="914400" eaLnBrk="1" hangingPunct="1" latinLnBrk="0" marL="1828800" rtl="0">
+    <a:lvl5pPr marL="1828800" algn="l" defTabSz="914400" rtl="0" eaLnBrk="1" latinLnBrk="0" hangingPunct="1">
       <a:defRPr sz="1200" kern="1200">
         <a:solidFill>
           <a:schemeClr val="tx1"/>
@@ -2459,7 +1971,7 @@
         <a:cs typeface="+mn-cs"/>
       </a:defRPr>
     </a:lvl5pPr>
-    <a:lvl6pPr algn="l" defTabSz="914400" eaLnBrk="1" hangingPunct="1" latinLnBrk="0" marL="2286000" rtl="0">
+    <a:lvl6pPr marL="2286000" algn="l" defTabSz="914400" rtl="0" eaLnBrk="1" latinLnBrk="0" hangingPunct="1">
       <a:defRPr sz="1200" kern="1200">
         <a:solidFill>
           <a:schemeClr val="tx1"/>
@@ -2469,7 +1981,7 @@
         <a:cs typeface="+mn-cs"/>
       </a:defRPr>
     </a:lvl6pPr>
-    <a:lvl7pPr algn="l" defTabSz="914400" eaLnBrk="1" hangingPunct="1" latinLnBrk="0" marL="2743200" rtl="0">
+    <a:lvl7pPr marL="2743200" algn="l" defTabSz="914400" rtl="0" eaLnBrk="1" latinLnBrk="0" hangingPunct="1">
       <a:defRPr sz="1200" kern="1200">
         <a:solidFill>
           <a:schemeClr val="tx1"/>
@@ -2479,7 +1991,7 @@
         <a:cs typeface="+mn-cs"/>
       </a:defRPr>
     </a:lvl7pPr>
-    <a:lvl8pPr algn="l" defTabSz="914400" eaLnBrk="1" hangingPunct="1" latinLnBrk="0" marL="3200400" rtl="0">
+    <a:lvl8pPr marL="3200400" algn="l" defTabSz="914400" rtl="0" eaLnBrk="1" latinLnBrk="0" hangingPunct="1">
       <a:defRPr sz="1200" kern="1200">
         <a:solidFill>
           <a:schemeClr val="tx1"/>
@@ -2489,7 +2001,7 @@
         <a:cs typeface="+mn-cs"/>
       </a:defRPr>
     </a:lvl8pPr>
-    <a:lvl9pPr algn="l" defTabSz="914400" eaLnBrk="1" hangingPunct="1" latinLnBrk="0" marL="3657600" rtl="0">
+    <a:lvl9pPr marL="3657600" algn="l" defTabSz="914400" rtl="0" eaLnBrk="1" latinLnBrk="0" hangingPunct="1">
       <a:defRPr sz="1200" kern="1200">
         <a:solidFill>
           <a:schemeClr val="tx1"/>
@@ -2508,7 +2020,7 @@
   <p:cSld>
     <p:spTree>
       <p:nvGrpSpPr>
-        <p:cNvPr id="22" name=""/>
+        <p:cNvPr id="1" name=""/>
         <p:cNvGrpSpPr/>
         <p:nvPr/>
       </p:nvGrpSpPr>
@@ -2524,7 +2036,7 @@
         <p:nvSpPr>
           <p:cNvPr id="1048603" name="Slide Image Placeholder 1"/>
           <p:cNvSpPr>
-            <a:spLocks noChangeAspect="1" noRot="1" noGrp="1"/>
+            <a:spLocks noGrp="1" noRot="1" noChangeAspect="1"/>
           </p:cNvSpPr>
           <p:nvPr>
             <p:ph type="sldImg"/>
@@ -2545,8 +2057,9 @@
         <p:spPr/>
         <p:txBody>
           <a:bodyPr/>
-          <a:p>
-            <a:endParaRPr dirty="0" lang="en-IN"/>
+          <a:lstStyle/>
+          <a:p>
+            <a:endParaRPr lang="en-IN" dirty="0"/>
           </a:p>
         </p:txBody>
       </p:sp>
@@ -2563,6 +2076,7 @@
         <p:spPr/>
         <p:txBody>
           <a:bodyPr/>
+          <a:lstStyle/>
           <a:p>
             <a:fld id="{F7F439ED-1E90-4106-847A-8EF19031FE2F}" type="slidenum">
               <a:rPr lang="en-IN" smtClean="0"/>
@@ -2581,11 +2095,11 @@
 </file>
 
 <file path=ppt/slideLayouts/slideLayout1.xml><?xml version="1.0" encoding="utf-8"?>
-<p:sldLayout xmlns:a="http://schemas.openxmlformats.org/drawingml/2006/main" xmlns:r="http://schemas.openxmlformats.org/officeDocument/2006/relationships" xmlns:p="http://schemas.openxmlformats.org/presentationml/2006/main" preserve="1" type="obj">
+<p:sldLayout xmlns:a="http://schemas.openxmlformats.org/drawingml/2006/main" xmlns:r="http://schemas.openxmlformats.org/officeDocument/2006/relationships" xmlns:p="http://schemas.openxmlformats.org/presentationml/2006/main" type="obj" preserve="1">
   <p:cSld name="Title Slide">
     <p:spTree>
       <p:nvGrpSpPr>
-        <p:cNvPr id="18" name=""/>
+        <p:cNvPr id="1" name=""/>
         <p:cNvGrpSpPr/>
         <p:nvPr/>
       </p:nvGrpSpPr>
@@ -2612,15 +2126,17 @@
             <a:off x="3195574" y="2067305"/>
             <a:ext cx="5800851" cy="518160"/>
           </a:xfrm>
-          <a:prstGeom prst="rect"/>
+          <a:prstGeom prst="rect">
+            <a:avLst/>
+          </a:prstGeom>
         </p:spPr>
         <p:txBody>
-          <a:bodyPr bIns="0" lIns="0" rIns="0" tIns="0" wrap="square">
+          <a:bodyPr wrap="square" lIns="0" tIns="0" rIns="0" bIns="0">
             <a:spAutoFit/>
           </a:bodyPr>
           <a:lstStyle>
             <a:lvl1pPr>
-              <a:defRPr b="0" sz="3200" i="0">
+              <a:defRPr sz="3200" b="0" i="0">
                 <a:solidFill>
                   <a:schemeClr val="tx1"/>
                 </a:solidFill>
@@ -2629,7 +2145,9 @@
               </a:defRPr>
             </a:lvl1pPr>
           </a:lstStyle>
-          <a:p/>
+          <a:p>
+            <a:endParaRPr/>
+          </a:p>
         </p:txBody>
       </p:sp>
       <p:sp>
@@ -2647,13 +2165,18 @@
             <a:off x="1828800" y="3840480"/>
             <a:ext cx="8534400" cy="1714500"/>
           </a:xfrm>
-          <a:prstGeom prst="rect"/>
+          <a:prstGeom prst="rect">
+            <a:avLst/>
+          </a:prstGeom>
         </p:spPr>
         <p:txBody>
-          <a:bodyPr bIns="0" lIns="0" rIns="0" tIns="0" wrap="square">
+          <a:bodyPr wrap="square" lIns="0" tIns="0" rIns="0" bIns="0">
             <a:spAutoFit/>
           </a:bodyPr>
-          <a:p/>
+          <a:lstStyle/>
+          <a:p>
+            <a:endParaRPr/>
+          </a:p>
         </p:txBody>
       </p:sp>
       <p:sp>
@@ -2668,7 +2191,7 @@
         </p:nvSpPr>
         <p:spPr/>
         <p:txBody>
-          <a:bodyPr bIns="0" lIns="0" rIns="0" tIns="0"/>
+          <a:bodyPr lIns="0" tIns="0" rIns="0" bIns="0"/>
           <a:lstStyle>
             <a:lvl1pPr algn="ctr">
               <a:defRPr>
@@ -2680,7 +2203,9 @@
               </a:defRPr>
             </a:lvl1pPr>
           </a:lstStyle>
-          <a:p/>
+          <a:p>
+            <a:endParaRPr/>
+          </a:p>
         </p:txBody>
       </p:sp>
       <p:sp>
@@ -2695,7 +2220,7 @@
         </p:nvSpPr>
         <p:spPr/>
         <p:txBody>
-          <a:bodyPr bIns="0" lIns="0" rIns="0" tIns="0"/>
+          <a:bodyPr lIns="0" tIns="0" rIns="0" bIns="0"/>
           <a:lstStyle>
             <a:lvl1pPr algn="l">
               <a:defRPr>
@@ -2710,7 +2235,7 @@
           <a:p>
             <a:fld id="{1D8BD707-D9CF-40AE-B4C6-C98DA3205C09}" type="datetimeFigureOut">
               <a:rPr lang="en-US"/>
-              <a:t>8/29/2024</a:t>
+              <a:t>11/14/2024</a:t>
             </a:fld>
             <a:endParaRPr lang="en-US"/>
           </a:p>
@@ -2728,10 +2253,10 @@
         </p:nvSpPr>
         <p:spPr/>
         <p:txBody>
-          <a:bodyPr bIns="0" lIns="0" rIns="0" tIns="0"/>
+          <a:bodyPr lIns="0" tIns="0" rIns="0" bIns="0"/>
           <a:lstStyle>
             <a:lvl1pPr>
-              <a:defRPr b="0" sz="1100" i="0">
+              <a:defRPr sz="1100" b="0" i="0">
                 <a:solidFill>
                   <a:srgbClr val="2D936B"/>
                 </a:solidFill>
@@ -2750,10 +2275,10 @@
               </a:spcBef>
             </a:pPr>
             <a:fld id="{81D60167-4931-47E6-BA6A-407CBD079E47}" type="slidenum">
-              <a:rPr dirty="0" spc="10"/>
+              <a:rPr spc="10" dirty="0"/>
               <a:t>‹#›</a:t>
             </a:fld>
-            <a:endParaRPr dirty="0" spc="10"/>
+            <a:endParaRPr spc="10" dirty="0"/>
           </a:p>
         </p:txBody>
       </p:sp>
@@ -2766,11 +2291,11 @@
 </file>
 
 <file path=ppt/slideLayouts/slideLayout2.xml><?xml version="1.0" encoding="utf-8"?>
-<p:sldLayout xmlns:a="http://schemas.openxmlformats.org/drawingml/2006/main" xmlns:r="http://schemas.openxmlformats.org/officeDocument/2006/relationships" xmlns:p="http://schemas.openxmlformats.org/presentationml/2006/main" preserve="1" type="obj">
+<p:sldLayout xmlns:a="http://schemas.openxmlformats.org/drawingml/2006/main" xmlns:r="http://schemas.openxmlformats.org/officeDocument/2006/relationships" xmlns:p="http://schemas.openxmlformats.org/presentationml/2006/main" type="obj" preserve="1">
   <p:cSld name="Title and Content">
     <p:spTree>
       <p:nvGrpSpPr>
-        <p:cNvPr id="43" name=""/>
+        <p:cNvPr id="1" name=""/>
         <p:cNvGrpSpPr/>
         <p:nvPr/>
       </p:nvGrpSpPr>
@@ -2794,10 +2319,10 @@
         </p:nvSpPr>
         <p:spPr/>
         <p:txBody>
-          <a:bodyPr bIns="0" lIns="0" rIns="0" tIns="0"/>
+          <a:bodyPr lIns="0" tIns="0" rIns="0" bIns="0"/>
           <a:lstStyle>
             <a:lvl1pPr>
-              <a:defRPr b="1" sz="4800" i="0">
+              <a:defRPr sz="4800" b="1" i="0">
                 <a:solidFill>
                   <a:schemeClr val="tx1"/>
                 </a:solidFill>
@@ -2806,7 +2331,9 @@
               </a:defRPr>
             </a:lvl1pPr>
           </a:lstStyle>
-          <a:p/>
+          <a:p>
+            <a:endParaRPr/>
+          </a:p>
         </p:txBody>
       </p:sp>
       <p:sp>
@@ -2821,8 +2348,11 @@
         </p:nvSpPr>
         <p:spPr/>
         <p:txBody>
-          <a:bodyPr bIns="0" lIns="0" rIns="0" tIns="0"/>
-          <a:p/>
+          <a:bodyPr lIns="0" tIns="0" rIns="0" bIns="0"/>
+          <a:lstStyle/>
+          <a:p>
+            <a:endParaRPr/>
+          </a:p>
         </p:txBody>
       </p:sp>
       <p:sp>
@@ -2837,7 +2367,7 @@
         </p:nvSpPr>
         <p:spPr/>
         <p:txBody>
-          <a:bodyPr bIns="0" lIns="0" rIns="0" tIns="0"/>
+          <a:bodyPr lIns="0" tIns="0" rIns="0" bIns="0"/>
           <a:lstStyle>
             <a:lvl1pPr algn="ctr">
               <a:defRPr>
@@ -2849,7 +2379,9 @@
               </a:defRPr>
             </a:lvl1pPr>
           </a:lstStyle>
-          <a:p/>
+          <a:p>
+            <a:endParaRPr/>
+          </a:p>
         </p:txBody>
       </p:sp>
       <p:sp>
@@ -2864,7 +2396,7 @@
         </p:nvSpPr>
         <p:spPr/>
         <p:txBody>
-          <a:bodyPr bIns="0" lIns="0" rIns="0" tIns="0"/>
+          <a:bodyPr lIns="0" tIns="0" rIns="0" bIns="0"/>
           <a:lstStyle>
             <a:lvl1pPr algn="l">
               <a:defRPr>
@@ -2879,7 +2411,7 @@
           <a:p>
             <a:fld id="{1D8BD707-D9CF-40AE-B4C6-C98DA3205C09}" type="datetimeFigureOut">
               <a:rPr lang="en-US"/>
-              <a:t>8/29/2024</a:t>
+              <a:t>11/14/2024</a:t>
             </a:fld>
             <a:endParaRPr lang="en-US"/>
           </a:p>
@@ -2897,10 +2429,10 @@
         </p:nvSpPr>
         <p:spPr/>
         <p:txBody>
-          <a:bodyPr bIns="0" lIns="0" rIns="0" tIns="0"/>
+          <a:bodyPr lIns="0" tIns="0" rIns="0" bIns="0"/>
           <a:lstStyle>
             <a:lvl1pPr>
-              <a:defRPr b="0" sz="1100" i="0">
+              <a:defRPr sz="1100" b="0" i="0">
                 <a:solidFill>
                   <a:srgbClr val="2D936B"/>
                 </a:solidFill>
@@ -2919,10 +2451,10 @@
               </a:spcBef>
             </a:pPr>
             <a:fld id="{81D60167-4931-47E6-BA6A-407CBD079E47}" type="slidenum">
-              <a:rPr dirty="0" spc="10"/>
+              <a:rPr spc="10" dirty="0"/>
               <a:t>‹#›</a:t>
             </a:fld>
-            <a:endParaRPr dirty="0" spc="10"/>
+            <a:endParaRPr spc="10" dirty="0"/>
           </a:p>
         </p:txBody>
       </p:sp>
@@ -2935,11 +2467,11 @@
 </file>
 
 <file path=ppt/slideLayouts/slideLayout3.xml><?xml version="1.0" encoding="utf-8"?>
-<p:sldLayout xmlns:a="http://schemas.openxmlformats.org/drawingml/2006/main" xmlns:r="http://schemas.openxmlformats.org/officeDocument/2006/relationships" xmlns:p="http://schemas.openxmlformats.org/presentationml/2006/main" preserve="1" type="obj">
+<p:sldLayout xmlns:a="http://schemas.openxmlformats.org/drawingml/2006/main" xmlns:r="http://schemas.openxmlformats.org/officeDocument/2006/relationships" xmlns:p="http://schemas.openxmlformats.org/presentationml/2006/main" type="obj" preserve="1">
   <p:cSld name="Two Content">
     <p:spTree>
       <p:nvGrpSpPr>
-        <p:cNvPr id="44" name=""/>
+        <p:cNvPr id="1" name=""/>
         <p:cNvGrpSpPr/>
         <p:nvPr/>
       </p:nvGrpSpPr>
@@ -2963,10 +2495,10 @@
         </p:nvSpPr>
         <p:spPr/>
         <p:txBody>
-          <a:bodyPr bIns="0" lIns="0" rIns="0" tIns="0"/>
+          <a:bodyPr lIns="0" tIns="0" rIns="0" bIns="0"/>
           <a:lstStyle>
             <a:lvl1pPr>
-              <a:defRPr b="1" sz="4800" i="0">
+              <a:defRPr sz="4800" b="1" i="0">
                 <a:solidFill>
                   <a:schemeClr val="tx1"/>
                 </a:solidFill>
@@ -2975,7 +2507,9 @@
               </a:defRPr>
             </a:lvl1pPr>
           </a:lstStyle>
-          <a:p/>
+          <a:p>
+            <a:endParaRPr/>
+          </a:p>
         </p:txBody>
       </p:sp>
       <p:sp>
@@ -2993,13 +2527,18 @@
             <a:off x="609600" y="1577340"/>
             <a:ext cx="5303520" cy="4526280"/>
           </a:xfrm>
-          <a:prstGeom prst="rect"/>
+          <a:prstGeom prst="rect">
+            <a:avLst/>
+          </a:prstGeom>
         </p:spPr>
         <p:txBody>
-          <a:bodyPr bIns="0" lIns="0" rIns="0" tIns="0" wrap="square">
+          <a:bodyPr wrap="square" lIns="0" tIns="0" rIns="0" bIns="0">
             <a:spAutoFit/>
           </a:bodyPr>
-          <a:p/>
+          <a:lstStyle/>
+          <a:p>
+            <a:endParaRPr/>
+          </a:p>
         </p:txBody>
       </p:sp>
       <p:sp>
@@ -3017,13 +2556,18 @@
             <a:off x="6278880" y="1577340"/>
             <a:ext cx="5303520" cy="4526280"/>
           </a:xfrm>
-          <a:prstGeom prst="rect"/>
+          <a:prstGeom prst="rect">
+            <a:avLst/>
+          </a:prstGeom>
         </p:spPr>
         <p:txBody>
-          <a:bodyPr bIns="0" lIns="0" rIns="0" tIns="0" wrap="square">
+          <a:bodyPr wrap="square" lIns="0" tIns="0" rIns="0" bIns="0">
             <a:spAutoFit/>
           </a:bodyPr>
-          <a:p/>
+          <a:lstStyle/>
+          <a:p>
+            <a:endParaRPr/>
+          </a:p>
         </p:txBody>
       </p:sp>
       <p:sp>
@@ -3038,7 +2582,7 @@
         </p:nvSpPr>
         <p:spPr/>
         <p:txBody>
-          <a:bodyPr bIns="0" lIns="0" rIns="0" tIns="0"/>
+          <a:bodyPr lIns="0" tIns="0" rIns="0" bIns="0"/>
           <a:lstStyle>
             <a:lvl1pPr algn="ctr">
               <a:defRPr>
@@ -3050,7 +2594,9 @@
               </a:defRPr>
             </a:lvl1pPr>
           </a:lstStyle>
-          <a:p/>
+          <a:p>
+            <a:endParaRPr/>
+          </a:p>
         </p:txBody>
       </p:sp>
       <p:sp>
@@ -3065,7 +2611,7 @@
         </p:nvSpPr>
         <p:spPr/>
         <p:txBody>
-          <a:bodyPr bIns="0" lIns="0" rIns="0" tIns="0"/>
+          <a:bodyPr lIns="0" tIns="0" rIns="0" bIns="0"/>
           <a:lstStyle>
             <a:lvl1pPr algn="l">
               <a:defRPr>
@@ -3080,7 +2626,7 @@
           <a:p>
             <a:fld id="{1D8BD707-D9CF-40AE-B4C6-C98DA3205C09}" type="datetimeFigureOut">
               <a:rPr lang="en-US"/>
-              <a:t>8/29/2024</a:t>
+              <a:t>11/14/2024</a:t>
             </a:fld>
             <a:endParaRPr lang="en-US"/>
           </a:p>
@@ -3098,10 +2644,10 @@
         </p:nvSpPr>
         <p:spPr/>
         <p:txBody>
-          <a:bodyPr bIns="0" lIns="0" rIns="0" tIns="0"/>
+          <a:bodyPr lIns="0" tIns="0" rIns="0" bIns="0"/>
           <a:lstStyle>
             <a:lvl1pPr>
-              <a:defRPr b="0" sz="1100" i="0">
+              <a:defRPr sz="1100" b="0" i="0">
                 <a:solidFill>
                   <a:srgbClr val="2D936B"/>
                 </a:solidFill>
@@ -3120,10 +2666,10 @@
               </a:spcBef>
             </a:pPr>
             <a:fld id="{81D60167-4931-47E6-BA6A-407CBD079E47}" type="slidenum">
-              <a:rPr dirty="0" spc="10"/>
+              <a:rPr spc="10" dirty="0"/>
               <a:t>‹#›</a:t>
             </a:fld>
-            <a:endParaRPr dirty="0" spc="10"/>
+            <a:endParaRPr spc="10" dirty="0"/>
           </a:p>
         </p:txBody>
       </p:sp>
@@ -3136,11 +2682,11 @@
 </file>
 
 <file path=ppt/slideLayouts/slideLayout4.xml><?xml version="1.0" encoding="utf-8"?>
-<p:sldLayout xmlns:a="http://schemas.openxmlformats.org/drawingml/2006/main" xmlns:r="http://schemas.openxmlformats.org/officeDocument/2006/relationships" xmlns:p="http://schemas.openxmlformats.org/presentationml/2006/main" preserve="1" type="obj">
+<p:sldLayout xmlns:a="http://schemas.openxmlformats.org/drawingml/2006/main" xmlns:r="http://schemas.openxmlformats.org/officeDocument/2006/relationships" xmlns:p="http://schemas.openxmlformats.org/presentationml/2006/main" type="obj" preserve="1">
   <p:cSld name="Title Only">
     <p:spTree>
       <p:nvGrpSpPr>
-        <p:cNvPr id="25" name=""/>
+        <p:cNvPr id="1" name=""/>
         <p:cNvGrpSpPr/>
         <p:nvPr/>
       </p:nvGrpSpPr>
@@ -3164,10 +2710,10 @@
         </p:nvSpPr>
         <p:spPr/>
         <p:txBody>
-          <a:bodyPr bIns="0" lIns="0" rIns="0" tIns="0"/>
+          <a:bodyPr lIns="0" tIns="0" rIns="0" bIns="0"/>
           <a:lstStyle>
             <a:lvl1pPr>
-              <a:defRPr b="1" sz="4800" i="0">
+              <a:defRPr sz="4800" b="1" i="0">
                 <a:solidFill>
                   <a:schemeClr val="tx1"/>
                 </a:solidFill>
@@ -3176,7 +2722,9 @@
               </a:defRPr>
             </a:lvl1pPr>
           </a:lstStyle>
-          <a:p/>
+          <a:p>
+            <a:endParaRPr/>
+          </a:p>
         </p:txBody>
       </p:sp>
       <p:sp>
@@ -3191,7 +2739,7 @@
         </p:nvSpPr>
         <p:spPr/>
         <p:txBody>
-          <a:bodyPr bIns="0" lIns="0" rIns="0" tIns="0"/>
+          <a:bodyPr lIns="0" tIns="0" rIns="0" bIns="0"/>
           <a:lstStyle>
             <a:lvl1pPr algn="ctr">
               <a:defRPr>
@@ -3203,7 +2751,9 @@
               </a:defRPr>
             </a:lvl1pPr>
           </a:lstStyle>
-          <a:p/>
+          <a:p>
+            <a:endParaRPr/>
+          </a:p>
         </p:txBody>
       </p:sp>
       <p:sp>
@@ -3218,7 +2768,7 @@
         </p:nvSpPr>
         <p:spPr/>
         <p:txBody>
-          <a:bodyPr bIns="0" lIns="0" rIns="0" tIns="0"/>
+          <a:bodyPr lIns="0" tIns="0" rIns="0" bIns="0"/>
           <a:lstStyle>
             <a:lvl1pPr algn="l">
               <a:defRPr>
@@ -3233,7 +2783,7 @@
           <a:p>
             <a:fld id="{1D8BD707-D9CF-40AE-B4C6-C98DA3205C09}" type="datetimeFigureOut">
               <a:rPr lang="en-US"/>
-              <a:t>8/29/2024</a:t>
+              <a:t>11/14/2024</a:t>
             </a:fld>
             <a:endParaRPr lang="en-US"/>
           </a:p>
@@ -3251,10 +2801,10 @@
         </p:nvSpPr>
         <p:spPr/>
         <p:txBody>
-          <a:bodyPr bIns="0" lIns="0" rIns="0" tIns="0"/>
+          <a:bodyPr lIns="0" tIns="0" rIns="0" bIns="0"/>
           <a:lstStyle>
             <a:lvl1pPr>
-              <a:defRPr b="0" sz="1100" i="0">
+              <a:defRPr sz="1100" b="0" i="0">
                 <a:solidFill>
                   <a:srgbClr val="2D936B"/>
                 </a:solidFill>
@@ -3273,10 +2823,10 @@
               </a:spcBef>
             </a:pPr>
             <a:fld id="{81D60167-4931-47E6-BA6A-407CBD079E47}" type="slidenum">
-              <a:rPr dirty="0" spc="10"/>
+              <a:rPr spc="10" dirty="0"/>
               <a:t>‹#›</a:t>
             </a:fld>
-            <a:endParaRPr dirty="0" spc="10"/>
+            <a:endParaRPr spc="10" dirty="0"/>
           </a:p>
         </p:txBody>
       </p:sp>
@@ -3289,11 +2839,11 @@
 </file>
 
 <file path=ppt/slideLayouts/slideLayout5.xml><?xml version="1.0" encoding="utf-8"?>
-<p:sldLayout xmlns:a="http://schemas.openxmlformats.org/drawingml/2006/main" xmlns:r="http://schemas.openxmlformats.org/officeDocument/2006/relationships" xmlns:p="http://schemas.openxmlformats.org/presentationml/2006/main" preserve="1" type="obj">
+<p:sldLayout xmlns:a="http://schemas.openxmlformats.org/drawingml/2006/main" xmlns:r="http://schemas.openxmlformats.org/officeDocument/2006/relationships" xmlns:p="http://schemas.openxmlformats.org/presentationml/2006/main" type="obj" preserve="1">
   <p:cSld name="Blank">
     <p:spTree>
       <p:nvGrpSpPr>
-        <p:cNvPr id="45" name=""/>
+        <p:cNvPr id="1" name=""/>
         <p:cNvGrpSpPr/>
         <p:nvPr/>
       </p:nvGrpSpPr>
@@ -3317,7 +2867,7 @@
         </p:nvSpPr>
         <p:spPr/>
         <p:txBody>
-          <a:bodyPr bIns="0" lIns="0" rIns="0" tIns="0"/>
+          <a:bodyPr lIns="0" tIns="0" rIns="0" bIns="0"/>
           <a:lstStyle>
             <a:lvl1pPr algn="ctr">
               <a:defRPr>
@@ -3329,7 +2879,9 @@
               </a:defRPr>
             </a:lvl1pPr>
           </a:lstStyle>
-          <a:p/>
+          <a:p>
+            <a:endParaRPr/>
+          </a:p>
         </p:txBody>
       </p:sp>
       <p:sp>
@@ -3344,7 +2896,7 @@
         </p:nvSpPr>
         <p:spPr/>
         <p:txBody>
-          <a:bodyPr bIns="0" lIns="0" rIns="0" tIns="0"/>
+          <a:bodyPr lIns="0" tIns="0" rIns="0" bIns="0"/>
           <a:lstStyle>
             <a:lvl1pPr algn="l">
               <a:defRPr>
@@ -3359,7 +2911,7 @@
           <a:p>
             <a:fld id="{1D8BD707-D9CF-40AE-B4C6-C98DA3205C09}" type="datetimeFigureOut">
               <a:rPr lang="en-US"/>
-              <a:t>8/29/2024</a:t>
+              <a:t>11/14/2024</a:t>
             </a:fld>
             <a:endParaRPr lang="en-US"/>
           </a:p>
@@ -3377,10 +2929,10 @@
         </p:nvSpPr>
         <p:spPr/>
         <p:txBody>
-          <a:bodyPr bIns="0" lIns="0" rIns="0" tIns="0"/>
+          <a:bodyPr lIns="0" tIns="0" rIns="0" bIns="0"/>
           <a:lstStyle>
             <a:lvl1pPr>
-              <a:defRPr b="0" sz="1100" i="0">
+              <a:defRPr sz="1100" b="0" i="0">
                 <a:solidFill>
                   <a:srgbClr val="2D936B"/>
                 </a:solidFill>
@@ -3399,10 +2951,10 @@
               </a:spcBef>
             </a:pPr>
             <a:fld id="{81D60167-4931-47E6-BA6A-407CBD079E47}" type="slidenum">
-              <a:rPr dirty="0" spc="10"/>
+              <a:rPr spc="10" dirty="0"/>
               <a:t>‹#›</a:t>
             </a:fld>
-            <a:endParaRPr dirty="0" spc="10"/>
+            <a:endParaRPr spc="10" dirty="0"/>
           </a:p>
         </p:txBody>
       </p:sp>
@@ -3427,7 +2979,7 @@
     </p:bg>
     <p:spTree>
       <p:nvGrpSpPr>
-        <p:cNvPr id="12" name=""/>
+        <p:cNvPr id="1" name=""/>
         <p:cNvGrpSpPr/>
         <p:nvPr/>
       </p:nvGrpSpPr>
@@ -3452,7 +3004,9 @@
           </a:xfrm>
           <a:custGeom>
             <a:avLst/>
+            <a:gdLst/>
             <a:ahLst/>
+            <a:cxnLst/>
             <a:rect l="l" t="t" r="r" b="b"/>
             <a:pathLst>
               <a:path w="1218565" h="6853555">
@@ -3472,8 +3026,11 @@
           </a:ln>
         </p:spPr>
         <p:txBody>
-          <a:bodyPr bIns="0" lIns="0" rIns="0" rtlCol="0" tIns="0" wrap="square"/>
-          <a:p/>
+          <a:bodyPr wrap="square" lIns="0" tIns="0" rIns="0" bIns="0" rtlCol="0"/>
+          <a:lstStyle/>
+          <a:p>
+            <a:endParaRPr/>
+          </a:p>
         </p:txBody>
       </p:sp>
       <p:sp>
@@ -3489,7 +3046,9 @@
           </a:xfrm>
           <a:custGeom>
             <a:avLst/>
+            <a:gdLst/>
             <a:ahLst/>
+            <a:cxnLst/>
             <a:rect l="l" t="t" r="r" b="b"/>
             <a:pathLst>
               <a:path w="4743450" h="3163570">
@@ -3509,8 +3068,11 @@
           </a:ln>
         </p:spPr>
         <p:txBody>
-          <a:bodyPr bIns="0" lIns="0" rIns="0" rtlCol="0" tIns="0" wrap="square"/>
-          <a:p/>
+          <a:bodyPr wrap="square" lIns="0" tIns="0" rIns="0" bIns="0" rtlCol="0"/>
+          <a:lstStyle/>
+          <a:p>
+            <a:endParaRPr/>
+          </a:p>
         </p:txBody>
       </p:sp>
       <p:sp>
@@ -3526,7 +3088,9 @@
           </a:xfrm>
           <a:custGeom>
             <a:avLst/>
+            <a:gdLst/>
             <a:ahLst/>
+            <a:cxnLst/>
             <a:rect l="l" t="t" r="r" b="b"/>
             <a:pathLst>
               <a:path w="3009900" h="6858000">
@@ -3556,8 +3120,11 @@
           </a:solidFill>
         </p:spPr>
         <p:txBody>
-          <a:bodyPr bIns="0" lIns="0" rIns="0" rtlCol="0" tIns="0" wrap="square"/>
-          <a:p/>
+          <a:bodyPr wrap="square" lIns="0" tIns="0" rIns="0" bIns="0" rtlCol="0"/>
+          <a:lstStyle/>
+          <a:p>
+            <a:endParaRPr/>
+          </a:p>
         </p:txBody>
       </p:sp>
       <p:sp>
@@ -3573,7 +3140,9 @@
           </a:xfrm>
           <a:custGeom>
             <a:avLst/>
+            <a:gdLst/>
             <a:ahLst/>
+            <a:cxnLst/>
             <a:rect l="l" t="t" r="r" b="b"/>
             <a:pathLst>
               <a:path w="2589529" h="6858000">
@@ -3603,8 +3172,11 @@
           </a:solidFill>
         </p:spPr>
         <p:txBody>
-          <a:bodyPr bIns="0" lIns="0" rIns="0" rtlCol="0" tIns="0" wrap="square"/>
-          <a:p/>
+          <a:bodyPr wrap="square" lIns="0" tIns="0" rIns="0" bIns="0" rtlCol="0"/>
+          <a:lstStyle/>
+          <a:p>
+            <a:endParaRPr/>
+          </a:p>
         </p:txBody>
       </p:sp>
       <p:sp>
@@ -3620,7 +3192,9 @@
           </a:xfrm>
           <a:custGeom>
             <a:avLst/>
+            <a:gdLst/>
             <a:ahLst/>
+            <a:cxnLst/>
             <a:rect l="l" t="t" r="r" b="b"/>
             <a:pathLst>
               <a:path w="3257550" h="3810000">
@@ -3647,8 +3221,11 @@
           </a:solidFill>
         </p:spPr>
         <p:txBody>
-          <a:bodyPr bIns="0" lIns="0" rIns="0" rtlCol="0" tIns="0" wrap="square"/>
-          <a:p/>
+          <a:bodyPr wrap="square" lIns="0" tIns="0" rIns="0" bIns="0" rtlCol="0"/>
+          <a:lstStyle/>
+          <a:p>
+            <a:endParaRPr/>
+          </a:p>
         </p:txBody>
       </p:sp>
       <p:sp>
@@ -3664,7 +3241,9 @@
           </a:xfrm>
           <a:custGeom>
             <a:avLst/>
+            <a:gdLst/>
             <a:ahLst/>
+            <a:cxnLst/>
             <a:rect l="l" t="t" r="r" b="b"/>
             <a:pathLst>
               <a:path w="2854325" h="6858000">
@@ -3694,8 +3273,11 @@
           </a:solidFill>
         </p:spPr>
         <p:txBody>
-          <a:bodyPr bIns="0" lIns="0" rIns="0" rtlCol="0" tIns="0" wrap="square"/>
-          <a:p/>
+          <a:bodyPr wrap="square" lIns="0" tIns="0" rIns="0" bIns="0" rtlCol="0"/>
+          <a:lstStyle/>
+          <a:p>
+            <a:endParaRPr/>
+          </a:p>
         </p:txBody>
       </p:sp>
       <p:sp>
@@ -3711,7 +3293,9 @@
           </a:xfrm>
           <a:custGeom>
             <a:avLst/>
+            <a:gdLst/>
             <a:ahLst/>
+            <a:cxnLst/>
             <a:rect l="l" t="t" r="r" b="b"/>
             <a:pathLst>
               <a:path w="1295400" h="6858000">
@@ -3741,8 +3325,11 @@
           </a:solidFill>
         </p:spPr>
         <p:txBody>
-          <a:bodyPr bIns="0" lIns="0" rIns="0" rtlCol="0" tIns="0" wrap="square"/>
-          <a:p/>
+          <a:bodyPr wrap="square" lIns="0" tIns="0" rIns="0" bIns="0" rtlCol="0"/>
+          <a:lstStyle/>
+          <a:p>
+            <a:endParaRPr/>
+          </a:p>
         </p:txBody>
       </p:sp>
       <p:sp>
@@ -3758,7 +3345,9 @@
           </a:xfrm>
           <a:custGeom>
             <a:avLst/>
+            <a:gdLst/>
             <a:ahLst/>
+            <a:cxnLst/>
             <a:rect l="l" t="t" r="r" b="b"/>
             <a:pathLst>
               <a:path w="1256029" h="6858000">
@@ -3788,8 +3377,11 @@
           </a:solidFill>
         </p:spPr>
         <p:txBody>
-          <a:bodyPr bIns="0" lIns="0" rIns="0" rtlCol="0" tIns="0" wrap="square"/>
-          <a:p/>
+          <a:bodyPr wrap="square" lIns="0" tIns="0" rIns="0" bIns="0" rtlCol="0"/>
+          <a:lstStyle/>
+          <a:p>
+            <a:endParaRPr/>
+          </a:p>
         </p:txBody>
       </p:sp>
       <p:sp>
@@ -3805,7 +3397,9 @@
           </a:xfrm>
           <a:custGeom>
             <a:avLst/>
+            <a:gdLst/>
             <a:ahLst/>
+            <a:cxnLst/>
             <a:rect l="l" t="t" r="r" b="b"/>
             <a:pathLst>
               <a:path w="1819275" h="3267075">
@@ -3832,8 +3426,11 @@
           </a:solidFill>
         </p:spPr>
         <p:txBody>
-          <a:bodyPr bIns="0" lIns="0" rIns="0" rtlCol="0" tIns="0" wrap="square"/>
-          <a:p/>
+          <a:bodyPr wrap="square" lIns="0" tIns="0" rIns="0" bIns="0" rtlCol="0"/>
+          <a:lstStyle/>
+          <a:p>
+            <a:endParaRPr/>
+          </a:p>
         </p:txBody>
       </p:sp>
       <p:sp>
@@ -3849,7 +3446,9 @@
           </a:xfrm>
           <a:custGeom>
             <a:avLst/>
+            <a:gdLst/>
             <a:ahLst/>
+            <a:cxnLst/>
             <a:rect l="l" t="t" r="r" b="b"/>
             <a:pathLst>
               <a:path w="447675" h="2847975">
@@ -3876,8 +3475,11 @@
           </a:solidFill>
         </p:spPr>
         <p:txBody>
-          <a:bodyPr bIns="0" lIns="0" rIns="0" rtlCol="0" tIns="0" wrap="square"/>
-          <a:p/>
+          <a:bodyPr wrap="square" lIns="0" tIns="0" rIns="0" bIns="0" rtlCol="0"/>
+          <a:lstStyle/>
+          <a:p>
+            <a:endParaRPr/>
+          </a:p>
         </p:txBody>
       </p:sp>
       <p:sp>
@@ -3895,15 +3497,17 @@
             <a:off x="755332" y="385444"/>
             <a:ext cx="10681335" cy="758190"/>
           </a:xfrm>
-          <a:prstGeom prst="rect"/>
+          <a:prstGeom prst="rect">
+            <a:avLst/>
+          </a:prstGeom>
         </p:spPr>
         <p:txBody>
-          <a:bodyPr bIns="0" lIns="0" rIns="0" tIns="0" wrap="square">
+          <a:bodyPr wrap="square" lIns="0" tIns="0" rIns="0" bIns="0">
             <a:spAutoFit/>
           </a:bodyPr>
           <a:lstStyle>
             <a:lvl1pPr>
-              <a:defRPr b="1" sz="4800" i="0">
+              <a:defRPr sz="4800" b="1" i="0">
                 <a:solidFill>
                   <a:schemeClr val="tx1"/>
                 </a:solidFill>
@@ -3912,7 +3516,9 @@
               </a:defRPr>
             </a:lvl1pPr>
           </a:lstStyle>
-          <a:p/>
+          <a:p>
+            <a:endParaRPr/>
+          </a:p>
         </p:txBody>
       </p:sp>
       <p:sp>
@@ -3930,13 +3536,18 @@
             <a:off x="609600" y="1577340"/>
             <a:ext cx="10972800" cy="4526280"/>
           </a:xfrm>
-          <a:prstGeom prst="rect"/>
+          <a:prstGeom prst="rect">
+            <a:avLst/>
+          </a:prstGeom>
         </p:spPr>
         <p:txBody>
-          <a:bodyPr bIns="0" lIns="0" rIns="0" tIns="0" wrap="square">
+          <a:bodyPr wrap="square" lIns="0" tIns="0" rIns="0" bIns="0">
             <a:spAutoFit/>
           </a:bodyPr>
-          <a:p/>
+          <a:lstStyle/>
+          <a:p>
+            <a:endParaRPr/>
+          </a:p>
         </p:txBody>
       </p:sp>
       <p:sp>
@@ -3954,10 +3565,12 @@
             <a:off x="4145280" y="6377940"/>
             <a:ext cx="3901440" cy="342900"/>
           </a:xfrm>
-          <a:prstGeom prst="rect"/>
+          <a:prstGeom prst="rect">
+            <a:avLst/>
+          </a:prstGeom>
         </p:spPr>
         <p:txBody>
-          <a:bodyPr bIns="0" lIns="0" rIns="0" tIns="0" wrap="square">
+          <a:bodyPr wrap="square" lIns="0" tIns="0" rIns="0" bIns="0">
             <a:spAutoFit/>
           </a:bodyPr>
           <a:lstStyle>
@@ -3971,7 +3584,9 @@
               </a:defRPr>
             </a:lvl1pPr>
           </a:lstStyle>
-          <a:p/>
+          <a:p>
+            <a:endParaRPr/>
+          </a:p>
         </p:txBody>
       </p:sp>
       <p:sp>
@@ -3989,10 +3604,12 @@
             <a:off x="609600" y="6377940"/>
             <a:ext cx="2804160" cy="342900"/>
           </a:xfrm>
-          <a:prstGeom prst="rect"/>
+          <a:prstGeom prst="rect">
+            <a:avLst/>
+          </a:prstGeom>
         </p:spPr>
         <p:txBody>
-          <a:bodyPr bIns="0" lIns="0" rIns="0" tIns="0" wrap="square">
+          <a:bodyPr wrap="square" lIns="0" tIns="0" rIns="0" bIns="0">
             <a:spAutoFit/>
           </a:bodyPr>
           <a:lstStyle>
@@ -4009,7 +3626,7 @@
           <a:p>
             <a:fld id="{1D8BD707-D9CF-40AE-B4C6-C98DA3205C09}" type="datetimeFigureOut">
               <a:rPr lang="en-US"/>
-              <a:t>8/29/2024</a:t>
+              <a:t>11/14/2024</a:t>
             </a:fld>
             <a:endParaRPr lang="en-US"/>
           </a:p>
@@ -4030,15 +3647,17 @@
             <a:off x="11353418" y="6473337"/>
             <a:ext cx="151129" cy="191770"/>
           </a:xfrm>
-          <a:prstGeom prst="rect"/>
+          <a:prstGeom prst="rect">
+            <a:avLst/>
+          </a:prstGeom>
         </p:spPr>
         <p:txBody>
-          <a:bodyPr bIns="0" lIns="0" rIns="0" tIns="0" wrap="square">
+          <a:bodyPr wrap="square" lIns="0" tIns="0" rIns="0" bIns="0">
             <a:spAutoFit/>
           </a:bodyPr>
           <a:lstStyle>
             <a:lvl1pPr>
-              <a:defRPr b="0" sz="1100" i="0">
+              <a:defRPr sz="1100" b="0" i="0">
                 <a:solidFill>
                   <a:srgbClr val="2D936B"/>
                 </a:solidFill>
@@ -4057,16 +3676,16 @@
               </a:spcBef>
             </a:pPr>
             <a:fld id="{81D60167-4931-47E6-BA6A-407CBD079E47}" type="slidenum">
-              <a:rPr dirty="0" spc="10"/>
+              <a:rPr spc="10" dirty="0"/>
               <a:t>‹#›</a:t>
             </a:fld>
-            <a:endParaRPr dirty="0" spc="10"/>
+            <a:endParaRPr spc="10" dirty="0"/>
           </a:p>
         </p:txBody>
       </p:sp>
     </p:spTree>
   </p:cSld>
-  <p:clrMap accent1="accent1" accent2="accent2" accent3="accent3" accent4="accent4" accent5="accent5" accent6="accent6" bg1="lt1" bg2="lt2" tx1="dk1" tx2="dk2" hlink="hlink" folHlink="folHlink"/>
+  <p:clrMap bg1="lt1" tx1="dk1" bg2="lt2" tx2="dk2" accent1="accent1" accent2="accent2" accent3="accent3" accent4="accent4" accent5="accent5" accent6="accent6" hlink="hlink" folHlink="folHlink"/>
   <p:sldLayoutIdLst>
     <p:sldLayoutId id="2147483655" r:id="rId1"/>
     <p:sldLayoutId id="2147483656" r:id="rId2"/>
@@ -4223,7 +3842,7 @@
   <p:cSld>
     <p:spTree>
       <p:nvGrpSpPr>
-        <p:cNvPr id="19" name=""/>
+        <p:cNvPr id="1" name=""/>
         <p:cNvGrpSpPr/>
         <p:nvPr/>
       </p:nvGrpSpPr>
@@ -4262,7 +3881,9 @@
             </a:xfrm>
             <a:custGeom>
               <a:avLst/>
+              <a:gdLst/>
               <a:ahLst/>
+              <a:cxnLst/>
               <a:rect l="l" t="t" r="r" b="b"/>
               <a:pathLst>
                 <a:path w="1228725" h="1057275">
@@ -4296,8 +3917,11 @@
             </a:solidFill>
           </p:spPr>
           <p:txBody>
-            <a:bodyPr bIns="0" lIns="0" rIns="0" rtlCol="0" tIns="0" wrap="square"/>
-            <a:p/>
+            <a:bodyPr wrap="square" lIns="0" tIns="0" rIns="0" bIns="0" rtlCol="0"/>
+            <a:lstStyle/>
+            <a:p>
+              <a:endParaRPr/>
+            </a:p>
           </p:txBody>
         </p:sp>
         <p:sp>
@@ -4313,7 +3937,9 @@
             </a:xfrm>
             <a:custGeom>
               <a:avLst/>
+              <a:gdLst/>
               <a:ahLst/>
+              <a:cxnLst/>
               <a:rect l="l" t="t" r="r" b="b"/>
               <a:pathLst>
                 <a:path w="647700" h="561975">
@@ -4347,8 +3973,11 @@
             </a:solidFill>
           </p:spPr>
           <p:txBody>
-            <a:bodyPr bIns="0" lIns="0" rIns="0" rtlCol="0" tIns="0" wrap="square"/>
-            <a:p/>
+            <a:bodyPr wrap="square" lIns="0" tIns="0" rIns="0" bIns="0" rtlCol="0"/>
+            <a:lstStyle/>
+            <a:p>
+              <a:endParaRPr/>
+            </a:p>
           </p:txBody>
         </p:sp>
       </p:grpSp>
@@ -4365,7 +3994,9 @@
           </a:xfrm>
           <a:custGeom>
             <a:avLst/>
+            <a:gdLst/>
             <a:ahLst/>
+            <a:cxnLst/>
             <a:rect l="l" t="t" r="r" b="b"/>
             <a:pathLst>
               <a:path w="1666875" h="1438275">
@@ -4399,8 +4030,11 @@
           </a:solidFill>
         </p:spPr>
         <p:txBody>
-          <a:bodyPr bIns="0" lIns="0" rIns="0" rtlCol="0" tIns="0" wrap="square"/>
-          <a:p/>
+          <a:bodyPr wrap="square" lIns="0" tIns="0" rIns="0" bIns="0" rtlCol="0"/>
+          <a:lstStyle/>
+          <a:p>
+            <a:endParaRPr/>
+          </a:p>
         </p:txBody>
       </p:sp>
       <p:sp>
@@ -4416,7 +4050,9 @@
           </a:xfrm>
           <a:custGeom>
             <a:avLst/>
+            <a:gdLst/>
             <a:ahLst/>
+            <a:cxnLst/>
             <a:rect l="l" t="t" r="r" b="b"/>
             <a:pathLst>
               <a:path w="723900" h="619125">
@@ -4450,8 +4086,11 @@
           </a:solidFill>
         </p:spPr>
         <p:txBody>
-          <a:bodyPr bIns="0" lIns="0" rIns="0" rtlCol="0" tIns="0" wrap="square"/>
-          <a:p/>
+          <a:bodyPr wrap="square" lIns="0" tIns="0" rIns="0" bIns="0" rtlCol="0"/>
+          <a:lstStyle/>
+          <a:p>
+            <a:endParaRPr/>
+          </a:p>
         </p:txBody>
       </p:sp>
       <p:sp>
@@ -4469,12 +4108,15 @@
             <a:off x="-828675" y="19665"/>
             <a:ext cx="9982200" cy="1001556"/>
           </a:xfrm>
-          <a:prstGeom prst="rect"/>
+          <a:prstGeom prst="rect">
+            <a:avLst/>
+          </a:prstGeom>
         </p:spPr>
         <p:txBody>
-          <a:bodyPr bIns="0" lIns="0" rIns="0" rtlCol="0" tIns="16510" vert="horz" wrap="square">
+          <a:bodyPr vert="horz" wrap="square" lIns="0" tIns="16510" rIns="0" bIns="0" rtlCol="0">
             <a:spAutoFit/>
           </a:bodyPr>
+          <a:lstStyle/>
           <a:p>
             <a:pPr marL="3213735">
               <a:spcBef>
@@ -4482,7 +4124,7 @@
               </a:spcBef>
             </a:pPr>
             <a:r>
-              <a:rPr b="1" dirty="0" lang="en-US">
+              <a:rPr lang="en-US" b="1" dirty="0">
                 <a:solidFill>
                   <a:srgbClr val="0F0F0F"/>
                 </a:solidFill>
@@ -4492,7 +4134,7 @@
               <a:t>Employee Data Analysis using Excel</a:t>
             </a:r>
             <a:r>
-              <a:rPr b="1" dirty="0" i="0" lang="en-US">
+              <a:rPr lang="en-US" b="1" i="0" dirty="0">
                 <a:solidFill>
                   <a:srgbClr val="0F0F0F"/>
                 </a:solidFill>
@@ -4502,8 +4144,18 @@
               </a:rPr>
               <a:t> </a:t>
             </a:r>
+            <a:r>
+              <a:rPr lang="en-US" b="1" i="0" dirty="0">
+                <a:solidFill>
+                  <a:srgbClr val="0F0F0F"/>
+                </a:solidFill>
+                <a:effectLst/>
+                <a:latin typeface="Roboto" panose="020F0502020204030204" pitchFamily="2" charset="0"/>
+              </a:rPr>
+              <a:t/>
+            </a:r>
             <a:br>
-              <a:rPr b="1" dirty="0" i="0" lang="en-US">
+              <a:rPr lang="en-US" b="1" i="0" dirty="0">
                 <a:solidFill>
                   <a:srgbClr val="0F0F0F"/>
                 </a:solidFill>
@@ -4511,7 +4163,7 @@
                 <a:latin typeface="Roboto" panose="020F0502020204030204" pitchFamily="2" charset="0"/>
               </a:rPr>
             </a:br>
-            <a:endParaRPr dirty="0" spc="15"/>
+            <a:endParaRPr spc="15" dirty="0"/>
           </a:p>
         </p:txBody>
       </p:sp>
@@ -4524,7 +4176,7 @@
           <p:nvPr/>
         </p:nvPicPr>
         <p:blipFill>
-          <a:blip xmlns:r="http://schemas.openxmlformats.org/officeDocument/2006/relationships" r:embed="rId1" cstate="print"/>
+          <a:blip r:embed="rId3" cstate="print"/>
           <a:stretch>
             <a:fillRect/>
           </a:stretch>
@@ -4534,7 +4186,9 @@
             <a:off x="676275" y="6467475"/>
             <a:ext cx="2143125" cy="200025"/>
           </a:xfrm>
-          <a:prstGeom prst="rect"/>
+          <a:prstGeom prst="rect">
+            <a:avLst/>
+          </a:prstGeom>
         </p:spPr>
       </p:pic>
       <p:sp>
@@ -4548,12 +4202,15 @@
           </p:nvPr>
         </p:nvSpPr>
         <p:spPr>
-          <a:prstGeom prst="rect"/>
+          <a:prstGeom prst="rect">
+            <a:avLst/>
+          </a:prstGeom>
         </p:spPr>
         <p:txBody>
-          <a:bodyPr bIns="0" lIns="0" rIns="0" rtlCol="0" tIns="6985" vert="horz" wrap="square">
+          <a:bodyPr vert="horz" wrap="square" lIns="0" tIns="6985" rIns="0" bIns="0" rtlCol="0">
             <a:spAutoFit/>
           </a:bodyPr>
+          <a:lstStyle/>
           <a:p>
             <a:pPr marL="38100">
               <a:lnSpc>
@@ -4564,10 +4221,10 @@
               </a:spcBef>
             </a:pPr>
             <a:fld id="{81D60167-4931-47E6-BA6A-407CBD079E47}" type="slidenum">
-              <a:rPr dirty="0" spc="10"/>
+              <a:rPr spc="10" dirty="0"/>
               <a:t>1</a:t>
             </a:fld>
-            <a:endParaRPr dirty="0" spc="10"/>
+            <a:endParaRPr spc="10" dirty="0"/>
           </a:p>
         </p:txBody>
       </p:sp>
@@ -4582,177 +4239,48 @@
             <a:off x="2554542" y="3314150"/>
             <a:ext cx="8610600" cy="1869440"/>
           </a:xfrm>
-          <a:prstGeom prst="rect"/>
+          <a:prstGeom prst="rect">
+            <a:avLst/>
+          </a:prstGeom>
           <a:noFill/>
         </p:spPr>
         <p:txBody>
-          <a:bodyPr rtlCol="0" wrap="square">
+          <a:bodyPr wrap="square" rtlCol="0">
             <a:spAutoFit/>
           </a:bodyPr>
-          <a:p>
-            <a:r>
-              <a:rPr dirty="0" sz="2400" lang="en-US"/>
-              <a:t>STUDENT NAME : </a:t>
-            </a:r>
-            <a:r>
-              <a:rPr dirty="0" sz="2400" lang="en-US"/>
-              <a:t>D</a:t>
-            </a:r>
-            <a:r>
-              <a:rPr dirty="0" sz="2400" lang="en-US"/>
-              <a:t>H</a:t>
-            </a:r>
-            <a:r>
-              <a:rPr dirty="0" sz="2400" lang="en-US"/>
-              <a:t>A</a:t>
-            </a:r>
-            <a:r>
-              <a:rPr dirty="0" sz="2400" lang="en-US"/>
-              <a:t>R</a:t>
-            </a:r>
-            <a:r>
-              <a:rPr dirty="0" sz="2400" lang="en-US"/>
-              <a:t>S</a:t>
-            </a:r>
-            <a:r>
-              <a:rPr dirty="0" sz="2400" lang="en-US"/>
-              <a:t>H</a:t>
-            </a:r>
-            <a:r>
-              <a:rPr dirty="0" sz="2400" lang="en-US"/>
-              <a:t>I</a:t>
-            </a:r>
-            <a:r>
-              <a:rPr dirty="0" sz="2400" lang="en-US"/>
-              <a:t>N</a:t>
-            </a:r>
-            <a:r>
-              <a:rPr dirty="0" sz="2400" lang="en-US"/>
-              <a:t>I</a:t>
-            </a:r>
-            <a:endParaRPr altLang="en-US" lang="zh-CN"/>
-          </a:p>
-          <a:p>
-            <a:r>
-              <a:rPr dirty="0" sz="2400" lang="en-US"/>
-              <a:t>REGISTER NO      : </a:t>
-            </a:r>
-            <a:r>
-              <a:rPr dirty="0" sz="2400" lang="en-US"/>
-              <a:t>3</a:t>
-            </a:r>
-            <a:r>
-              <a:rPr dirty="0" sz="2400" lang="en-US"/>
-              <a:t>1</a:t>
-            </a:r>
-            <a:r>
-              <a:rPr dirty="0" sz="2400" lang="en-US"/>
-              <a:t>2</a:t>
-            </a:r>
-            <a:r>
-              <a:rPr dirty="0" sz="2400" lang="en-US"/>
-              <a:t>2</a:t>
-            </a:r>
-            <a:r>
-              <a:rPr dirty="0" sz="2400" lang="en-US"/>
-              <a:t>0</a:t>
-            </a:r>
-            <a:r>
-              <a:rPr dirty="0" sz="2400" lang="en-US"/>
-              <a:t>1</a:t>
-            </a:r>
-            <a:r>
-              <a:rPr dirty="0" sz="2400" lang="en-US"/>
-              <a:t>1</a:t>
-            </a:r>
-            <a:r>
-              <a:rPr dirty="0" sz="2400" lang="en-US"/>
-              <a:t>8</a:t>
-            </a:r>
-            <a:r>
-              <a:rPr dirty="0" sz="2400" lang="en-US"/>
-              <a:t>8</a:t>
-            </a:r>
-            <a:r>
-              <a:rPr dirty="0" sz="2400" lang="en-US"/>
-              <a:t>(asunm</a:t>
-            </a:r>
-            <a:r>
-              <a:rPr dirty="0" sz="2400" lang="en-US"/>
-              <a:t>1</a:t>
-            </a:r>
-            <a:r>
-              <a:rPr dirty="0" sz="2400" lang="en-US"/>
-              <a:t>1</a:t>
-            </a:r>
-            <a:r>
-              <a:rPr dirty="0" sz="2400" lang="en-US"/>
-              <a:t>0</a:t>
-            </a:r>
-            <a:r>
-              <a:rPr dirty="0" sz="2400" lang="en-US"/>
-              <a:t>3</a:t>
-            </a:r>
-            <a:r>
-              <a:rPr dirty="0" sz="2400" lang="en-US"/>
-              <a:t>1</a:t>
-            </a:r>
-            <a:r>
-              <a:rPr dirty="0" sz="2400" lang="en-US"/>
-              <a:t>2</a:t>
-            </a:r>
-            <a:r>
-              <a:rPr dirty="0" sz="2400" lang="en-US"/>
-              <a:t>2</a:t>
-            </a:r>
-            <a:r>
-              <a:rPr dirty="0" sz="2400" lang="en-US"/>
-              <a:t>0</a:t>
-            </a:r>
-            <a:r>
-              <a:rPr dirty="0" sz="2400" lang="en-US"/>
-              <a:t>1</a:t>
-            </a:r>
-            <a:r>
-              <a:rPr dirty="0" sz="2400" lang="en-US"/>
-              <a:t>1</a:t>
-            </a:r>
-            <a:r>
-              <a:rPr dirty="0" sz="2400" lang="en-US"/>
-              <a:t>8</a:t>
-            </a:r>
-            <a:r>
-              <a:rPr dirty="0" sz="2400" lang="en-US"/>
-              <a:t>8</a:t>
-            </a:r>
-            <a:r>
-              <a:rPr dirty="0" sz="2400" lang="en-US"/>
-              <a:t>)</a:t>
-            </a:r>
-            <a:r>
-              <a:rPr dirty="0" sz="2400" lang="en-US"/>
-              <a:t> </a:t>
-            </a:r>
-            <a:endParaRPr altLang="en-US" lang="zh-CN"/>
-          </a:p>
-          <a:p>
-            <a:r>
-              <a:rPr dirty="0" sz="2400" lang="en-US"/>
+          <a:lstStyle/>
+          <a:p>
+            <a:r>
+              <a:rPr lang="en-US" sz="2400" dirty="0"/>
+              <a:t>STUDENT NAME : DHARSHINI</a:t>
+            </a:r>
+            <a:endParaRPr lang="zh-CN" altLang="en-US"/>
+          </a:p>
+          <a:p>
+            <a:r>
+              <a:rPr lang="en-US" sz="2400" dirty="0"/>
+              <a:t>REGISTER NO      : 312201188(asunm110312201188) </a:t>
+            </a:r>
+            <a:endParaRPr lang="zh-CN" altLang="en-US"/>
+          </a:p>
+          <a:p>
+            <a:r>
+              <a:rPr lang="en-US" sz="2400" dirty="0"/>
               <a:t>DEPARTMENT     : B.COM BANK MANAGEMENT</a:t>
             </a:r>
           </a:p>
           <a:p>
             <a:r>
-              <a:rPr dirty="0" sz="2400" lang="en-US"/>
+              <a:rPr lang="en-US" sz="2400" dirty="0"/>
               <a:t>COLLEGE              : D.R.B.C.C.C HINDU COLLEGE</a:t>
             </a:r>
           </a:p>
           <a:p>
             <a:r>
-              <a:rPr dirty="0" sz="2400" lang="en-US"/>
+              <a:rPr lang="en-US" sz="2400" dirty="0"/>
               <a:t>           </a:t>
             </a:r>
-            <a:endParaRPr dirty="0" sz="2400" lang="en-IN"/>
+            <a:endParaRPr lang="en-IN" sz="2400" dirty="0"/>
           </a:p>
         </p:txBody>
       </p:sp>
@@ -4769,7 +4297,7 @@
   <p:cSld>
     <p:spTree>
       <p:nvGrpSpPr>
-        <p:cNvPr id="40" name=""/>
+        <p:cNvPr id="1" name=""/>
         <p:cNvGrpSpPr/>
         <p:nvPr/>
       </p:nvGrpSpPr>
@@ -4794,7 +4322,9 @@
           </a:xfrm>
           <a:custGeom>
             <a:avLst/>
+            <a:gdLst/>
             <a:ahLst/>
+            <a:cxnLst/>
             <a:rect l="l" t="t" r="r" b="b"/>
             <a:pathLst>
               <a:path w="180975" h="180975">
@@ -4822,8 +4352,11 @@
           </a:solidFill>
         </p:spPr>
         <p:txBody>
-          <a:bodyPr bIns="0" lIns="0" rIns="0" rtlCol="0" tIns="0" wrap="square"/>
-          <a:p/>
+          <a:bodyPr wrap="square" lIns="0" tIns="0" rIns="0" bIns="0" rtlCol="0"/>
+          <a:lstStyle/>
+          <a:p>
+            <a:endParaRPr/>
+          </a:p>
         </p:txBody>
       </p:sp>
       <p:pic>
@@ -4835,7 +4368,7 @@
           <p:nvPr/>
         </p:nvPicPr>
         <p:blipFill>
-          <a:blip xmlns:r="http://schemas.openxmlformats.org/officeDocument/2006/relationships" r:embed="rId1" cstate="print"/>
+          <a:blip r:embed="rId2" cstate="print"/>
           <a:stretch>
             <a:fillRect/>
           </a:stretch>
@@ -4845,7 +4378,9 @@
             <a:off x="1666875" y="6467475"/>
             <a:ext cx="76200" cy="177800"/>
           </a:xfrm>
-          <a:prstGeom prst="rect"/>
+          <a:prstGeom prst="rect">
+            <a:avLst/>
+          </a:prstGeom>
         </p:spPr>
       </p:pic>
       <p:sp>
@@ -4859,12 +4394,15 @@
             <a:off x="11277218" y="6473337"/>
             <a:ext cx="228600" cy="191770"/>
           </a:xfrm>
-          <a:prstGeom prst="rect"/>
+          <a:prstGeom prst="rect">
+            <a:avLst/>
+          </a:prstGeom>
         </p:spPr>
         <p:txBody>
-          <a:bodyPr bIns="0" lIns="0" rIns="0" rtlCol="0" tIns="6985" vert="horz" wrap="square">
+          <a:bodyPr vert="horz" wrap="square" lIns="0" tIns="6985" rIns="0" bIns="0" rtlCol="0">
             <a:spAutoFit/>
           </a:bodyPr>
+          <a:lstStyle/>
           <a:p>
             <a:pPr marL="38100">
               <a:lnSpc>
@@ -4875,7 +4413,7 @@
               </a:spcBef>
             </a:pPr>
             <a:fld id="{81D60167-4931-47E6-BA6A-407CBD079E47}" type="slidenum">
-              <a:rPr dirty="0" sz="1100" spc="10">
+              <a:rPr sz="1100" spc="10" dirty="0">
                 <a:solidFill>
                   <a:srgbClr val="2D936B"/>
                 </a:solidFill>
@@ -4902,12 +4440,15 @@
             <a:off x="739775" y="291147"/>
             <a:ext cx="3303904" cy="758190"/>
           </a:xfrm>
-          <a:prstGeom prst="rect"/>
+          <a:prstGeom prst="rect">
+            <a:avLst/>
+          </a:prstGeom>
         </p:spPr>
         <p:txBody>
-          <a:bodyPr bIns="0" lIns="0" rIns="0" rtlCol="0" tIns="13335" vert="horz" wrap="square">
+          <a:bodyPr vert="horz" wrap="square" lIns="0" tIns="13335" rIns="0" bIns="0" rtlCol="0">
             <a:spAutoFit/>
           </a:bodyPr>
+          <a:lstStyle/>
           <a:p>
             <a:pPr marL="12700">
               <a:lnSpc>
@@ -4918,62 +4459,62 @@
               </a:spcBef>
             </a:pPr>
             <a:r>
-              <a:rPr b="1" dirty="0" sz="4800" spc="15">
+              <a:rPr sz="4800" b="1" spc="15" dirty="0">
                 <a:latin typeface="Trebuchet MS"/>
                 <a:cs typeface="Trebuchet MS"/>
               </a:rPr>
               <a:t>M</a:t>
             </a:r>
             <a:r>
-              <a:rPr b="1" dirty="0" sz="4800">
+              <a:rPr sz="4800" b="1" dirty="0">
                 <a:latin typeface="Trebuchet MS"/>
                 <a:cs typeface="Trebuchet MS"/>
               </a:rPr>
               <a:t>O</a:t>
             </a:r>
             <a:r>
-              <a:rPr b="1" dirty="0" sz="4800" spc="-15">
+              <a:rPr sz="4800" b="1" spc="-15" dirty="0">
                 <a:latin typeface="Trebuchet MS"/>
                 <a:cs typeface="Trebuchet MS"/>
               </a:rPr>
               <a:t>D</a:t>
             </a:r>
             <a:r>
-              <a:rPr b="1" dirty="0" sz="4800" spc="-35">
+              <a:rPr sz="4800" b="1" spc="-35" dirty="0">
                 <a:latin typeface="Trebuchet MS"/>
                 <a:cs typeface="Trebuchet MS"/>
               </a:rPr>
               <a:t>E</a:t>
             </a:r>
             <a:r>
-              <a:rPr b="1" dirty="0" sz="4800" spc="-30">
+              <a:rPr sz="4800" b="1" spc="-30" dirty="0">
                 <a:latin typeface="Trebuchet MS"/>
                 <a:cs typeface="Trebuchet MS"/>
               </a:rPr>
               <a:t>LL</a:t>
             </a:r>
             <a:r>
-              <a:rPr b="1" dirty="0" sz="4800" spc="-5">
+              <a:rPr sz="4800" b="1" spc="-5" dirty="0">
                 <a:latin typeface="Trebuchet MS"/>
                 <a:cs typeface="Trebuchet MS"/>
               </a:rPr>
               <a:t>I</a:t>
             </a:r>
             <a:r>
-              <a:rPr b="1" dirty="0" sz="4800" spc="30">
+              <a:rPr sz="4800" b="1" spc="30" dirty="0">
                 <a:latin typeface="Trebuchet MS"/>
                 <a:cs typeface="Trebuchet MS"/>
               </a:rPr>
               <a:t>N</a:t>
             </a:r>
             <a:r>
-              <a:rPr b="1" dirty="0" sz="4800" spc="5">
+              <a:rPr sz="4800" b="1" spc="5" dirty="0">
                 <a:latin typeface="Trebuchet MS"/>
                 <a:cs typeface="Trebuchet MS"/>
               </a:rPr>
               <a:t>G</a:t>
             </a:r>
-            <a:endParaRPr dirty="0" sz="4800">
+            <a:endParaRPr sz="4800" dirty="0">
               <a:latin typeface="Trebuchet MS"/>
               <a:cs typeface="Trebuchet MS"/>
             </a:endParaRPr>
@@ -4993,7 +4534,9 @@
           </a:xfrm>
           <a:custGeom>
             <a:avLst/>
+            <a:gdLst/>
             <a:ahLst/>
+            <a:cxnLst/>
             <a:rect l="l" t="t" r="r" b="b"/>
             <a:pathLst>
               <a:path w="457200" h="457200">
@@ -5021,8 +4564,11 @@
           </a:solidFill>
         </p:spPr>
         <p:txBody>
-          <a:bodyPr bIns="0" lIns="0" rIns="0" rtlCol="0" tIns="0" wrap="square"/>
-          <a:p/>
+          <a:bodyPr wrap="square" lIns="0" tIns="0" rIns="0" bIns="0" rtlCol="0"/>
+          <a:lstStyle/>
+          <a:p>
+            <a:endParaRPr/>
+          </a:p>
         </p:txBody>
       </p:sp>
       <p:sp>
@@ -5036,101 +4582,104 @@
             <a:off x="838200" y="1600200"/>
             <a:ext cx="8153400" cy="2862322"/>
           </a:xfrm>
-          <a:prstGeom prst="rect"/>
+          <a:prstGeom prst="rect">
+            <a:avLst/>
+          </a:prstGeom>
           <a:noFill/>
         </p:spPr>
         <p:txBody>
-          <a:bodyPr rtlCol="0" wrap="square">
+          <a:bodyPr wrap="square" rtlCol="0">
             <a:spAutoFit/>
           </a:bodyPr>
-          <a:p>
-            <a:r>
-              <a:rPr b="1" dirty="0" lang="en-IN"/>
+          <a:lstStyle/>
+          <a:p>
+            <a:r>
+              <a:rPr lang="en-IN" b="1" dirty="0"/>
               <a:t>Data collection </a:t>
             </a:r>
             <a:r>
-              <a:rPr dirty="0" lang="en-IN"/>
+              <a:rPr lang="en-IN" dirty="0"/>
               <a:t>: </a:t>
             </a:r>
           </a:p>
           <a:p>
-            <a:pPr indent="-285750" marL="285750">
+            <a:pPr marL="285750" indent="-285750">
               <a:buFont typeface="Arial" panose="020B0604020202020204" pitchFamily="34" charset="0"/>
               <a:buChar char="•"/>
             </a:pPr>
             <a:r>
-              <a:rPr dirty="0" lang="en-IN"/>
+              <a:rPr lang="en-IN" dirty="0"/>
               <a:t>Downloaded the data from Kaggle</a:t>
             </a:r>
           </a:p>
           <a:p>
-            <a:pPr indent="-285750" marL="285750">
+            <a:pPr marL="285750" indent="-285750">
               <a:buFont typeface="Arial" panose="020B0604020202020204" pitchFamily="34" charset="0"/>
               <a:buChar char="•"/>
             </a:pPr>
             <a:r>
-              <a:rPr dirty="0" lang="en-IN"/>
+              <a:rPr lang="en-IN" dirty="0"/>
               <a:t>Downloaded from the dashboard</a:t>
             </a:r>
           </a:p>
           <a:p>
             <a:r>
-              <a:rPr b="1" dirty="0" lang="en-IN"/>
+              <a:rPr lang="en-IN" b="1" dirty="0"/>
               <a:t>Features collection </a:t>
             </a:r>
             <a:r>
-              <a:rPr dirty="0" lang="en-IN"/>
+              <a:rPr lang="en-IN" dirty="0"/>
               <a:t>: Identified each feature  of the data set </a:t>
             </a:r>
           </a:p>
           <a:p>
             <a:r>
-              <a:rPr b="1" dirty="0" lang="en-IN"/>
+              <a:rPr lang="en-IN" b="1" dirty="0"/>
               <a:t>Data cleaning</a:t>
             </a:r>
             <a:r>
-              <a:rPr dirty="0" lang="en-IN"/>
+              <a:rPr lang="en-IN" dirty="0"/>
               <a:t> : </a:t>
             </a:r>
           </a:p>
           <a:p>
-            <a:pPr indent="-285750" marL="285750">
+            <a:pPr marL="285750" indent="-285750">
               <a:buFont typeface="Arial" panose="020B0604020202020204" pitchFamily="34" charset="0"/>
               <a:buChar char="•"/>
             </a:pPr>
             <a:r>
-              <a:rPr dirty="0" lang="en-IN"/>
+              <a:rPr lang="en-IN" dirty="0"/>
               <a:t>Identified the missing values </a:t>
             </a:r>
           </a:p>
           <a:p>
-            <a:pPr indent="-285750" marL="285750">
+            <a:pPr marL="285750" indent="-285750">
               <a:buFont typeface="Arial" panose="020B0604020202020204" pitchFamily="34" charset="0"/>
               <a:buChar char="•"/>
             </a:pPr>
             <a:r>
-              <a:rPr dirty="0" lang="en-IN"/>
+              <a:rPr lang="en-IN" dirty="0"/>
               <a:t>Filtered out the missing values </a:t>
             </a:r>
           </a:p>
           <a:p>
             <a:r>
-              <a:rPr b="1" dirty="0" lang="en-IN"/>
+              <a:rPr lang="en-IN" b="1" dirty="0"/>
               <a:t>Calculated the Performance level  </a:t>
             </a:r>
           </a:p>
           <a:p>
             <a:r>
-              <a:rPr b="1" dirty="0" lang="en-IN"/>
+              <a:rPr lang="en-IN" b="1" dirty="0"/>
               <a:t>Pivot table </a:t>
             </a:r>
             <a:r>
-              <a:rPr dirty="0" lang="en-IN"/>
+              <a:rPr lang="en-IN" dirty="0"/>
               <a:t>: Used for Summarization </a:t>
             </a:r>
           </a:p>
           <a:p>
-            <a:endParaRPr dirty="0" lang="en-IN"/>
+            <a:endParaRPr lang="en-IN" dirty="0"/>
           </a:p>
         </p:txBody>
       </p:sp>
@@ -5145,19 +4694,22 @@
             <a:off x="778267" y="2254081"/>
             <a:ext cx="242374" cy="369332"/>
           </a:xfrm>
-          <a:prstGeom prst="rect"/>
+          <a:prstGeom prst="rect">
+            <a:avLst/>
+          </a:prstGeom>
           <a:noFill/>
         </p:spPr>
         <p:txBody>
-          <a:bodyPr rtlCol="0" wrap="none">
+          <a:bodyPr wrap="none" rtlCol="0">
             <a:spAutoFit/>
           </a:bodyPr>
-          <a:p>
-            <a:r>
-              <a:rPr dirty="0" lang="en-US"/>
+          <a:lstStyle/>
+          <a:p>
+            <a:r>
+              <a:rPr lang="en-US" dirty="0"/>
               <a:t>.</a:t>
             </a:r>
-            <a:endParaRPr dirty="0" lang="en-IN"/>
+            <a:endParaRPr lang="en-IN" dirty="0"/>
           </a:p>
         </p:txBody>
       </p:sp>
@@ -5174,7 +4726,7 @@
   <p:cSld>
     <p:spTree>
       <p:nvGrpSpPr>
-        <p:cNvPr id="41" name=""/>
+        <p:cNvPr id="1" name=""/>
         <p:cNvGrpSpPr/>
         <p:nvPr/>
       </p:nvGrpSpPr>
@@ -5199,7 +4751,9 @@
           </a:xfrm>
           <a:custGeom>
             <a:avLst/>
+            <a:gdLst/>
             <a:ahLst/>
+            <a:cxnLst/>
             <a:rect l="l" t="t" r="r" b="b"/>
             <a:pathLst>
               <a:path w="457200" h="457200">
@@ -5227,8 +4781,11 @@
           </a:solidFill>
         </p:spPr>
         <p:txBody>
-          <a:bodyPr bIns="0" lIns="0" rIns="0" rtlCol="0" tIns="0" wrap="square"/>
-          <a:p/>
+          <a:bodyPr wrap="square" lIns="0" tIns="0" rIns="0" bIns="0" rtlCol="0"/>
+          <a:lstStyle/>
+          <a:p>
+            <a:endParaRPr/>
+          </a:p>
         </p:txBody>
       </p:sp>
       <p:sp>
@@ -5239,12 +4796,14 @@
         </p:nvSpPr>
         <p:spPr>
           <a:xfrm>
-            <a:off x="6696075" y="1695450"/>
+            <a:off x="8915400" y="1143634"/>
             <a:ext cx="314325" cy="323850"/>
           </a:xfrm>
           <a:custGeom>
             <a:avLst/>
+            <a:gdLst/>
             <a:ahLst/>
+            <a:cxnLst/>
             <a:rect l="l" t="t" r="r" b="b"/>
             <a:pathLst>
               <a:path w="314325" h="323850">
@@ -5272,8 +4831,11 @@
           </a:solidFill>
         </p:spPr>
         <p:txBody>
-          <a:bodyPr bIns="0" lIns="0" rIns="0" rtlCol="0" tIns="0" wrap="square"/>
-          <a:p/>
+          <a:bodyPr wrap="square" lIns="0" tIns="0" rIns="0" bIns="0" rtlCol="0"/>
+          <a:lstStyle/>
+          <a:p>
+            <a:endParaRPr/>
+          </a:p>
         </p:txBody>
       </p:sp>
       <p:sp>
@@ -5289,7 +4851,9 @@
           </a:xfrm>
           <a:custGeom>
             <a:avLst/>
+            <a:gdLst/>
             <a:ahLst/>
+            <a:cxnLst/>
             <a:rect l="l" t="t" r="r" b="b"/>
             <a:pathLst>
               <a:path w="180975" h="180975">
@@ -5317,8 +4881,11 @@
           </a:solidFill>
         </p:spPr>
         <p:txBody>
-          <a:bodyPr bIns="0" lIns="0" rIns="0" rtlCol="0" tIns="0" wrap="square"/>
-          <a:p/>
+          <a:bodyPr wrap="square" lIns="0" tIns="0" rIns="0" bIns="0" rtlCol="0"/>
+          <a:lstStyle/>
+          <a:p>
+            <a:endParaRPr/>
+          </a:p>
         </p:txBody>
       </p:sp>
       <p:pic>
@@ -5330,7 +4897,7 @@
           <p:nvPr/>
         </p:nvPicPr>
         <p:blipFill>
-          <a:blip xmlns:r="http://schemas.openxmlformats.org/officeDocument/2006/relationships" r:embed="rId2" cstate="print"/>
+          <a:blip r:embed="rId2" cstate="print"/>
           <a:stretch>
             <a:fillRect/>
           </a:stretch>
@@ -5340,7 +4907,9 @@
             <a:off x="1666875" y="6467475"/>
             <a:ext cx="76200" cy="177800"/>
           </a:xfrm>
-          <a:prstGeom prst="rect"/>
+          <a:prstGeom prst="rect">
+            <a:avLst/>
+          </a:prstGeom>
         </p:spPr>
       </p:pic>
       <p:sp>
@@ -5358,12 +4927,15 @@
             <a:off x="755332" y="385444"/>
             <a:ext cx="2437130" cy="758190"/>
           </a:xfrm>
-          <a:prstGeom prst="rect"/>
+          <a:prstGeom prst="rect">
+            <a:avLst/>
+          </a:prstGeom>
         </p:spPr>
         <p:txBody>
-          <a:bodyPr bIns="0" lIns="0" rIns="0" rtlCol="0" tIns="13335" vert="horz" wrap="square">
+          <a:bodyPr vert="horz" wrap="square" lIns="0" tIns="13335" rIns="0" bIns="0" rtlCol="0">
             <a:spAutoFit/>
           </a:bodyPr>
+          <a:lstStyle/>
           <a:p>
             <a:pPr marL="12700">
               <a:lnSpc>
@@ -5378,19 +4950,19 @@
               <a:t>R</a:t>
             </a:r>
             <a:r>
-              <a:rPr dirty="0" spc="-40"/>
+              <a:rPr spc="-40" dirty="0"/>
               <a:t>E</a:t>
             </a:r>
             <a:r>
-              <a:rPr dirty="0" spc="15"/>
+              <a:rPr spc="15" dirty="0"/>
               <a:t>S</a:t>
             </a:r>
             <a:r>
-              <a:rPr dirty="0" spc="-30"/>
+              <a:rPr spc="-30" dirty="0"/>
               <a:t>U</a:t>
             </a:r>
             <a:r>
-              <a:rPr dirty="0" spc="-405"/>
+              <a:rPr spc="-405" dirty="0"/>
               <a:t>L</a:t>
             </a:r>
             <a:r>
@@ -5411,12 +4983,15 @@
             <a:off x="11277218" y="6473337"/>
             <a:ext cx="228600" cy="191770"/>
           </a:xfrm>
-          <a:prstGeom prst="rect"/>
+          <a:prstGeom prst="rect">
+            <a:avLst/>
+          </a:prstGeom>
         </p:spPr>
         <p:txBody>
-          <a:bodyPr bIns="0" lIns="0" rIns="0" rtlCol="0" tIns="6985" vert="horz" wrap="square">
+          <a:bodyPr vert="horz" wrap="square" lIns="0" tIns="6985" rIns="0" bIns="0" rtlCol="0">
             <a:spAutoFit/>
           </a:bodyPr>
+          <a:lstStyle/>
           <a:p>
             <a:pPr marL="38100">
               <a:lnSpc>
@@ -5427,7 +5002,7 @@
               </a:spcBef>
             </a:pPr>
             <a:fld id="{81D60167-4931-47E6-BA6A-407CBD079E47}" type="slidenum">
-              <a:rPr dirty="0" sz="1100" spc="10">
+              <a:rPr sz="1100" spc="10" dirty="0">
                 <a:solidFill>
                   <a:srgbClr val="2D936B"/>
                 </a:solidFill>
@@ -5445,19 +5020,25 @@
       </p:sp>
       <p:graphicFrame>
         <p:nvGraphicFramePr>
-          <p:cNvPr id="4194304" name="Chart 1"/>
+          <p:cNvPr id="10" name="Chart 9"/>
           <p:cNvGraphicFramePr>
             <a:graphicFrameLocks/>
           </p:cNvGraphicFramePr>
-          <p:nvPr/>
+          <p:nvPr>
+            <p:extLst>
+              <p:ext uri="{D42A27DB-BD31-4B8C-83A1-F6EECF244321}">
+                <p14:modId xmlns:p14="http://schemas.microsoft.com/office/powerpoint/2010/main" val="2632026123"/>
+              </p:ext>
+            </p:extLst>
+          </p:nvPr>
         </p:nvGraphicFramePr>
         <p:xfrm>
-          <a:off x="755332" y="1695450"/>
-          <a:ext cx="7097078" cy="2924175"/>
+          <a:off x="1698048" y="1676401"/>
+          <a:ext cx="6074352" cy="4143374"/>
         </p:xfrm>
         <a:graphic>
           <a:graphicData uri="http://schemas.openxmlformats.org/drawingml/2006/chart">
-            <c:chart xmlns:c="http://schemas.openxmlformats.org/drawingml/2006/chart" xmlns:r="http://schemas.openxmlformats.org/officeDocument/2006/relationships" r:id="rId1"/>
+            <c:chart xmlns:c="http://schemas.openxmlformats.org/drawingml/2006/chart" xmlns:r="http://schemas.openxmlformats.org/officeDocument/2006/relationships" r:id="rId3"/>
           </a:graphicData>
         </a:graphic>
       </p:graphicFrame>
@@ -5474,7 +5055,7 @@
   <p:cSld>
     <p:spTree>
       <p:nvGrpSpPr>
-        <p:cNvPr id="42" name=""/>
+        <p:cNvPr id="1" name=""/>
         <p:cNvGrpSpPr/>
         <p:nvPr/>
       </p:nvGrpSpPr>
@@ -5499,15 +5080,16 @@
         <p:spPr/>
         <p:txBody>
           <a:bodyPr/>
-          <a:p>
-            <a:r>
-              <a:rPr dirty="0" lang="en-US">
+          <a:lstStyle/>
+          <a:p>
+            <a:r>
+              <a:rPr lang="en-US" dirty="0">
                 <a:latin typeface="Times New Roman" panose="02020603050405020304" pitchFamily="18" charset="0"/>
                 <a:cs typeface="Times New Roman" panose="02020603050405020304" pitchFamily="18" charset="0"/>
               </a:rPr>
               <a:t>conclusion</a:t>
             </a:r>
-            <a:endParaRPr dirty="0" lang="en-IN">
+            <a:endParaRPr lang="en-IN" dirty="0">
               <a:latin typeface="Times New Roman" panose="02020603050405020304" pitchFamily="18" charset="0"/>
               <a:cs typeface="Times New Roman" panose="02020603050405020304" pitchFamily="18" charset="0"/>
             </a:endParaRPr>
@@ -5525,19 +5107,22 @@
             <a:off x="755332" y="1447800"/>
             <a:ext cx="242374" cy="369332"/>
           </a:xfrm>
-          <a:prstGeom prst="rect"/>
+          <a:prstGeom prst="rect">
+            <a:avLst/>
+          </a:prstGeom>
           <a:noFill/>
         </p:spPr>
         <p:txBody>
-          <a:bodyPr rtlCol="0" wrap="none">
+          <a:bodyPr wrap="none" rtlCol="0">
             <a:spAutoFit/>
           </a:bodyPr>
-          <a:p>
-            <a:r>
-              <a:rPr dirty="0" lang="en-US"/>
+          <a:lstStyle/>
+          <a:p>
+            <a:r>
+              <a:rPr lang="en-US" dirty="0"/>
               <a:t>.</a:t>
             </a:r>
-            <a:endParaRPr dirty="0" lang="en-IN"/>
+            <a:endParaRPr lang="en-IN" dirty="0"/>
           </a:p>
         </p:txBody>
       </p:sp>
@@ -5552,21 +5137,24 @@
             <a:off x="749113" y="3451542"/>
             <a:ext cx="242374" cy="646331"/>
           </a:xfrm>
-          <a:prstGeom prst="rect"/>
+          <a:prstGeom prst="rect">
+            <a:avLst/>
+          </a:prstGeom>
           <a:noFill/>
         </p:spPr>
         <p:txBody>
-          <a:bodyPr rtlCol="0" wrap="none">
+          <a:bodyPr wrap="none" rtlCol="0">
             <a:spAutoFit/>
           </a:bodyPr>
-          <a:p>
-            <a:r>
-              <a:rPr dirty="0" lang="en-US"/>
+          <a:lstStyle/>
+          <a:p>
+            <a:r>
+              <a:rPr lang="en-US" dirty="0"/>
               <a:t>.</a:t>
             </a:r>
           </a:p>
           <a:p>
-            <a:endParaRPr dirty="0" lang="en-IN"/>
+            <a:endParaRPr lang="en-IN" dirty="0"/>
           </a:p>
         </p:txBody>
       </p:sp>
@@ -5583,7 +5171,9 @@
             <a:off x="749113" y="-5583196"/>
             <a:ext cx="9448800" cy="10618291"/>
           </a:xfrm>
-          <a:prstGeom prst="rect"/>
+          <a:prstGeom prst="rect">
+            <a:avLst/>
+          </a:prstGeom>
           <a:noFill/>
           <a:ln>
             <a:noFill/>
@@ -5591,12 +5181,15 @@
           <a:effectLst/>
         </p:spPr>
         <p:txBody>
-          <a:bodyPr anchor="ctr" anchorCtr="0" bIns="45720" compatLnSpc="1" lIns="91440" numCol="1" rIns="91440" tIns="45720" vert="horz" wrap="square">
-            <a:prstTxWarp prst="textNoShape"/>
+          <a:bodyPr vert="horz" wrap="square" lIns="91440" tIns="45720" rIns="91440" bIns="45720" numCol="1" anchor="ctr" anchorCtr="0" compatLnSpc="1">
+            <a:prstTxWarp prst="textNoShape">
+              <a:avLst/>
+            </a:prstTxWarp>
             <a:spAutoFit/>
           </a:bodyPr>
-          <a:p>
-            <a:pPr algn="l" defTabSz="914400" eaLnBrk="0" fontAlgn="base" hangingPunct="0" indent="0" latinLnBrk="0" lvl="0" marL="0" marR="0" rtl="0">
+          <a:lstStyle/>
+          <a:p>
+            <a:pPr marL="0" marR="0" lvl="0" indent="0" algn="l" defTabSz="914400" rtl="0" eaLnBrk="0" fontAlgn="base" latinLnBrk="0" hangingPunct="0">
               <a:lnSpc>
                 <a:spcPct val="100000"/>
               </a:lnSpc>
@@ -5611,7 +5204,7 @@
               <a:buFontTx/>
               <a:buChar char="•"/>
             </a:pPr>
-            <a:endParaRPr altLang="en-US" baseline="0" b="1" cap="none" dirty="0" sz="1800" i="0" kumimoji="0" lang="en-US" normalizeH="0" strike="noStrike" u="none">
+            <a:endParaRPr kumimoji="0" lang="en-US" altLang="en-US" sz="1800" b="1" i="0" u="none" strike="noStrike" cap="none" normalizeH="0" baseline="0" dirty="0">
               <a:ln>
                 <a:noFill/>
               </a:ln>
@@ -5623,7 +5216,7 @@
             </a:endParaRPr>
           </a:p>
           <a:p>
-            <a:pPr algn="l" defTabSz="914400" eaLnBrk="0" fontAlgn="base" hangingPunct="0" indent="0" latinLnBrk="0" lvl="0" marL="0" marR="0" rtl="0">
+            <a:pPr marL="0" marR="0" lvl="0" indent="0" algn="l" defTabSz="914400" rtl="0" eaLnBrk="0" fontAlgn="base" latinLnBrk="0" hangingPunct="0">
               <a:lnSpc>
                 <a:spcPct val="100000"/>
               </a:lnSpc>
@@ -5638,12 +5231,12 @@
               <a:buFontTx/>
               <a:buChar char="•"/>
             </a:pPr>
-            <a:endParaRPr altLang="en-US" b="1" dirty="0" lang="en-US">
+            <a:endParaRPr lang="en-US" altLang="en-US" b="1" dirty="0">
               <a:latin typeface="Arial" panose="020B0604020202020204" pitchFamily="34" charset="0"/>
             </a:endParaRPr>
           </a:p>
           <a:p>
-            <a:pPr algn="l" defTabSz="914400" eaLnBrk="0" fontAlgn="base" hangingPunct="0" indent="0" latinLnBrk="0" lvl="0" marL="0" marR="0" rtl="0">
+            <a:pPr marL="0" marR="0" lvl="0" indent="0" algn="l" defTabSz="914400" rtl="0" eaLnBrk="0" fontAlgn="base" latinLnBrk="0" hangingPunct="0">
               <a:lnSpc>
                 <a:spcPct val="100000"/>
               </a:lnSpc>
@@ -5658,7 +5251,7 @@
               <a:buFontTx/>
               <a:buChar char="•"/>
             </a:pPr>
-            <a:endParaRPr altLang="en-US" baseline="0" b="1" cap="none" dirty="0" sz="1800" i="0" kumimoji="0" lang="en-US" normalizeH="0" strike="noStrike" u="none">
+            <a:endParaRPr kumimoji="0" lang="en-US" altLang="en-US" sz="1800" b="1" i="0" u="none" strike="noStrike" cap="none" normalizeH="0" baseline="0" dirty="0">
               <a:ln>
                 <a:noFill/>
               </a:ln>
@@ -5670,7 +5263,7 @@
             </a:endParaRPr>
           </a:p>
           <a:p>
-            <a:pPr algn="l" defTabSz="914400" eaLnBrk="0" fontAlgn="base" hangingPunct="0" indent="0" latinLnBrk="0" lvl="0" marL="0" marR="0" rtl="0">
+            <a:pPr marL="0" marR="0" lvl="0" indent="0" algn="l" defTabSz="914400" rtl="0" eaLnBrk="0" fontAlgn="base" latinLnBrk="0" hangingPunct="0">
               <a:lnSpc>
                 <a:spcPct val="100000"/>
               </a:lnSpc>
@@ -5685,12 +5278,12 @@
               <a:buFontTx/>
               <a:buChar char="•"/>
             </a:pPr>
-            <a:endParaRPr altLang="en-US" b="1" dirty="0" lang="en-US">
+            <a:endParaRPr lang="en-US" altLang="en-US" b="1" dirty="0">
               <a:latin typeface="Arial" panose="020B0604020202020204" pitchFamily="34" charset="0"/>
             </a:endParaRPr>
           </a:p>
           <a:p>
-            <a:pPr algn="l" defTabSz="914400" eaLnBrk="0" fontAlgn="base" hangingPunct="0" indent="0" latinLnBrk="0" lvl="0" marL="0" marR="0" rtl="0">
+            <a:pPr marL="0" marR="0" lvl="0" indent="0" algn="l" defTabSz="914400" rtl="0" eaLnBrk="0" fontAlgn="base" latinLnBrk="0" hangingPunct="0">
               <a:lnSpc>
                 <a:spcPct val="100000"/>
               </a:lnSpc>
@@ -5705,7 +5298,7 @@
               <a:buFontTx/>
               <a:buChar char="•"/>
             </a:pPr>
-            <a:endParaRPr altLang="en-US" baseline="0" b="1" cap="none" dirty="0" sz="1800" i="0" kumimoji="0" lang="en-US" normalizeH="0" strike="noStrike" u="none">
+            <a:endParaRPr kumimoji="0" lang="en-US" altLang="en-US" sz="1800" b="1" i="0" u="none" strike="noStrike" cap="none" normalizeH="0" baseline="0" dirty="0">
               <a:ln>
                 <a:noFill/>
               </a:ln>
@@ -5717,7 +5310,7 @@
             </a:endParaRPr>
           </a:p>
           <a:p>
-            <a:pPr algn="l" defTabSz="914400" eaLnBrk="0" fontAlgn="base" hangingPunct="0" indent="0" latinLnBrk="0" lvl="0" marL="0" marR="0" rtl="0">
+            <a:pPr marL="0" marR="0" lvl="0" indent="0" algn="l" defTabSz="914400" rtl="0" eaLnBrk="0" fontAlgn="base" latinLnBrk="0" hangingPunct="0">
               <a:lnSpc>
                 <a:spcPct val="100000"/>
               </a:lnSpc>
@@ -5732,12 +5325,12 @@
               <a:buFontTx/>
               <a:buChar char="•"/>
             </a:pPr>
-            <a:endParaRPr altLang="en-US" b="1" dirty="0" lang="en-US">
+            <a:endParaRPr lang="en-US" altLang="en-US" b="1" dirty="0">
               <a:latin typeface="Arial" panose="020B0604020202020204" pitchFamily="34" charset="0"/>
             </a:endParaRPr>
           </a:p>
           <a:p>
-            <a:pPr algn="l" defTabSz="914400" eaLnBrk="0" fontAlgn="base" hangingPunct="0" indent="0" latinLnBrk="0" lvl="0" marL="0" marR="0" rtl="0">
+            <a:pPr marL="0" marR="0" lvl="0" indent="0" algn="l" defTabSz="914400" rtl="0" eaLnBrk="0" fontAlgn="base" latinLnBrk="0" hangingPunct="0">
               <a:lnSpc>
                 <a:spcPct val="100000"/>
               </a:lnSpc>
@@ -5752,7 +5345,7 @@
               <a:buFontTx/>
               <a:buChar char="•"/>
             </a:pPr>
-            <a:endParaRPr altLang="en-US" baseline="0" b="1" cap="none" dirty="0" sz="1800" i="0" kumimoji="0" lang="en-US" normalizeH="0" strike="noStrike" u="none">
+            <a:endParaRPr kumimoji="0" lang="en-US" altLang="en-US" sz="1800" b="1" i="0" u="none" strike="noStrike" cap="none" normalizeH="0" baseline="0" dirty="0">
               <a:ln>
                 <a:noFill/>
               </a:ln>
@@ -5764,7 +5357,7 @@
             </a:endParaRPr>
           </a:p>
           <a:p>
-            <a:pPr algn="l" defTabSz="914400" eaLnBrk="0" fontAlgn="base" hangingPunct="0" indent="0" latinLnBrk="0" lvl="0" marL="0" marR="0" rtl="0">
+            <a:pPr marL="0" marR="0" lvl="0" indent="0" algn="l" defTabSz="914400" rtl="0" eaLnBrk="0" fontAlgn="base" latinLnBrk="0" hangingPunct="0">
               <a:lnSpc>
                 <a:spcPct val="100000"/>
               </a:lnSpc>
@@ -5779,12 +5372,12 @@
               <a:buFontTx/>
               <a:buChar char="•"/>
             </a:pPr>
-            <a:endParaRPr altLang="en-US" b="1" dirty="0" lang="en-US">
+            <a:endParaRPr lang="en-US" altLang="en-US" b="1" dirty="0">
               <a:latin typeface="Arial" panose="020B0604020202020204" pitchFamily="34" charset="0"/>
             </a:endParaRPr>
           </a:p>
           <a:p>
-            <a:pPr algn="l" defTabSz="914400" eaLnBrk="0" fontAlgn="base" hangingPunct="0" indent="0" latinLnBrk="0" lvl="0" marL="0" marR="0" rtl="0">
+            <a:pPr marL="0" marR="0" lvl="0" indent="0" algn="l" defTabSz="914400" rtl="0" eaLnBrk="0" fontAlgn="base" latinLnBrk="0" hangingPunct="0">
               <a:lnSpc>
                 <a:spcPct val="100000"/>
               </a:lnSpc>
@@ -5799,7 +5392,7 @@
               <a:buFontTx/>
               <a:buChar char="•"/>
             </a:pPr>
-            <a:endParaRPr altLang="en-US" baseline="0" b="1" cap="none" dirty="0" sz="1800" i="0" kumimoji="0" lang="en-US" normalizeH="0" strike="noStrike" u="none">
+            <a:endParaRPr kumimoji="0" lang="en-US" altLang="en-US" sz="1800" b="1" i="0" u="none" strike="noStrike" cap="none" normalizeH="0" baseline="0" dirty="0">
               <a:ln>
                 <a:noFill/>
               </a:ln>
@@ -5811,7 +5404,7 @@
             </a:endParaRPr>
           </a:p>
           <a:p>
-            <a:pPr algn="l" defTabSz="914400" eaLnBrk="0" fontAlgn="base" hangingPunct="0" indent="0" latinLnBrk="0" lvl="0" marL="0" marR="0" rtl="0">
+            <a:pPr marL="0" marR="0" lvl="0" indent="0" algn="l" defTabSz="914400" rtl="0" eaLnBrk="0" fontAlgn="base" latinLnBrk="0" hangingPunct="0">
               <a:lnSpc>
                 <a:spcPct val="100000"/>
               </a:lnSpc>
@@ -5826,12 +5419,12 @@
               <a:buFontTx/>
               <a:buChar char="•"/>
             </a:pPr>
-            <a:endParaRPr altLang="en-US" b="1" dirty="0" lang="en-US">
+            <a:endParaRPr lang="en-US" altLang="en-US" b="1" dirty="0">
               <a:latin typeface="Arial" panose="020B0604020202020204" pitchFamily="34" charset="0"/>
             </a:endParaRPr>
           </a:p>
           <a:p>
-            <a:pPr algn="l" defTabSz="914400" eaLnBrk="0" fontAlgn="base" hangingPunct="0" indent="0" latinLnBrk="0" lvl="0" marL="0" marR="0" rtl="0">
+            <a:pPr marL="0" marR="0" lvl="0" indent="0" algn="l" defTabSz="914400" rtl="0" eaLnBrk="0" fontAlgn="base" latinLnBrk="0" hangingPunct="0">
               <a:lnSpc>
                 <a:spcPct val="100000"/>
               </a:lnSpc>
@@ -5846,7 +5439,7 @@
               <a:buFontTx/>
               <a:buChar char="•"/>
             </a:pPr>
-            <a:endParaRPr altLang="en-US" baseline="0" b="1" cap="none" dirty="0" sz="1800" i="0" kumimoji="0" lang="en-US" normalizeH="0" strike="noStrike" u="none">
+            <a:endParaRPr kumimoji="0" lang="en-US" altLang="en-US" sz="1800" b="1" i="0" u="none" strike="noStrike" cap="none" normalizeH="0" baseline="0" dirty="0">
               <a:ln>
                 <a:noFill/>
               </a:ln>
@@ -5858,7 +5451,7 @@
             </a:endParaRPr>
           </a:p>
           <a:p>
-            <a:pPr algn="l" defTabSz="914400" eaLnBrk="0" fontAlgn="base" hangingPunct="0" indent="0" latinLnBrk="0" lvl="0" marL="0" marR="0" rtl="0">
+            <a:pPr marL="0" marR="0" lvl="0" indent="0" algn="l" defTabSz="914400" rtl="0" eaLnBrk="0" fontAlgn="base" latinLnBrk="0" hangingPunct="0">
               <a:lnSpc>
                 <a:spcPct val="100000"/>
               </a:lnSpc>
@@ -5873,12 +5466,12 @@
               <a:buFontTx/>
               <a:buChar char="•"/>
             </a:pPr>
-            <a:endParaRPr altLang="en-US" b="1" dirty="0" lang="en-US">
+            <a:endParaRPr lang="en-US" altLang="en-US" b="1" dirty="0">
               <a:latin typeface="Arial" panose="020B0604020202020204" pitchFamily="34" charset="0"/>
             </a:endParaRPr>
           </a:p>
           <a:p>
-            <a:pPr algn="l" defTabSz="914400" eaLnBrk="0" fontAlgn="base" hangingPunct="0" indent="0" latinLnBrk="0" lvl="0" marL="0" marR="0" rtl="0">
+            <a:pPr marL="0" marR="0" lvl="0" indent="0" algn="l" defTabSz="914400" rtl="0" eaLnBrk="0" fontAlgn="base" latinLnBrk="0" hangingPunct="0">
               <a:lnSpc>
                 <a:spcPct val="100000"/>
               </a:lnSpc>
@@ -5893,7 +5486,7 @@
               <a:buFontTx/>
               <a:buChar char="•"/>
             </a:pPr>
-            <a:endParaRPr altLang="en-US" baseline="0" b="1" cap="none" dirty="0" sz="1800" i="0" kumimoji="0" lang="en-US" normalizeH="0" strike="noStrike" u="none">
+            <a:endParaRPr kumimoji="0" lang="en-US" altLang="en-US" sz="1800" b="1" i="0" u="none" strike="noStrike" cap="none" normalizeH="0" baseline="0" dirty="0">
               <a:ln>
                 <a:noFill/>
               </a:ln>
@@ -5905,7 +5498,7 @@
             </a:endParaRPr>
           </a:p>
           <a:p>
-            <a:pPr algn="l" defTabSz="914400" eaLnBrk="0" fontAlgn="base" hangingPunct="0" indent="0" latinLnBrk="0" lvl="0" marL="0" marR="0" rtl="0">
+            <a:pPr marL="0" marR="0" lvl="0" indent="0" algn="l" defTabSz="914400" rtl="0" eaLnBrk="0" fontAlgn="base" latinLnBrk="0" hangingPunct="0">
               <a:lnSpc>
                 <a:spcPct val="100000"/>
               </a:lnSpc>
@@ -5920,12 +5513,12 @@
               <a:buFontTx/>
               <a:buChar char="•"/>
             </a:pPr>
-            <a:endParaRPr altLang="en-US" b="1" dirty="0" lang="en-US">
+            <a:endParaRPr lang="en-US" altLang="en-US" b="1" dirty="0">
               <a:latin typeface="Arial" panose="020B0604020202020204" pitchFamily="34" charset="0"/>
             </a:endParaRPr>
           </a:p>
           <a:p>
-            <a:pPr algn="l" defTabSz="914400" eaLnBrk="0" fontAlgn="base" hangingPunct="0" indent="0" latinLnBrk="0" lvl="0" marL="0" marR="0" rtl="0">
+            <a:pPr marL="0" marR="0" lvl="0" indent="0" algn="l" defTabSz="914400" rtl="0" eaLnBrk="0" fontAlgn="base" latinLnBrk="0" hangingPunct="0">
               <a:lnSpc>
                 <a:spcPct val="100000"/>
               </a:lnSpc>
@@ -5940,7 +5533,7 @@
               <a:buFontTx/>
               <a:buChar char="•"/>
             </a:pPr>
-            <a:endParaRPr altLang="en-US" baseline="0" b="1" cap="none" dirty="0" sz="1800" i="0" kumimoji="0" lang="en-US" normalizeH="0" strike="noStrike" u="none">
+            <a:endParaRPr kumimoji="0" lang="en-US" altLang="en-US" sz="1800" b="1" i="0" u="none" strike="noStrike" cap="none" normalizeH="0" baseline="0" dirty="0">
               <a:ln>
                 <a:noFill/>
               </a:ln>
@@ -5952,7 +5545,7 @@
             </a:endParaRPr>
           </a:p>
           <a:p>
-            <a:pPr algn="l" defTabSz="914400" eaLnBrk="0" fontAlgn="base" hangingPunct="0" indent="0" latinLnBrk="0" lvl="0" marL="0" marR="0" rtl="0">
+            <a:pPr marL="0" marR="0" lvl="0" indent="0" algn="l" defTabSz="914400" rtl="0" eaLnBrk="0" fontAlgn="base" latinLnBrk="0" hangingPunct="0">
               <a:lnSpc>
                 <a:spcPct val="100000"/>
               </a:lnSpc>
@@ -5967,12 +5560,12 @@
               <a:buFontTx/>
               <a:buChar char="•"/>
             </a:pPr>
-            <a:endParaRPr altLang="en-US" b="1" dirty="0" lang="en-US">
+            <a:endParaRPr lang="en-US" altLang="en-US" b="1" dirty="0">
               <a:latin typeface="Arial" panose="020B0604020202020204" pitchFamily="34" charset="0"/>
             </a:endParaRPr>
           </a:p>
           <a:p>
-            <a:pPr algn="l" defTabSz="914400" eaLnBrk="0" fontAlgn="base" hangingPunct="0" indent="0" latinLnBrk="0" lvl="0" marL="0" marR="0" rtl="0">
+            <a:pPr marL="0" marR="0" lvl="0" indent="0" algn="l" defTabSz="914400" rtl="0" eaLnBrk="0" fontAlgn="base" latinLnBrk="0" hangingPunct="0">
               <a:lnSpc>
                 <a:spcPct val="100000"/>
               </a:lnSpc>
@@ -5987,7 +5580,7 @@
               <a:buFontTx/>
               <a:buChar char="•"/>
             </a:pPr>
-            <a:endParaRPr altLang="en-US" baseline="0" b="1" cap="none" dirty="0" sz="1800" i="0" kumimoji="0" lang="en-US" normalizeH="0" strike="noStrike" u="none">
+            <a:endParaRPr kumimoji="0" lang="en-US" altLang="en-US" sz="1800" b="1" i="0" u="none" strike="noStrike" cap="none" normalizeH="0" baseline="0" dirty="0">
               <a:ln>
                 <a:noFill/>
               </a:ln>
@@ -5999,7 +5592,7 @@
             </a:endParaRPr>
           </a:p>
           <a:p>
-            <a:pPr algn="l" defTabSz="914400" eaLnBrk="0" fontAlgn="base" hangingPunct="0" indent="0" latinLnBrk="0" lvl="0" marL="0" marR="0" rtl="0">
+            <a:pPr marL="0" marR="0" lvl="0" indent="0" algn="l" defTabSz="914400" rtl="0" eaLnBrk="0" fontAlgn="base" latinLnBrk="0" hangingPunct="0">
               <a:lnSpc>
                 <a:spcPct val="100000"/>
               </a:lnSpc>
@@ -6014,12 +5607,12 @@
               <a:buFontTx/>
               <a:buChar char="•"/>
             </a:pPr>
-            <a:endParaRPr altLang="en-US" b="1" dirty="0" lang="en-US">
+            <a:endParaRPr lang="en-US" altLang="en-US" b="1" dirty="0">
               <a:latin typeface="Arial" panose="020B0604020202020204" pitchFamily="34" charset="0"/>
             </a:endParaRPr>
           </a:p>
           <a:p>
-            <a:pPr algn="l" defTabSz="914400" eaLnBrk="0" fontAlgn="base" hangingPunct="0" indent="0" latinLnBrk="0" lvl="0" marL="0" marR="0" rtl="0">
+            <a:pPr marL="0" marR="0" lvl="0" indent="0" algn="l" defTabSz="914400" rtl="0" eaLnBrk="0" fontAlgn="base" latinLnBrk="0" hangingPunct="0">
               <a:lnSpc>
                 <a:spcPct val="100000"/>
               </a:lnSpc>
@@ -6034,7 +5627,7 @@
               <a:buFontTx/>
               <a:buChar char="•"/>
             </a:pPr>
-            <a:endParaRPr altLang="en-US" baseline="0" b="1" cap="none" dirty="0" sz="1800" i="0" kumimoji="0" lang="en-US" normalizeH="0" strike="noStrike" u="none">
+            <a:endParaRPr kumimoji="0" lang="en-US" altLang="en-US" sz="1800" b="1" i="0" u="none" strike="noStrike" cap="none" normalizeH="0" baseline="0" dirty="0">
               <a:ln>
                 <a:noFill/>
               </a:ln>
@@ -6046,7 +5639,7 @@
             </a:endParaRPr>
           </a:p>
           <a:p>
-            <a:pPr algn="l" defTabSz="914400" eaLnBrk="0" fontAlgn="base" hangingPunct="0" indent="0" latinLnBrk="0" lvl="0" marL="0" marR="0" rtl="0">
+            <a:pPr marL="0" marR="0" lvl="0" indent="0" algn="l" defTabSz="914400" rtl="0" eaLnBrk="0" fontAlgn="base" latinLnBrk="0" hangingPunct="0">
               <a:lnSpc>
                 <a:spcPct val="100000"/>
               </a:lnSpc>
@@ -6061,7 +5654,7 @@
               <a:buFontTx/>
               <a:buChar char="•"/>
             </a:pPr>
-            <a:endParaRPr altLang="en-US" baseline="0" b="1" cap="none" dirty="0" sz="1800" i="0" kumimoji="0" lang="en-US" normalizeH="0" strike="noStrike" u="none">
+            <a:endParaRPr kumimoji="0" lang="en-US" altLang="en-US" sz="1800" b="1" i="0" u="none" strike="noStrike" cap="none" normalizeH="0" baseline="0" dirty="0">
               <a:ln>
                 <a:noFill/>
               </a:ln>
@@ -6073,7 +5666,7 @@
             </a:endParaRPr>
           </a:p>
           <a:p>
-            <a:pPr algn="l" defTabSz="914400" eaLnBrk="0" fontAlgn="base" hangingPunct="0" indent="0" latinLnBrk="0" lvl="0" marL="0" marR="0" rtl="0">
+            <a:pPr marL="0" marR="0" lvl="0" indent="0" algn="l" defTabSz="914400" rtl="0" eaLnBrk="0" fontAlgn="base" latinLnBrk="0" hangingPunct="0">
               <a:lnSpc>
                 <a:spcPct val="100000"/>
               </a:lnSpc>
@@ -6088,12 +5681,12 @@
               <a:buFontTx/>
               <a:buChar char="•"/>
             </a:pPr>
-            <a:endParaRPr altLang="en-US" b="1" dirty="0" lang="en-US">
+            <a:endParaRPr lang="en-US" altLang="en-US" b="1" dirty="0">
               <a:latin typeface="Arial" panose="020B0604020202020204" pitchFamily="34" charset="0"/>
             </a:endParaRPr>
           </a:p>
           <a:p>
-            <a:pPr algn="l" defTabSz="914400" eaLnBrk="0" fontAlgn="base" hangingPunct="0" indent="0" latinLnBrk="0" lvl="0" marL="0" marR="0" rtl="0">
+            <a:pPr marL="0" marR="0" lvl="0" indent="0" algn="l" defTabSz="914400" rtl="0" eaLnBrk="0" fontAlgn="base" latinLnBrk="0" hangingPunct="0">
               <a:lnSpc>
                 <a:spcPct val="100000"/>
               </a:lnSpc>
@@ -6108,7 +5701,7 @@
               <a:buFontTx/>
               <a:buChar char="•"/>
             </a:pPr>
-            <a:endParaRPr altLang="en-US" baseline="0" b="1" cap="none" dirty="0" sz="1800" i="0" kumimoji="0" lang="en-US" normalizeH="0" strike="noStrike" u="none">
+            <a:endParaRPr kumimoji="0" lang="en-US" altLang="en-US" sz="1800" b="1" i="0" u="none" strike="noStrike" cap="none" normalizeH="0" baseline="0" dirty="0">
               <a:ln>
                 <a:noFill/>
               </a:ln>
@@ -6120,7 +5713,7 @@
             </a:endParaRPr>
           </a:p>
           <a:p>
-            <a:pPr algn="l" defTabSz="914400" eaLnBrk="0" fontAlgn="base" hangingPunct="0" indent="0" latinLnBrk="0" lvl="0" marL="0" marR="0" rtl="0">
+            <a:pPr marL="0" marR="0" lvl="0" indent="0" algn="l" defTabSz="914400" rtl="0" eaLnBrk="0" fontAlgn="base" latinLnBrk="0" hangingPunct="0">
               <a:lnSpc>
                 <a:spcPct val="100000"/>
               </a:lnSpc>
@@ -6135,12 +5728,12 @@
               <a:buFontTx/>
               <a:buChar char="•"/>
             </a:pPr>
-            <a:endParaRPr altLang="en-US" b="1" dirty="0" lang="en-US">
+            <a:endParaRPr lang="en-US" altLang="en-US" b="1" dirty="0">
               <a:latin typeface="Arial" panose="020B0604020202020204" pitchFamily="34" charset="0"/>
             </a:endParaRPr>
           </a:p>
           <a:p>
-            <a:pPr algn="l" defTabSz="914400" eaLnBrk="0" fontAlgn="base" hangingPunct="0" indent="0" latinLnBrk="0" lvl="0" marL="0" marR="0" rtl="0">
+            <a:pPr marL="0" marR="0" lvl="0" indent="0" algn="l" defTabSz="914400" rtl="0" eaLnBrk="0" fontAlgn="base" latinLnBrk="0" hangingPunct="0">
               <a:lnSpc>
                 <a:spcPct val="100000"/>
               </a:lnSpc>
@@ -6155,7 +5748,7 @@
               <a:buFontTx/>
               <a:buChar char="•"/>
             </a:pPr>
-            <a:endParaRPr altLang="en-US" baseline="0" b="1" cap="none" dirty="0" sz="1800" i="0" kumimoji="0" lang="en-US" normalizeH="0" strike="noStrike" u="none">
+            <a:endParaRPr kumimoji="0" lang="en-US" altLang="en-US" sz="1800" b="1" i="0" u="none" strike="noStrike" cap="none" normalizeH="0" baseline="0" dirty="0">
               <a:ln>
                 <a:noFill/>
               </a:ln>
@@ -6167,7 +5760,7 @@
             </a:endParaRPr>
           </a:p>
           <a:p>
-            <a:pPr algn="l" defTabSz="914400" eaLnBrk="0" fontAlgn="base" hangingPunct="0" indent="0" latinLnBrk="0" lvl="0" marL="0" marR="0" rtl="0">
+            <a:pPr marL="0" marR="0" lvl="0" indent="0" algn="l" defTabSz="914400" rtl="0" eaLnBrk="0" fontAlgn="base" latinLnBrk="0" hangingPunct="0">
               <a:lnSpc>
                 <a:spcPct val="100000"/>
               </a:lnSpc>
@@ -6182,12 +5775,12 @@
               <a:buFontTx/>
               <a:buChar char="•"/>
             </a:pPr>
-            <a:endParaRPr altLang="en-US" b="1" dirty="0" lang="en-US">
+            <a:endParaRPr lang="en-US" altLang="en-US" b="1" dirty="0">
               <a:latin typeface="Arial" panose="020B0604020202020204" pitchFamily="34" charset="0"/>
             </a:endParaRPr>
           </a:p>
           <a:p>
-            <a:pPr defTabSz="914400" eaLnBrk="0" fontAlgn="base" hangingPunct="0" indent="0" latinLnBrk="0" lvl="0" marL="0" marR="0" rtl="0">
+            <a:pPr marL="0" marR="0" lvl="0" indent="0" defTabSz="914400" rtl="0" eaLnBrk="0" fontAlgn="base" latinLnBrk="0" hangingPunct="0">
               <a:lnSpc>
                 <a:spcPct val="100000"/>
               </a:lnSpc>
@@ -6203,7 +5796,7 @@
               <a:buChar char="•"/>
             </a:pPr>
             <a:r>
-              <a:rPr altLang="en-US" baseline="0" b="1" cap="none" dirty="0" sz="1800" i="0" kumimoji="0" lang="en-US" normalizeH="0" strike="noStrike" u="none">
+              <a:rPr kumimoji="0" lang="en-US" altLang="en-US" sz="1800" b="1" i="0" u="none" strike="noStrike" cap="none" normalizeH="0" baseline="0" dirty="0">
                 <a:ln>
                   <a:noFill/>
                 </a:ln>
@@ -6216,7 +5809,7 @@
               <a:t> Comprehensive Performance Evaluation</a:t>
             </a:r>
             <a:r>
-              <a:rPr altLang="en-US" baseline="0" b="0" cap="none" dirty="0" sz="1800" i="0" kumimoji="0" lang="en-US" normalizeH="0" strike="noStrike" u="none">
+              <a:rPr kumimoji="0" lang="en-US" altLang="en-US" sz="1800" b="0" i="0" u="none" strike="noStrike" cap="none" normalizeH="0" baseline="0" dirty="0">
                 <a:ln>
                   <a:noFill/>
                 </a:ln>
@@ -6230,7 +5823,7 @@
             </a:r>
           </a:p>
           <a:p>
-            <a:pPr defTabSz="914400" eaLnBrk="0" fontAlgn="base" hangingPunct="0" indent="0" latinLnBrk="0" lvl="0" marL="0" marR="0" rtl="0">
+            <a:pPr marL="0" marR="0" lvl="0" indent="0" defTabSz="914400" rtl="0" eaLnBrk="0" fontAlgn="base" latinLnBrk="0" hangingPunct="0">
               <a:lnSpc>
                 <a:spcPct val="100000"/>
               </a:lnSpc>
@@ -6245,7 +5838,7 @@
               <a:buFontTx/>
               <a:buChar char="•"/>
             </a:pPr>
-            <a:endParaRPr altLang="en-US" baseline="0" b="0" cap="none" dirty="0" sz="1800" i="0" kumimoji="0" lang="en-US" normalizeH="0" strike="noStrike" u="none">
+            <a:endParaRPr kumimoji="0" lang="en-US" altLang="en-US" sz="1800" b="0" i="0" u="none" strike="noStrike" cap="none" normalizeH="0" baseline="0" dirty="0">
               <a:ln>
                 <a:noFill/>
               </a:ln>
@@ -6257,7 +5850,7 @@
             </a:endParaRPr>
           </a:p>
           <a:p>
-            <a:pPr defTabSz="914400" eaLnBrk="0" fontAlgn="base" hangingPunct="0" indent="0" latinLnBrk="0" lvl="0" marL="0" marR="0" rtl="0">
+            <a:pPr marL="0" marR="0" lvl="0" indent="0" defTabSz="914400" rtl="0" eaLnBrk="0" fontAlgn="base" latinLnBrk="0" hangingPunct="0">
               <a:lnSpc>
                 <a:spcPct val="100000"/>
               </a:lnSpc>
@@ -6273,7 +5866,7 @@
               <a:buChar char="•"/>
             </a:pPr>
             <a:r>
-              <a:rPr altLang="en-US" baseline="0" b="1" cap="none" dirty="0" sz="1800" i="0" kumimoji="0" lang="en-US" normalizeH="0" strike="noStrike" u="none">
+              <a:rPr kumimoji="0" lang="en-US" altLang="en-US" sz="1800" b="1" i="0" u="none" strike="noStrike" cap="none" normalizeH="0" baseline="0" dirty="0">
                 <a:ln>
                   <a:noFill/>
                 </a:ln>
@@ -6286,7 +5879,7 @@
               <a:t>Effective Use of Excel</a:t>
             </a:r>
             <a:r>
-              <a:rPr altLang="en-US" baseline="0" b="0" cap="none" dirty="0" sz="1800" i="0" kumimoji="0" lang="en-US" normalizeH="0" strike="noStrike" u="none">
+              <a:rPr kumimoji="0" lang="en-US" altLang="en-US" sz="1800" b="0" i="0" u="none" strike="noStrike" cap="none" normalizeH="0" baseline="0" dirty="0">
                 <a:ln>
                   <a:noFill/>
                 </a:ln>
@@ -6300,7 +5893,7 @@
             </a:r>
           </a:p>
           <a:p>
-            <a:pPr defTabSz="914400" eaLnBrk="0" fontAlgn="base" hangingPunct="0" indent="0" latinLnBrk="0" lvl="0" marL="0" marR="0" rtl="0">
+            <a:pPr marL="0" marR="0" lvl="0" indent="0" defTabSz="914400" rtl="0" eaLnBrk="0" fontAlgn="base" latinLnBrk="0" hangingPunct="0">
               <a:lnSpc>
                 <a:spcPct val="100000"/>
               </a:lnSpc>
@@ -6315,7 +5908,7 @@
               <a:buFontTx/>
               <a:buChar char="•"/>
             </a:pPr>
-            <a:endParaRPr altLang="en-US" baseline="0" b="0" cap="none" dirty="0" sz="1800" i="0" kumimoji="0" lang="en-US" normalizeH="0" strike="noStrike" u="none">
+            <a:endParaRPr kumimoji="0" lang="en-US" altLang="en-US" sz="1800" b="0" i="0" u="none" strike="noStrike" cap="none" normalizeH="0" baseline="0" dirty="0">
               <a:ln>
                 <a:noFill/>
               </a:ln>
@@ -6327,7 +5920,7 @@
             </a:endParaRPr>
           </a:p>
           <a:p>
-            <a:pPr defTabSz="914400" eaLnBrk="0" fontAlgn="base" hangingPunct="0" indent="0" latinLnBrk="0" lvl="0" marL="0" marR="0" rtl="0">
+            <a:pPr marL="0" marR="0" lvl="0" indent="0" defTabSz="914400" rtl="0" eaLnBrk="0" fontAlgn="base" latinLnBrk="0" hangingPunct="0">
               <a:lnSpc>
                 <a:spcPct val="100000"/>
               </a:lnSpc>
@@ -6343,7 +5936,7 @@
               <a:buChar char="•"/>
             </a:pPr>
             <a:r>
-              <a:rPr altLang="en-US" baseline="0" b="1" cap="none" dirty="0" sz="1800" i="0" kumimoji="0" lang="en-US" normalizeH="0" strike="noStrike" u="none">
+              <a:rPr kumimoji="0" lang="en-US" altLang="en-US" sz="1800" b="1" i="0" u="none" strike="noStrike" cap="none" normalizeH="0" baseline="0" dirty="0">
                 <a:ln>
                   <a:noFill/>
                 </a:ln>
@@ -6356,7 +5949,7 @@
               <a:t>Data-Driven Decision Making</a:t>
             </a:r>
             <a:r>
-              <a:rPr altLang="en-US" baseline="0" b="0" cap="none" dirty="0" sz="1800" i="0" kumimoji="0" lang="en-US" normalizeH="0" strike="noStrike" u="none">
+              <a:rPr kumimoji="0" lang="en-US" altLang="en-US" sz="1800" b="0" i="0" u="none" strike="noStrike" cap="none" normalizeH="0" baseline="0" dirty="0">
                 <a:ln>
                   <a:noFill/>
                 </a:ln>
@@ -6370,7 +5963,7 @@
             </a:r>
           </a:p>
           <a:p>
-            <a:pPr defTabSz="914400" eaLnBrk="0" fontAlgn="base" hangingPunct="0" indent="0" latinLnBrk="0" lvl="0" marL="0" marR="0" rtl="0">
+            <a:pPr marL="0" marR="0" lvl="0" indent="0" defTabSz="914400" rtl="0" eaLnBrk="0" fontAlgn="base" latinLnBrk="0" hangingPunct="0">
               <a:lnSpc>
                 <a:spcPct val="100000"/>
               </a:lnSpc>
@@ -6385,7 +5978,7 @@
               <a:buFontTx/>
               <a:buChar char="•"/>
             </a:pPr>
-            <a:endParaRPr altLang="en-US" baseline="0" b="0" cap="none" dirty="0" sz="1800" i="0" kumimoji="0" lang="en-US" normalizeH="0" strike="noStrike" u="none">
+            <a:endParaRPr kumimoji="0" lang="en-US" altLang="en-US" sz="1800" b="0" i="0" u="none" strike="noStrike" cap="none" normalizeH="0" baseline="0" dirty="0">
               <a:ln>
                 <a:noFill/>
               </a:ln>
@@ -6397,7 +5990,7 @@
             </a:endParaRPr>
           </a:p>
           <a:p>
-            <a:pPr defTabSz="914400" eaLnBrk="0" fontAlgn="base" hangingPunct="0" indent="0" latinLnBrk="0" lvl="0" marL="0" marR="0" rtl="0">
+            <a:pPr marL="0" marR="0" lvl="0" indent="0" defTabSz="914400" rtl="0" eaLnBrk="0" fontAlgn="base" latinLnBrk="0" hangingPunct="0">
               <a:lnSpc>
                 <a:spcPct val="100000"/>
               </a:lnSpc>
@@ -6413,7 +6006,7 @@
               <a:buChar char="•"/>
             </a:pPr>
             <a:r>
-              <a:rPr altLang="en-US" baseline="0" b="1" cap="none" dirty="0" sz="1800" i="0" kumimoji="0" lang="en-US" normalizeH="0" strike="noStrike" u="none">
+              <a:rPr kumimoji="0" lang="en-US" altLang="en-US" sz="1800" b="1" i="0" u="none" strike="noStrike" cap="none" normalizeH="0" baseline="0" dirty="0">
                 <a:ln>
                   <a:noFill/>
                 </a:ln>
@@ -6426,7 +6019,7 @@
               <a:t>Key Insights</a:t>
             </a:r>
             <a:r>
-              <a:rPr altLang="en-US" baseline="0" b="0" cap="none" dirty="0" sz="1800" i="0" kumimoji="0" lang="en-US" normalizeH="0" strike="noStrike" u="none">
+              <a:rPr kumimoji="0" lang="en-US" altLang="en-US" sz="1800" b="0" i="0" u="none" strike="noStrike" cap="none" normalizeH="0" baseline="0" dirty="0">
                 <a:ln>
                   <a:noFill/>
                 </a:ln>
@@ -6440,7 +6033,7 @@
             </a:r>
           </a:p>
           <a:p>
-            <a:pPr defTabSz="914400" eaLnBrk="0" fontAlgn="base" hangingPunct="0" indent="0" latinLnBrk="0" lvl="0" marL="0" marR="0" rtl="0">
+            <a:pPr marL="0" marR="0" lvl="0" indent="0" defTabSz="914400" rtl="0" eaLnBrk="0" fontAlgn="base" latinLnBrk="0" hangingPunct="0">
               <a:lnSpc>
                 <a:spcPct val="100000"/>
               </a:lnSpc>
@@ -6455,7 +6048,7 @@
               <a:buFontTx/>
               <a:buChar char="•"/>
             </a:pPr>
-            <a:endParaRPr altLang="en-US" baseline="0" b="0" cap="none" dirty="0" sz="1800" i="0" kumimoji="0" lang="en-US" normalizeH="0" strike="noStrike" u="none">
+            <a:endParaRPr kumimoji="0" lang="en-US" altLang="en-US" sz="1800" b="0" i="0" u="none" strike="noStrike" cap="none" normalizeH="0" baseline="0" dirty="0">
               <a:ln>
                 <a:noFill/>
               </a:ln>
@@ -6467,7 +6060,7 @@
             </a:endParaRPr>
           </a:p>
           <a:p>
-            <a:pPr defTabSz="914400" eaLnBrk="0" fontAlgn="base" hangingPunct="0" indent="0" latinLnBrk="0" lvl="0" marL="0" marR="0" rtl="0">
+            <a:pPr marL="0" marR="0" lvl="0" indent="0" defTabSz="914400" rtl="0" eaLnBrk="0" fontAlgn="base" latinLnBrk="0" hangingPunct="0">
               <a:lnSpc>
                 <a:spcPct val="100000"/>
               </a:lnSpc>
@@ -6483,7 +6076,7 @@
               <a:buChar char="•"/>
             </a:pPr>
             <a:r>
-              <a:rPr altLang="en-US" baseline="0" b="1" cap="none" dirty="0" sz="1800" i="0" kumimoji="0" lang="en-US" normalizeH="0" strike="noStrike" u="none">
+              <a:rPr kumimoji="0" lang="en-US" altLang="en-US" sz="1800" b="1" i="0" u="none" strike="noStrike" cap="none" normalizeH="0" baseline="0" dirty="0">
                 <a:ln>
                   <a:noFill/>
                 </a:ln>
@@ -6496,7 +6089,7 @@
               <a:t>Workforce Optimization</a:t>
             </a:r>
             <a:r>
-              <a:rPr altLang="en-US" baseline="0" b="0" cap="none" dirty="0" sz="1800" i="0" kumimoji="0" lang="en-US" normalizeH="0" strike="noStrike" u="none">
+              <a:rPr kumimoji="0" lang="en-US" altLang="en-US" sz="1800" b="0" i="0" u="none" strike="noStrike" cap="none" normalizeH="0" baseline="0" dirty="0">
                 <a:ln>
                   <a:noFill/>
                 </a:ln>
@@ -6524,7 +6117,7 @@
   <p:cSld>
     <p:spTree>
       <p:nvGrpSpPr>
-        <p:cNvPr id="26" name=""/>
+        <p:cNvPr id="1" name=""/>
         <p:cNvGrpSpPr/>
         <p:nvPr/>
       </p:nvGrpSpPr>
@@ -6549,7 +6142,9 @@
           </a:xfrm>
           <a:custGeom>
             <a:avLst/>
+            <a:gdLst/>
             <a:ahLst/>
+            <a:cxnLst/>
             <a:rect l="l" t="t" r="r" b="b"/>
             <a:pathLst>
               <a:path w="12192000" h="6858000">
@@ -6577,7 +6172,8 @@
           </a:solidFill>
         </p:spPr>
         <p:txBody>
-          <a:bodyPr bIns="0" lIns="0" rIns="0" rtlCol="0" tIns="0" wrap="square"/>
+          <a:bodyPr wrap="square" lIns="0" tIns="0" rIns="0" bIns="0" rtlCol="0"/>
+          <a:lstStyle/>
           <a:p>
             <a:endParaRPr dirty="0">
               <a:latin typeface="Times New Roman" panose="02020603050405020304" pitchFamily="18" charset="0"/>
@@ -6613,7 +6209,9 @@
             </a:xfrm>
             <a:custGeom>
               <a:avLst/>
+              <a:gdLst/>
               <a:ahLst/>
+              <a:cxnLst/>
               <a:rect l="l" t="t" r="r" b="b"/>
               <a:pathLst>
                 <a:path w="1218565" h="6853555">
@@ -6633,8 +6231,11 @@
             </a:ln>
           </p:spPr>
           <p:txBody>
-            <a:bodyPr bIns="0" lIns="0" rIns="0" rtlCol="0" tIns="0" wrap="square"/>
-            <a:p/>
+            <a:bodyPr wrap="square" lIns="0" tIns="0" rIns="0" bIns="0" rtlCol="0"/>
+            <a:lstStyle/>
+            <a:p>
+              <a:endParaRPr/>
+            </a:p>
           </p:txBody>
         </p:sp>
         <p:sp>
@@ -6650,7 +6251,9 @@
             </a:xfrm>
             <a:custGeom>
               <a:avLst/>
+              <a:gdLst/>
               <a:ahLst/>
+              <a:cxnLst/>
               <a:rect l="l" t="t" r="r" b="b"/>
               <a:pathLst>
                 <a:path w="4743450" h="3163570">
@@ -6670,8 +6273,11 @@
             </a:ln>
           </p:spPr>
           <p:txBody>
-            <a:bodyPr bIns="0" lIns="0" rIns="0" rtlCol="0" tIns="0" wrap="square"/>
-            <a:p/>
+            <a:bodyPr wrap="square" lIns="0" tIns="0" rIns="0" bIns="0" rtlCol="0"/>
+            <a:lstStyle/>
+            <a:p>
+              <a:endParaRPr/>
+            </a:p>
           </p:txBody>
         </p:sp>
         <p:sp>
@@ -6687,7 +6293,9 @@
             </a:xfrm>
             <a:custGeom>
               <a:avLst/>
+              <a:gdLst/>
               <a:ahLst/>
+              <a:cxnLst/>
               <a:rect l="l" t="t" r="r" b="b"/>
               <a:pathLst>
                 <a:path w="3009900" h="6858000">
@@ -6717,8 +6325,11 @@
             </a:solidFill>
           </p:spPr>
           <p:txBody>
-            <a:bodyPr bIns="0" lIns="0" rIns="0" rtlCol="0" tIns="0" wrap="square"/>
-            <a:p/>
+            <a:bodyPr wrap="square" lIns="0" tIns="0" rIns="0" bIns="0" rtlCol="0"/>
+            <a:lstStyle/>
+            <a:p>
+              <a:endParaRPr/>
+            </a:p>
           </p:txBody>
         </p:sp>
         <p:sp>
@@ -6734,7 +6345,9 @@
             </a:xfrm>
             <a:custGeom>
               <a:avLst/>
+              <a:gdLst/>
               <a:ahLst/>
+              <a:cxnLst/>
               <a:rect l="l" t="t" r="r" b="b"/>
               <a:pathLst>
                 <a:path w="2589529" h="6858000">
@@ -6764,8 +6377,11 @@
             </a:solidFill>
           </p:spPr>
           <p:txBody>
-            <a:bodyPr bIns="0" lIns="0" rIns="0" rtlCol="0" tIns="0" wrap="square"/>
-            <a:p/>
+            <a:bodyPr wrap="square" lIns="0" tIns="0" rIns="0" bIns="0" rtlCol="0"/>
+            <a:lstStyle/>
+            <a:p>
+              <a:endParaRPr/>
+            </a:p>
           </p:txBody>
         </p:sp>
         <p:sp>
@@ -6781,7 +6397,9 @@
             </a:xfrm>
             <a:custGeom>
               <a:avLst/>
+              <a:gdLst/>
               <a:ahLst/>
+              <a:cxnLst/>
               <a:rect l="l" t="t" r="r" b="b"/>
               <a:pathLst>
                 <a:path w="3257550" h="3810000">
@@ -6808,8 +6426,11 @@
             </a:solidFill>
           </p:spPr>
           <p:txBody>
-            <a:bodyPr bIns="0" lIns="0" rIns="0" rtlCol="0" tIns="0" wrap="square"/>
-            <a:p/>
+            <a:bodyPr wrap="square" lIns="0" tIns="0" rIns="0" bIns="0" rtlCol="0"/>
+            <a:lstStyle/>
+            <a:p>
+              <a:endParaRPr/>
+            </a:p>
           </p:txBody>
         </p:sp>
         <p:sp>
@@ -6825,7 +6446,9 @@
             </a:xfrm>
             <a:custGeom>
               <a:avLst/>
+              <a:gdLst/>
               <a:ahLst/>
+              <a:cxnLst/>
               <a:rect l="l" t="t" r="r" b="b"/>
               <a:pathLst>
                 <a:path w="2854325" h="6858000">
@@ -6855,8 +6478,11 @@
             </a:solidFill>
           </p:spPr>
           <p:txBody>
-            <a:bodyPr bIns="0" lIns="0" rIns="0" rtlCol="0" tIns="0" wrap="square"/>
-            <a:p/>
+            <a:bodyPr wrap="square" lIns="0" tIns="0" rIns="0" bIns="0" rtlCol="0"/>
+            <a:lstStyle/>
+            <a:p>
+              <a:endParaRPr/>
+            </a:p>
           </p:txBody>
         </p:sp>
         <p:sp>
@@ -6872,7 +6498,9 @@
             </a:xfrm>
             <a:custGeom>
               <a:avLst/>
+              <a:gdLst/>
               <a:ahLst/>
+              <a:cxnLst/>
               <a:rect l="l" t="t" r="r" b="b"/>
               <a:pathLst>
                 <a:path w="1295400" h="6858000">
@@ -6902,8 +6530,11 @@
             </a:solidFill>
           </p:spPr>
           <p:txBody>
-            <a:bodyPr bIns="0" lIns="0" rIns="0" rtlCol="0" tIns="0" wrap="square"/>
-            <a:p/>
+            <a:bodyPr wrap="square" lIns="0" tIns="0" rIns="0" bIns="0" rtlCol="0"/>
+            <a:lstStyle/>
+            <a:p>
+              <a:endParaRPr/>
+            </a:p>
           </p:txBody>
         </p:sp>
         <p:sp>
@@ -6919,7 +6550,9 @@
             </a:xfrm>
             <a:custGeom>
               <a:avLst/>
+              <a:gdLst/>
               <a:ahLst/>
+              <a:cxnLst/>
               <a:rect l="l" t="t" r="r" b="b"/>
               <a:pathLst>
                 <a:path w="1256029" h="6858000">
@@ -6949,8 +6582,11 @@
             </a:solidFill>
           </p:spPr>
           <p:txBody>
-            <a:bodyPr bIns="0" lIns="0" rIns="0" rtlCol="0" tIns="0" wrap="square"/>
-            <a:p/>
+            <a:bodyPr wrap="square" lIns="0" tIns="0" rIns="0" bIns="0" rtlCol="0"/>
+            <a:lstStyle/>
+            <a:p>
+              <a:endParaRPr/>
+            </a:p>
           </p:txBody>
         </p:sp>
         <p:sp>
@@ -6966,7 +6602,9 @@
             </a:xfrm>
             <a:custGeom>
               <a:avLst/>
+              <a:gdLst/>
               <a:ahLst/>
+              <a:cxnLst/>
               <a:rect l="l" t="t" r="r" b="b"/>
               <a:pathLst>
                 <a:path w="1819275" h="3267075">
@@ -6993,8 +6631,11 @@
             </a:solidFill>
           </p:spPr>
           <p:txBody>
-            <a:bodyPr bIns="0" lIns="0" rIns="0" rtlCol="0" tIns="0" wrap="square"/>
-            <a:p/>
+            <a:bodyPr wrap="square" lIns="0" tIns="0" rIns="0" bIns="0" rtlCol="0"/>
+            <a:lstStyle/>
+            <a:p>
+              <a:endParaRPr/>
+            </a:p>
           </p:txBody>
         </p:sp>
       </p:grpSp>
@@ -7011,7 +6652,9 @@
           </a:xfrm>
           <a:custGeom>
             <a:avLst/>
+            <a:gdLst/>
             <a:ahLst/>
+            <a:cxnLst/>
             <a:rect l="l" t="t" r="r" b="b"/>
             <a:pathLst>
               <a:path w="447675" h="2847975">
@@ -7038,8 +6681,11 @@
           </a:solidFill>
         </p:spPr>
         <p:txBody>
-          <a:bodyPr bIns="0" lIns="0" rIns="0" rtlCol="0" tIns="0" wrap="square"/>
-          <a:p/>
+          <a:bodyPr wrap="square" lIns="0" tIns="0" rIns="0" bIns="0" rtlCol="0"/>
+          <a:lstStyle/>
+          <a:p>
+            <a:endParaRPr/>
+          </a:p>
         </p:txBody>
       </p:sp>
       <p:sp>
@@ -7055,7 +6701,9 @@
           </a:xfrm>
           <a:custGeom>
             <a:avLst/>
+            <a:gdLst/>
             <a:ahLst/>
+            <a:cxnLst/>
             <a:rect l="l" t="t" r="r" b="b"/>
             <a:pathLst>
               <a:path w="457200" h="457200">
@@ -7083,8 +6731,11 @@
           </a:solidFill>
         </p:spPr>
         <p:txBody>
-          <a:bodyPr bIns="0" lIns="0" rIns="0" rtlCol="0" tIns="0" wrap="square"/>
-          <a:p/>
+          <a:bodyPr wrap="square" lIns="0" tIns="0" rIns="0" bIns="0" rtlCol="0"/>
+          <a:lstStyle/>
+          <a:p>
+            <a:endParaRPr/>
+          </a:p>
         </p:txBody>
       </p:sp>
       <p:sp>
@@ -7100,7 +6751,9 @@
           </a:xfrm>
           <a:custGeom>
             <a:avLst/>
+            <a:gdLst/>
             <a:ahLst/>
+            <a:cxnLst/>
             <a:rect l="l" t="t" r="r" b="b"/>
             <a:pathLst>
               <a:path w="314325" h="323850">
@@ -7128,8 +6781,11 @@
           </a:solidFill>
         </p:spPr>
         <p:txBody>
-          <a:bodyPr bIns="0" lIns="0" rIns="0" rtlCol="0" tIns="0" wrap="square"/>
-          <a:p/>
+          <a:bodyPr wrap="square" lIns="0" tIns="0" rIns="0" bIns="0" rtlCol="0"/>
+          <a:lstStyle/>
+          <a:p>
+            <a:endParaRPr/>
+          </a:p>
         </p:txBody>
       </p:sp>
       <p:sp>
@@ -7145,7 +6801,9 @@
           </a:xfrm>
           <a:custGeom>
             <a:avLst/>
+            <a:gdLst/>
             <a:ahLst/>
+            <a:cxnLst/>
             <a:rect l="l" t="t" r="r" b="b"/>
             <a:pathLst>
               <a:path w="180975" h="180975">
@@ -7173,8 +6831,11 @@
           </a:solidFill>
         </p:spPr>
         <p:txBody>
-          <a:bodyPr bIns="0" lIns="0" rIns="0" rtlCol="0" tIns="0" wrap="square"/>
-          <a:p/>
+          <a:bodyPr wrap="square" lIns="0" tIns="0" rIns="0" bIns="0" rtlCol="0"/>
+          <a:lstStyle/>
+          <a:p>
+            <a:endParaRPr/>
+          </a:p>
         </p:txBody>
       </p:sp>
       <p:sp>
@@ -7192,12 +6853,15 @@
             <a:off x="739775" y="829627"/>
             <a:ext cx="3909695" cy="638810"/>
           </a:xfrm>
-          <a:prstGeom prst="rect"/>
+          <a:prstGeom prst="rect">
+            <a:avLst/>
+          </a:prstGeom>
         </p:spPr>
         <p:txBody>
-          <a:bodyPr bIns="0" lIns="0" rIns="0" rtlCol="0" tIns="16510" vert="horz" wrap="square">
+          <a:bodyPr vert="horz" wrap="square" lIns="0" tIns="16510" rIns="0" bIns="0" rtlCol="0">
             <a:spAutoFit/>
           </a:bodyPr>
+          <a:lstStyle/>
           <a:p>
             <a:pPr marL="12700">
               <a:lnSpc>
@@ -7208,15 +6872,15 @@
               </a:spcBef>
             </a:pPr>
             <a:r>
-              <a:rPr dirty="0" sz="4250" spc="5"/>
+              <a:rPr sz="4250" spc="5" dirty="0"/>
               <a:t>PROJECT</a:t>
             </a:r>
             <a:r>
-              <a:rPr dirty="0" sz="4250" spc="-85"/>
+              <a:rPr sz="4250" spc="-85" dirty="0"/>
               <a:t> </a:t>
             </a:r>
             <a:r>
-              <a:rPr dirty="0" sz="4250" spc="25"/>
+              <a:rPr sz="4250" spc="25" dirty="0"/>
               <a:t>TITLE</a:t>
             </a:r>
             <a:endParaRPr sz="4250"/>
@@ -7246,7 +6910,7 @@
             <p:nvPr/>
           </p:nvPicPr>
           <p:blipFill>
-            <a:blip xmlns:r="http://schemas.openxmlformats.org/officeDocument/2006/relationships" r:embed="rId1" cstate="print"/>
+            <a:blip r:embed="rId2" cstate="print"/>
             <a:stretch>
               <a:fillRect/>
             </a:stretch>
@@ -7256,7 +6920,9 @@
               <a:off x="676275" y="6467475"/>
               <a:ext cx="2143125" cy="200025"/>
             </a:xfrm>
-            <a:prstGeom prst="rect"/>
+            <a:prstGeom prst="rect">
+              <a:avLst/>
+            </a:prstGeom>
           </p:spPr>
         </p:pic>
         <p:pic>
@@ -7268,7 +6934,7 @@
             <p:nvPr/>
           </p:nvPicPr>
           <p:blipFill>
-            <a:blip xmlns:r="http://schemas.openxmlformats.org/officeDocument/2006/relationships" r:embed="rId2" cstate="print"/>
+            <a:blip r:embed="rId3" cstate="print"/>
             <a:stretch>
               <a:fillRect/>
             </a:stretch>
@@ -7278,7 +6944,9 @@
               <a:off x="466725" y="6410325"/>
               <a:ext cx="3705225" cy="295275"/>
             </a:xfrm>
-            <a:prstGeom prst="rect"/>
+            <a:prstGeom prst="rect">
+              <a:avLst/>
+            </a:prstGeom>
           </p:spPr>
         </p:pic>
       </p:grpSp>
@@ -7293,12 +6961,15 @@
           </p:nvPr>
         </p:nvSpPr>
         <p:spPr>
-          <a:prstGeom prst="rect"/>
+          <a:prstGeom prst="rect">
+            <a:avLst/>
+          </a:prstGeom>
         </p:spPr>
         <p:txBody>
-          <a:bodyPr bIns="0" lIns="0" rIns="0" rtlCol="0" tIns="6985" vert="horz" wrap="square">
+          <a:bodyPr vert="horz" wrap="square" lIns="0" tIns="6985" rIns="0" bIns="0" rtlCol="0">
             <a:spAutoFit/>
           </a:bodyPr>
+          <a:lstStyle/>
           <a:p>
             <a:pPr marL="38100">
               <a:lnSpc>
@@ -7309,10 +6980,10 @@
               </a:spcBef>
             </a:pPr>
             <a:fld id="{81D60167-4931-47E6-BA6A-407CBD079E47}" type="slidenum">
-              <a:rPr dirty="0" spc="10"/>
+              <a:rPr spc="10" dirty="0"/>
               <a:t>2</a:t>
             </a:fld>
-            <a:endParaRPr dirty="0" spc="10"/>
+            <a:endParaRPr spc="10" dirty="0"/>
           </a:p>
         </p:txBody>
       </p:sp>
@@ -7327,16 +6998,19 @@
             <a:off x="1217522" y="2123271"/>
             <a:ext cx="8593228" cy="1412241"/>
           </a:xfrm>
-          <a:prstGeom prst="rect"/>
+          <a:prstGeom prst="rect">
+            <a:avLst/>
+          </a:prstGeom>
           <a:noFill/>
         </p:spPr>
         <p:txBody>
-          <a:bodyPr rtlCol="0" wrap="square">
+          <a:bodyPr wrap="square" rtlCol="0">
             <a:spAutoFit/>
           </a:bodyPr>
-          <a:p>
-            <a:r>
-              <a:rPr b="1" dirty="0" sz="4400" lang="en-US">
+          <a:lstStyle/>
+          <a:p>
+            <a:r>
+              <a:rPr lang="en-US" sz="4400" b="1" dirty="0">
                 <a:solidFill>
                   <a:srgbClr val="0F0F0F"/>
                 </a:solidFill>
@@ -7345,7 +7019,7 @@
               </a:rPr>
               <a:t>Employee Performance Analysis using Excel</a:t>
             </a:r>
-            <a:endParaRPr dirty="0" sz="2800" lang="en-IN">
+            <a:endParaRPr lang="en-IN" sz="2800" dirty="0">
               <a:solidFill>
                 <a:srgbClr val="7030A0"/>
               </a:solidFill>
@@ -7368,7 +7042,7 @@
   <p:cSld>
     <p:spTree>
       <p:nvGrpSpPr>
-        <p:cNvPr id="29" name=""/>
+        <p:cNvPr id="1" name=""/>
         <p:cNvGrpSpPr/>
         <p:nvPr/>
       </p:nvGrpSpPr>
@@ -7393,7 +7067,9 @@
           </a:xfrm>
           <a:custGeom>
             <a:avLst/>
+            <a:gdLst/>
             <a:ahLst/>
+            <a:cxnLst/>
             <a:rect l="l" t="t" r="r" b="b"/>
             <a:pathLst>
               <a:path w="12192000" h="6858000">
@@ -7421,7 +7097,8 @@
           </a:solidFill>
         </p:spPr>
         <p:txBody>
-          <a:bodyPr bIns="0" lIns="0" rIns="0" rtlCol="0" tIns="0" wrap="square"/>
+          <a:bodyPr wrap="square" lIns="0" tIns="0" rIns="0" bIns="0" rtlCol="0"/>
+          <a:lstStyle/>
           <a:p>
             <a:endParaRPr dirty="0"/>
           </a:p>
@@ -7454,7 +7131,9 @@
             </a:xfrm>
             <a:custGeom>
               <a:avLst/>
+              <a:gdLst/>
               <a:ahLst/>
+              <a:cxnLst/>
               <a:rect l="l" t="t" r="r" b="b"/>
               <a:pathLst>
                 <a:path w="1218565" h="6853555">
@@ -7474,8 +7153,11 @@
             </a:ln>
           </p:spPr>
           <p:txBody>
-            <a:bodyPr bIns="0" lIns="0" rIns="0" rtlCol="0" tIns="0" wrap="square"/>
-            <a:p/>
+            <a:bodyPr wrap="square" lIns="0" tIns="0" rIns="0" bIns="0" rtlCol="0"/>
+            <a:lstStyle/>
+            <a:p>
+              <a:endParaRPr/>
+            </a:p>
           </p:txBody>
         </p:sp>
         <p:sp>
@@ -7491,7 +7173,9 @@
             </a:xfrm>
             <a:custGeom>
               <a:avLst/>
+              <a:gdLst/>
               <a:ahLst/>
+              <a:cxnLst/>
               <a:rect l="l" t="t" r="r" b="b"/>
               <a:pathLst>
                 <a:path w="4743450" h="3163570">
@@ -7511,8 +7195,11 @@
             </a:ln>
           </p:spPr>
           <p:txBody>
-            <a:bodyPr bIns="0" lIns="0" rIns="0" rtlCol="0" tIns="0" wrap="square"/>
-            <a:p/>
+            <a:bodyPr wrap="square" lIns="0" tIns="0" rIns="0" bIns="0" rtlCol="0"/>
+            <a:lstStyle/>
+            <a:p>
+              <a:endParaRPr/>
+            </a:p>
           </p:txBody>
         </p:sp>
         <p:sp>
@@ -7528,7 +7215,9 @@
             </a:xfrm>
             <a:custGeom>
               <a:avLst/>
+              <a:gdLst/>
               <a:ahLst/>
+              <a:cxnLst/>
               <a:rect l="l" t="t" r="r" b="b"/>
               <a:pathLst>
                 <a:path w="3009900" h="6858000">
@@ -7558,8 +7247,11 @@
             </a:solidFill>
           </p:spPr>
           <p:txBody>
-            <a:bodyPr bIns="0" lIns="0" rIns="0" rtlCol="0" tIns="0" wrap="square"/>
-            <a:p/>
+            <a:bodyPr wrap="square" lIns="0" tIns="0" rIns="0" bIns="0" rtlCol="0"/>
+            <a:lstStyle/>
+            <a:p>
+              <a:endParaRPr/>
+            </a:p>
           </p:txBody>
         </p:sp>
         <p:sp>
@@ -7575,7 +7267,9 @@
             </a:xfrm>
             <a:custGeom>
               <a:avLst/>
+              <a:gdLst/>
               <a:ahLst/>
+              <a:cxnLst/>
               <a:rect l="l" t="t" r="r" b="b"/>
               <a:pathLst>
                 <a:path w="2589529" h="6858000">
@@ -7605,8 +7299,11 @@
             </a:solidFill>
           </p:spPr>
           <p:txBody>
-            <a:bodyPr bIns="0" lIns="0" rIns="0" rtlCol="0" tIns="0" wrap="square"/>
-            <a:p/>
+            <a:bodyPr wrap="square" lIns="0" tIns="0" rIns="0" bIns="0" rtlCol="0"/>
+            <a:lstStyle/>
+            <a:p>
+              <a:endParaRPr/>
+            </a:p>
           </p:txBody>
         </p:sp>
         <p:sp>
@@ -7622,7 +7319,9 @@
             </a:xfrm>
             <a:custGeom>
               <a:avLst/>
+              <a:gdLst/>
               <a:ahLst/>
+              <a:cxnLst/>
               <a:rect l="l" t="t" r="r" b="b"/>
               <a:pathLst>
                 <a:path w="3257550" h="3810000">
@@ -7649,8 +7348,11 @@
             </a:solidFill>
           </p:spPr>
           <p:txBody>
-            <a:bodyPr bIns="0" lIns="0" rIns="0" rtlCol="0" tIns="0" wrap="square"/>
-            <a:p/>
+            <a:bodyPr wrap="square" lIns="0" tIns="0" rIns="0" bIns="0" rtlCol="0"/>
+            <a:lstStyle/>
+            <a:p>
+              <a:endParaRPr/>
+            </a:p>
           </p:txBody>
         </p:sp>
         <p:sp>
@@ -7666,7 +7368,9 @@
             </a:xfrm>
             <a:custGeom>
               <a:avLst/>
+              <a:gdLst/>
               <a:ahLst/>
+              <a:cxnLst/>
               <a:rect l="l" t="t" r="r" b="b"/>
               <a:pathLst>
                 <a:path w="2854325" h="6858000">
@@ -7696,8 +7400,11 @@
             </a:solidFill>
           </p:spPr>
           <p:txBody>
-            <a:bodyPr bIns="0" lIns="0" rIns="0" rtlCol="0" tIns="0" wrap="square"/>
-            <a:p/>
+            <a:bodyPr wrap="square" lIns="0" tIns="0" rIns="0" bIns="0" rtlCol="0"/>
+            <a:lstStyle/>
+            <a:p>
+              <a:endParaRPr/>
+            </a:p>
           </p:txBody>
         </p:sp>
         <p:sp>
@@ -7713,7 +7420,9 @@
             </a:xfrm>
             <a:custGeom>
               <a:avLst/>
+              <a:gdLst/>
               <a:ahLst/>
+              <a:cxnLst/>
               <a:rect l="l" t="t" r="r" b="b"/>
               <a:pathLst>
                 <a:path w="1295400" h="6858000">
@@ -7743,8 +7452,11 @@
             </a:solidFill>
           </p:spPr>
           <p:txBody>
-            <a:bodyPr bIns="0" lIns="0" rIns="0" rtlCol="0" tIns="0" wrap="square"/>
-            <a:p/>
+            <a:bodyPr wrap="square" lIns="0" tIns="0" rIns="0" bIns="0" rtlCol="0"/>
+            <a:lstStyle/>
+            <a:p>
+              <a:endParaRPr/>
+            </a:p>
           </p:txBody>
         </p:sp>
         <p:sp>
@@ -7760,7 +7472,9 @@
             </a:xfrm>
             <a:custGeom>
               <a:avLst/>
+              <a:gdLst/>
               <a:ahLst/>
+              <a:cxnLst/>
               <a:rect l="l" t="t" r="r" b="b"/>
               <a:pathLst>
                 <a:path w="1256029" h="6858000">
@@ -7790,8 +7504,11 @@
             </a:solidFill>
           </p:spPr>
           <p:txBody>
-            <a:bodyPr bIns="0" lIns="0" rIns="0" rtlCol="0" tIns="0" wrap="square"/>
-            <a:p/>
+            <a:bodyPr wrap="square" lIns="0" tIns="0" rIns="0" bIns="0" rtlCol="0"/>
+            <a:lstStyle/>
+            <a:p>
+              <a:endParaRPr/>
+            </a:p>
           </p:txBody>
         </p:sp>
         <p:sp>
@@ -7807,7 +7524,9 @@
             </a:xfrm>
             <a:custGeom>
               <a:avLst/>
+              <a:gdLst/>
               <a:ahLst/>
+              <a:cxnLst/>
               <a:rect l="l" t="t" r="r" b="b"/>
               <a:pathLst>
                 <a:path w="1819275" h="3267075">
@@ -7834,8 +7553,11 @@
             </a:solidFill>
           </p:spPr>
           <p:txBody>
-            <a:bodyPr bIns="0" lIns="0" rIns="0" rtlCol="0" tIns="0" wrap="square"/>
-            <a:p/>
+            <a:bodyPr wrap="square" lIns="0" tIns="0" rIns="0" bIns="0" rtlCol="0"/>
+            <a:lstStyle/>
+            <a:p>
+              <a:endParaRPr/>
+            </a:p>
           </p:txBody>
         </p:sp>
       </p:grpSp>
@@ -7852,7 +7574,9 @@
           </a:xfrm>
           <a:custGeom>
             <a:avLst/>
+            <a:gdLst/>
             <a:ahLst/>
+            <a:cxnLst/>
             <a:rect l="l" t="t" r="r" b="b"/>
             <a:pathLst>
               <a:path w="447675" h="2847975">
@@ -7879,8 +7603,11 @@
           </a:solidFill>
         </p:spPr>
         <p:txBody>
-          <a:bodyPr bIns="0" lIns="0" rIns="0" rtlCol="0" tIns="0" wrap="square"/>
-          <a:p/>
+          <a:bodyPr wrap="square" lIns="0" tIns="0" rIns="0" bIns="0" rtlCol="0"/>
+          <a:lstStyle/>
+          <a:p>
+            <a:endParaRPr/>
+          </a:p>
         </p:txBody>
       </p:sp>
       <p:sp>
@@ -7894,12 +7621,15 @@
             <a:off x="752475" y="6486037"/>
             <a:ext cx="1773555" cy="166370"/>
           </a:xfrm>
-          <a:prstGeom prst="rect"/>
+          <a:prstGeom prst="rect">
+            <a:avLst/>
+          </a:prstGeom>
         </p:spPr>
         <p:txBody>
-          <a:bodyPr bIns="0" lIns="0" rIns="0" rtlCol="0" tIns="0" vert="horz" wrap="square">
+          <a:bodyPr vert="horz" wrap="square" lIns="0" tIns="0" rIns="0" bIns="0" rtlCol="0">
             <a:spAutoFit/>
           </a:bodyPr>
+          <a:lstStyle/>
           <a:p>
             <a:pPr>
               <a:lnSpc>
@@ -7907,7 +7637,7 @@
               </a:lnSpc>
             </a:pPr>
             <a:r>
-              <a:rPr dirty="0" sz="1100" spc="20">
+              <a:rPr sz="1100" spc="20" dirty="0">
                 <a:solidFill>
                   <a:srgbClr val="2D83C3"/>
                 </a:solidFill>
@@ -7917,7 +7647,7 @@
               <a:t>3/21/202</a:t>
             </a:r>
             <a:r>
-              <a:rPr dirty="0" sz="1100" spc="10">
+              <a:rPr sz="1100" spc="10" dirty="0">
                 <a:solidFill>
                   <a:srgbClr val="2D83C3"/>
                 </a:solidFill>
@@ -7927,7 +7657,7 @@
               <a:t>4</a:t>
             </a:r>
             <a:r>
-              <a:rPr dirty="0" sz="1100">
+              <a:rPr sz="1100" dirty="0">
                 <a:solidFill>
                   <a:srgbClr val="2D83C3"/>
                 </a:solidFill>
@@ -7937,7 +7667,7 @@
               <a:t> </a:t>
             </a:r>
             <a:r>
-              <a:rPr dirty="0" sz="1100" spc="130">
+              <a:rPr sz="1100" spc="130" dirty="0">
                 <a:solidFill>
                   <a:srgbClr val="2D83C3"/>
                 </a:solidFill>
@@ -7947,7 +7677,7 @@
               <a:t> </a:t>
             </a:r>
             <a:r>
-              <a:rPr b="1" dirty="0" sz="1100" spc="50">
+              <a:rPr sz="1100" b="1" spc="50" dirty="0">
                 <a:solidFill>
                   <a:srgbClr val="2D83C3"/>
                 </a:solidFill>
@@ -7957,7 +7687,7 @@
               <a:t>A</a:t>
             </a:r>
             <a:r>
-              <a:rPr b="1" dirty="0" sz="1100" spc="15">
+              <a:rPr sz="1100" b="1" spc="15" dirty="0">
                 <a:solidFill>
                   <a:srgbClr val="2D83C3"/>
                 </a:solidFill>
@@ -7967,7 +7697,7 @@
               <a:t>nnu</a:t>
             </a:r>
             <a:r>
-              <a:rPr b="1" dirty="0" sz="1100" spc="10">
+              <a:rPr sz="1100" b="1" spc="10" dirty="0">
                 <a:solidFill>
                   <a:srgbClr val="2D83C3"/>
                 </a:solidFill>
@@ -7977,7 +7707,7 @@
               <a:t>al</a:t>
             </a:r>
             <a:r>
-              <a:rPr b="1" dirty="0" sz="1100" spc="-140">
+              <a:rPr sz="1100" b="1" spc="-140" dirty="0">
                 <a:solidFill>
                   <a:srgbClr val="2D83C3"/>
                 </a:solidFill>
@@ -7987,7 +7717,7 @@
               <a:t> </a:t>
             </a:r>
             <a:r>
-              <a:rPr b="1" dirty="0" sz="1100">
+              <a:rPr sz="1100" b="1" dirty="0">
                 <a:solidFill>
                   <a:srgbClr val="2D83C3"/>
                 </a:solidFill>
@@ -7997,7 +7727,7 @@
               <a:t>R</a:t>
             </a:r>
             <a:r>
-              <a:rPr b="1" dirty="0" sz="1100" spc="35">
+              <a:rPr sz="1100" b="1" spc="35" dirty="0">
                 <a:solidFill>
                   <a:srgbClr val="2D83C3"/>
                 </a:solidFill>
@@ -8007,7 +7737,7 @@
               <a:t>e</a:t>
             </a:r>
             <a:r>
-              <a:rPr b="1" dirty="0" sz="1100" spc="90">
+              <a:rPr sz="1100" b="1" spc="90" dirty="0">
                 <a:solidFill>
                   <a:srgbClr val="2D83C3"/>
                 </a:solidFill>
@@ -8017,7 +7747,7 @@
               <a:t>v</a:t>
             </a:r>
             <a:r>
-              <a:rPr b="1" dirty="0" sz="1100" spc="-35">
+              <a:rPr sz="1100" b="1" spc="-35" dirty="0">
                 <a:solidFill>
                   <a:srgbClr val="2D83C3"/>
                 </a:solidFill>
@@ -8027,7 +7757,7 @@
               <a:t>i</a:t>
             </a:r>
             <a:r>
-              <a:rPr b="1" dirty="0" sz="1100" spc="35">
+              <a:rPr sz="1100" b="1" spc="35" dirty="0">
                 <a:solidFill>
                   <a:srgbClr val="2D83C3"/>
                 </a:solidFill>
@@ -8037,7 +7767,7 @@
               <a:t>e</a:t>
             </a:r>
             <a:r>
-              <a:rPr b="1" dirty="0" sz="1100" spc="15">
+              <a:rPr sz="1100" b="1" spc="15" dirty="0">
                 <a:solidFill>
                   <a:srgbClr val="2D83C3"/>
                 </a:solidFill>
@@ -8066,7 +7796,9 @@
           </a:xfrm>
           <a:custGeom>
             <a:avLst/>
+            <a:gdLst/>
             <a:ahLst/>
+            <a:cxnLst/>
             <a:rect l="l" t="t" r="r" b="b"/>
             <a:pathLst>
               <a:path w="361950" h="361950">
@@ -8154,8 +7886,11 @@
           </a:solidFill>
         </p:spPr>
         <p:txBody>
-          <a:bodyPr bIns="0" lIns="0" rIns="0" rtlCol="0" tIns="0" wrap="square"/>
-          <a:p/>
+          <a:bodyPr wrap="square" lIns="0" tIns="0" rIns="0" bIns="0" rtlCol="0"/>
+          <a:lstStyle/>
+          <a:p>
+            <a:endParaRPr/>
+          </a:p>
         </p:txBody>
       </p:sp>
       <p:sp>
@@ -8171,7 +7906,9 @@
           </a:xfrm>
           <a:custGeom>
             <a:avLst/>
+            <a:gdLst/>
             <a:ahLst/>
+            <a:cxnLst/>
             <a:rect l="l" t="t" r="r" b="b"/>
             <a:pathLst>
               <a:path w="647700" h="647700">
@@ -8319,8 +8056,11 @@
           </a:solidFill>
         </p:spPr>
         <p:txBody>
-          <a:bodyPr bIns="0" lIns="0" rIns="0" rtlCol="0" tIns="0" wrap="square"/>
-          <a:p/>
+          <a:bodyPr wrap="square" lIns="0" tIns="0" rIns="0" bIns="0" rtlCol="0"/>
+          <a:lstStyle/>
+          <a:p>
+            <a:endParaRPr/>
+          </a:p>
         </p:txBody>
       </p:sp>
       <p:pic>
@@ -8332,7 +8072,7 @@
           <p:nvPr/>
         </p:nvPicPr>
         <p:blipFill>
-          <a:blip xmlns:r="http://schemas.openxmlformats.org/officeDocument/2006/relationships" r:embed="rId1" cstate="print"/>
+          <a:blip r:embed="rId2" cstate="print"/>
           <a:stretch>
             <a:fillRect/>
           </a:stretch>
@@ -8342,7 +8082,9 @@
             <a:off x="10687050" y="6134100"/>
             <a:ext cx="247650" cy="247650"/>
           </a:xfrm>
-          <a:prstGeom prst="rect"/>
+          <a:prstGeom prst="rect">
+            <a:avLst/>
+          </a:prstGeom>
         </p:spPr>
       </p:pic>
       <p:grpSp>
@@ -8368,7 +8110,7 @@
             <p:nvPr/>
           </p:nvPicPr>
           <p:blipFill>
-            <a:blip xmlns:r="http://schemas.openxmlformats.org/officeDocument/2006/relationships" r:embed="rId2" cstate="print"/>
+            <a:blip r:embed="rId3" cstate="print"/>
             <a:stretch>
               <a:fillRect/>
             </a:stretch>
@@ -8378,7 +8120,9 @@
               <a:off x="466725" y="6410325"/>
               <a:ext cx="3705225" cy="295275"/>
             </a:xfrm>
-            <a:prstGeom prst="rect"/>
+            <a:prstGeom prst="rect">
+              <a:avLst/>
+            </a:prstGeom>
           </p:spPr>
         </p:pic>
         <p:pic>
@@ -8390,7 +8134,7 @@
             <p:nvPr/>
           </p:nvPicPr>
           <p:blipFill>
-            <a:blip xmlns:r="http://schemas.openxmlformats.org/officeDocument/2006/relationships" r:embed="rId3" cstate="print"/>
+            <a:blip r:embed="rId4" cstate="print"/>
             <a:stretch>
               <a:fillRect/>
             </a:stretch>
@@ -8400,7 +8144,9 @@
               <a:off x="47625" y="3819523"/>
               <a:ext cx="1733550" cy="3009898"/>
             </a:xfrm>
-            <a:prstGeom prst="rect"/>
+            <a:prstGeom prst="rect">
+              <a:avLst/>
+            </a:prstGeom>
           </p:spPr>
         </p:pic>
       </p:grpSp>
@@ -8419,12 +8165,15 @@
             <a:off x="739775" y="445388"/>
             <a:ext cx="2357120" cy="758190"/>
           </a:xfrm>
-          <a:prstGeom prst="rect"/>
+          <a:prstGeom prst="rect">
+            <a:avLst/>
+          </a:prstGeom>
         </p:spPr>
         <p:txBody>
-          <a:bodyPr bIns="0" lIns="0" rIns="0" rtlCol="0" tIns="13335" vert="horz" wrap="square">
+          <a:bodyPr vert="horz" wrap="square" lIns="0" tIns="13335" rIns="0" bIns="0" rtlCol="0">
             <a:spAutoFit/>
           </a:bodyPr>
+          <a:lstStyle/>
           <a:p>
             <a:pPr marL="12700">
               <a:lnSpc>
@@ -8435,19 +8184,19 @@
               </a:spcBef>
             </a:pPr>
             <a:r>
-              <a:rPr dirty="0" spc="25"/>
+              <a:rPr spc="25" dirty="0"/>
               <a:t>A</a:t>
             </a:r>
             <a:r>
-              <a:rPr dirty="0" spc="-5"/>
+              <a:rPr spc="-5" dirty="0"/>
               <a:t>G</a:t>
             </a:r>
             <a:r>
-              <a:rPr dirty="0" spc="-35"/>
+              <a:rPr spc="-35" dirty="0"/>
               <a:t>E</a:t>
             </a:r>
             <a:r>
-              <a:rPr dirty="0" spc="15"/>
+              <a:rPr spc="15" dirty="0"/>
               <a:t>N</a:t>
             </a:r>
             <a:r>
@@ -8468,12 +8217,15 @@
           </p:nvPr>
         </p:nvSpPr>
         <p:spPr>
-          <a:prstGeom prst="rect"/>
+          <a:prstGeom prst="rect">
+            <a:avLst/>
+          </a:prstGeom>
         </p:spPr>
         <p:txBody>
-          <a:bodyPr bIns="0" lIns="0" rIns="0" rtlCol="0" tIns="6985" vert="horz" wrap="square">
+          <a:bodyPr vert="horz" wrap="square" lIns="0" tIns="6985" rIns="0" bIns="0" rtlCol="0">
             <a:spAutoFit/>
           </a:bodyPr>
+          <a:lstStyle/>
           <a:p>
             <a:pPr marL="38100">
               <a:lnSpc>
@@ -8484,10 +8236,10 @@
               </a:spcBef>
             </a:pPr>
             <a:fld id="{81D60167-4931-47E6-BA6A-407CBD079E47}" type="slidenum">
-              <a:rPr dirty="0" spc="10"/>
+              <a:rPr spc="10" dirty="0"/>
               <a:t>3</a:t>
             </a:fld>
-            <a:endParaRPr dirty="0" spc="10"/>
+            <a:endParaRPr spc="10" dirty="0"/>
           </a:p>
         </p:txBody>
       </p:sp>
@@ -8502,16 +8254,19 @@
             <a:off x="2509807" y="1041533"/>
             <a:ext cx="5029200" cy="4282440"/>
           </a:xfrm>
-          <a:prstGeom prst="rect"/>
+          <a:prstGeom prst="rect">
+            <a:avLst/>
+          </a:prstGeom>
           <a:noFill/>
         </p:spPr>
         <p:txBody>
-          <a:bodyPr rtlCol="0" wrap="square">
+          <a:bodyPr wrap="square" rtlCol="0">
             <a:spAutoFit/>
           </a:bodyPr>
+          <a:lstStyle/>
           <a:p>
             <a:pPr algn="l"/>
-            <a:endParaRPr b="0" dirty="0" sz="2800" i="0" lang="en-US">
+            <a:endParaRPr lang="en-US" sz="2800" b="0" i="0" dirty="0">
               <a:solidFill>
                 <a:srgbClr val="0D0D0D"/>
               </a:solidFill>
@@ -8526,7 +8281,7 @@
               <a:buAutoNum type="arabicPeriod"/>
             </a:pPr>
             <a:r>
-              <a:rPr b="0" dirty="0" sz="2800" i="0" lang="en-US">
+              <a:rPr lang="en-US" sz="2800" b="0" i="0" dirty="0">
                 <a:solidFill>
                   <a:srgbClr val="0D0D0D"/>
                 </a:solidFill>
@@ -8543,7 +8298,7 @@
               <a:buAutoNum type="arabicPeriod"/>
             </a:pPr>
             <a:r>
-              <a:rPr b="0" dirty="0" sz="2800" i="0" lang="en-US">
+              <a:rPr lang="en-US" sz="2800" b="0" i="0" dirty="0">
                 <a:solidFill>
                   <a:srgbClr val="0D0D0D"/>
                 </a:solidFill>
@@ -8560,7 +8315,7 @@
               <a:buAutoNum type="arabicPeriod"/>
             </a:pPr>
             <a:r>
-              <a:rPr b="0" dirty="0" sz="2800" i="0" lang="en-US">
+              <a:rPr lang="en-US" sz="2800" b="0" i="0" dirty="0">
                 <a:solidFill>
                   <a:srgbClr val="0D0D0D"/>
                 </a:solidFill>
@@ -8577,7 +8332,7 @@
               <a:buAutoNum type="arabicPeriod"/>
             </a:pPr>
             <a:r>
-              <a:rPr b="0" dirty="0" sz="2800" i="0" lang="en-US">
+              <a:rPr lang="en-US" sz="2800" b="0" i="0" dirty="0">
                 <a:solidFill>
                   <a:srgbClr val="0D0D0D"/>
                 </a:solidFill>
@@ -8594,7 +8349,7 @@
               <a:buAutoNum type="arabicPeriod"/>
             </a:pPr>
             <a:r>
-              <a:rPr dirty="0" sz="2800" lang="en-US">
+              <a:rPr lang="en-US" sz="2800" dirty="0">
                 <a:solidFill>
                   <a:srgbClr val="0D0D0D"/>
                 </a:solidFill>
@@ -8603,7 +8358,7 @@
               </a:rPr>
               <a:t>Dataset Description</a:t>
             </a:r>
-            <a:endParaRPr b="0" dirty="0" sz="2800" i="0" lang="en-US">
+            <a:endParaRPr lang="en-US" sz="2800" b="0" i="0" dirty="0">
               <a:solidFill>
                 <a:srgbClr val="0D0D0D"/>
               </a:solidFill>
@@ -8618,7 +8373,7 @@
               <a:buAutoNum type="arabicPeriod"/>
             </a:pPr>
             <a:r>
-              <a:rPr b="0" dirty="0" sz="2800" i="0" lang="en-US">
+              <a:rPr lang="en-US" sz="2800" b="0" i="0" dirty="0">
                 <a:solidFill>
                   <a:srgbClr val="0D0D0D"/>
                 </a:solidFill>
@@ -8635,7 +8390,7 @@
               <a:buAutoNum type="arabicPeriod"/>
             </a:pPr>
             <a:r>
-              <a:rPr b="0" dirty="0" sz="2800" i="0" lang="en-US">
+              <a:rPr lang="en-US" sz="2800" b="0" i="0" dirty="0">
                 <a:solidFill>
                   <a:srgbClr val="0D0D0D"/>
                 </a:solidFill>
@@ -8646,7 +8401,7 @@
               <a:t>Results and </a:t>
             </a:r>
             <a:r>
-              <a:rPr dirty="0" sz="2800" lang="en-US">
+              <a:rPr lang="en-US" sz="2800" dirty="0">
                 <a:solidFill>
                   <a:srgbClr val="0D0D0D"/>
                 </a:solidFill>
@@ -8655,7 +8410,7 @@
               </a:rPr>
               <a:t>Discussion</a:t>
             </a:r>
-            <a:endParaRPr b="0" dirty="0" sz="2800" i="0" lang="en-US">
+            <a:endParaRPr lang="en-US" sz="2800" b="0" i="0" dirty="0">
               <a:solidFill>
                 <a:srgbClr val="0D0D0D"/>
               </a:solidFill>
@@ -8670,7 +8425,7 @@
               <a:buAutoNum type="arabicPeriod"/>
             </a:pPr>
             <a:r>
-              <a:rPr b="0" dirty="0" sz="2800" i="0" lang="en-US">
+              <a:rPr lang="en-US" sz="2800" b="0" i="0" dirty="0">
                 <a:solidFill>
                   <a:srgbClr val="0D0D0D"/>
                 </a:solidFill>
@@ -8682,7 +8437,7 @@
             </a:r>
           </a:p>
           <a:p>
-            <a:endParaRPr dirty="0" sz="2800" lang="en-IN">
+            <a:endParaRPr lang="en-IN" sz="2800" dirty="0">
               <a:latin typeface="Times New Roman" panose="02020603050405020304" pitchFamily="18" charset="0"/>
               <a:cs typeface="Times New Roman" panose="02020603050405020304" pitchFamily="18" charset="0"/>
             </a:endParaRPr>
@@ -8702,7 +8457,7 @@
   <p:cSld>
     <p:spTree>
       <p:nvGrpSpPr>
-        <p:cNvPr id="32" name=""/>
+        <p:cNvPr id="1" name=""/>
         <p:cNvGrpSpPr/>
         <p:nvPr/>
       </p:nvGrpSpPr>
@@ -8741,7 +8496,9 @@
             </a:xfrm>
             <a:custGeom>
               <a:avLst/>
+              <a:gdLst/>
               <a:ahLst/>
+              <a:cxnLst/>
               <a:rect l="l" t="t" r="r" b="b"/>
               <a:pathLst>
                 <a:path w="457200" h="457200">
@@ -8769,8 +8526,11 @@
             </a:solidFill>
           </p:spPr>
           <p:txBody>
-            <a:bodyPr bIns="0" lIns="0" rIns="0" rtlCol="0" tIns="0" wrap="square"/>
-            <a:p/>
+            <a:bodyPr wrap="square" lIns="0" tIns="0" rIns="0" bIns="0" rtlCol="0"/>
+            <a:lstStyle/>
+            <a:p>
+              <a:endParaRPr/>
+            </a:p>
           </p:txBody>
         </p:sp>
         <p:sp>
@@ -8786,7 +8546,9 @@
             </a:xfrm>
             <a:custGeom>
               <a:avLst/>
+              <a:gdLst/>
               <a:ahLst/>
+              <a:cxnLst/>
               <a:rect l="l" t="t" r="r" b="b"/>
               <a:pathLst>
                 <a:path w="180975" h="180975">
@@ -8814,8 +8576,11 @@
             </a:solidFill>
           </p:spPr>
           <p:txBody>
-            <a:bodyPr bIns="0" lIns="0" rIns="0" rtlCol="0" tIns="0" wrap="square"/>
-            <a:p/>
+            <a:bodyPr wrap="square" lIns="0" tIns="0" rIns="0" bIns="0" rtlCol="0"/>
+            <a:lstStyle/>
+            <a:p>
+              <a:endParaRPr/>
+            </a:p>
           </p:txBody>
         </p:sp>
         <p:pic>
@@ -8827,7 +8592,7 @@
             <p:nvPr/>
           </p:nvPicPr>
           <p:blipFill>
-            <a:blip xmlns:r="http://schemas.openxmlformats.org/officeDocument/2006/relationships" r:embed="rId1" cstate="print"/>
+            <a:blip r:embed="rId2" cstate="print"/>
             <a:stretch>
               <a:fillRect/>
             </a:stretch>
@@ -8837,7 +8602,9 @@
               <a:off x="7991475" y="2933700"/>
               <a:ext cx="2762250" cy="3257550"/>
             </a:xfrm>
-            <a:prstGeom prst="rect"/>
+            <a:prstGeom prst="rect">
+              <a:avLst/>
+            </a:prstGeom>
           </p:spPr>
         </p:pic>
       </p:grpSp>
@@ -8854,7 +8621,9 @@
           </a:xfrm>
           <a:custGeom>
             <a:avLst/>
+            <a:gdLst/>
             <a:ahLst/>
+            <a:cxnLst/>
             <a:rect l="l" t="t" r="r" b="b"/>
             <a:pathLst>
               <a:path w="314325" h="323850">
@@ -8882,8 +8651,11 @@
           </a:solidFill>
         </p:spPr>
         <p:txBody>
-          <a:bodyPr bIns="0" lIns="0" rIns="0" rtlCol="0" tIns="0" wrap="square"/>
-          <a:p/>
+          <a:bodyPr wrap="square" lIns="0" tIns="0" rIns="0" bIns="0" rtlCol="0"/>
+          <a:lstStyle/>
+          <a:p>
+            <a:endParaRPr/>
+          </a:p>
         </p:txBody>
       </p:sp>
       <p:sp>
@@ -8901,12 +8673,15 @@
             <a:off x="834072" y="575055"/>
             <a:ext cx="5636895" cy="638810"/>
           </a:xfrm>
-          <a:prstGeom prst="rect"/>
+          <a:prstGeom prst="rect">
+            <a:avLst/>
+          </a:prstGeom>
         </p:spPr>
         <p:txBody>
-          <a:bodyPr bIns="0" lIns="0" rIns="0" rtlCol="0" tIns="16510" vert="horz" wrap="square">
+          <a:bodyPr vert="horz" wrap="square" lIns="0" tIns="16510" rIns="0" bIns="0" rtlCol="0">
             <a:spAutoFit/>
           </a:bodyPr>
+          <a:lstStyle/>
           <a:p>
             <a:pPr marL="12700">
               <a:lnSpc>
@@ -8916,59 +8691,59 @@
                 <a:spcPts val="130"/>
               </a:spcBef>
               <a:tabLst>
-                <a:tab algn="l" pos="2727960"/>
+                <a:tab pos="2727960" algn="l"/>
               </a:tabLst>
             </a:pPr>
             <a:r>
-              <a:rPr dirty="0" sz="4250" spc="-20"/>
+              <a:rPr sz="4250" spc="-20" dirty="0"/>
               <a:t>P</a:t>
             </a:r>
             <a:r>
-              <a:rPr dirty="0" sz="4250" spc="15"/>
+              <a:rPr sz="4250" spc="15" dirty="0"/>
               <a:t>ROB</a:t>
             </a:r>
             <a:r>
-              <a:rPr dirty="0" sz="4250" spc="55"/>
+              <a:rPr sz="4250" spc="55" dirty="0"/>
               <a:t>L</a:t>
             </a:r>
             <a:r>
-              <a:rPr dirty="0" sz="4250" spc="-20"/>
+              <a:rPr sz="4250" spc="-20" dirty="0"/>
               <a:t>E</a:t>
             </a:r>
             <a:r>
-              <a:rPr dirty="0" sz="4250" spc="20"/>
+              <a:rPr sz="4250" spc="20" dirty="0"/>
               <a:t>M</a:t>
             </a:r>
             <a:r>
-              <a:rPr dirty="0" sz="4250"/>
+              <a:rPr sz="4250" dirty="0"/>
               <a:t>	</a:t>
             </a:r>
             <a:r>
-              <a:rPr dirty="0" sz="4250" spc="10"/>
+              <a:rPr sz="4250" spc="10" dirty="0"/>
               <a:t>S</a:t>
             </a:r>
             <a:r>
-              <a:rPr dirty="0" sz="4250" spc="-370"/>
+              <a:rPr sz="4250" spc="-370" dirty="0"/>
               <a:t>T</a:t>
             </a:r>
             <a:r>
-              <a:rPr dirty="0" sz="4250" spc="-375"/>
+              <a:rPr sz="4250" spc="-375" dirty="0"/>
               <a:t>A</a:t>
             </a:r>
             <a:r>
-              <a:rPr dirty="0" sz="4250" spc="15"/>
+              <a:rPr sz="4250" spc="15" dirty="0"/>
               <a:t>T</a:t>
             </a:r>
             <a:r>
-              <a:rPr dirty="0" sz="4250" spc="-10"/>
+              <a:rPr sz="4250" spc="-10" dirty="0"/>
               <a:t>E</a:t>
             </a:r>
             <a:r>
-              <a:rPr dirty="0" sz="4250" spc="-20"/>
+              <a:rPr sz="4250" spc="-20" dirty="0"/>
               <a:t>ME</a:t>
             </a:r>
             <a:r>
-              <a:rPr dirty="0" sz="4250" spc="10"/>
+              <a:rPr sz="4250" spc="10" dirty="0"/>
               <a:t>NT</a:t>
             </a:r>
             <a:endParaRPr sz="4250"/>
@@ -8984,7 +8759,7 @@
           <p:nvPr/>
         </p:nvPicPr>
         <p:blipFill>
-          <a:blip xmlns:r="http://schemas.openxmlformats.org/officeDocument/2006/relationships" r:embed="rId2" cstate="print"/>
+          <a:blip r:embed="rId3" cstate="print"/>
           <a:stretch>
             <a:fillRect/>
           </a:stretch>
@@ -8994,7 +8769,9 @@
             <a:off x="676275" y="6467475"/>
             <a:ext cx="2143125" cy="200025"/>
           </a:xfrm>
-          <a:prstGeom prst="rect"/>
+          <a:prstGeom prst="rect">
+            <a:avLst/>
+          </a:prstGeom>
         </p:spPr>
       </p:pic>
       <p:sp>
@@ -9008,12 +8785,15 @@
           </p:nvPr>
         </p:nvSpPr>
         <p:spPr>
-          <a:prstGeom prst="rect"/>
+          <a:prstGeom prst="rect">
+            <a:avLst/>
+          </a:prstGeom>
         </p:spPr>
         <p:txBody>
-          <a:bodyPr bIns="0" lIns="0" rIns="0" rtlCol="0" tIns="6985" vert="horz" wrap="square">
+          <a:bodyPr vert="horz" wrap="square" lIns="0" tIns="6985" rIns="0" bIns="0" rtlCol="0">
             <a:spAutoFit/>
           </a:bodyPr>
+          <a:lstStyle/>
           <a:p>
             <a:pPr marL="38100">
               <a:lnSpc>
@@ -9024,10 +8804,10 @@
               </a:spcBef>
             </a:pPr>
             <a:fld id="{81D60167-4931-47E6-BA6A-407CBD079E47}" type="slidenum">
-              <a:rPr dirty="0" spc="10"/>
+              <a:rPr spc="10" dirty="0"/>
               <a:t>4</a:t>
             </a:fld>
-            <a:endParaRPr dirty="0" spc="10"/>
+            <a:endParaRPr spc="10" dirty="0"/>
           </a:p>
         </p:txBody>
       </p:sp>
@@ -9042,23 +8822,26 @@
             <a:off x="834072" y="1752600"/>
             <a:ext cx="6404928" cy="1691641"/>
           </a:xfrm>
-          <a:prstGeom prst="rect"/>
+          <a:prstGeom prst="rect">
+            <a:avLst/>
+          </a:prstGeom>
           <a:noFill/>
         </p:spPr>
         <p:txBody>
-          <a:bodyPr rtlCol="0" wrap="square">
+          <a:bodyPr wrap="square" rtlCol="0">
             <a:spAutoFit/>
           </a:bodyPr>
-          <a:p>
-            <a:pPr indent="-285750" marL="285750">
+          <a:lstStyle/>
+          <a:p>
+            <a:pPr marL="285750" indent="-285750">
               <a:buFont typeface="Arial" panose="020B0604020202020204" pitchFamily="34" charset="0"/>
               <a:buChar char="•"/>
             </a:pPr>
             <a:r>
-              <a:rPr dirty="0" lang="en-US"/>
+              <a:rPr lang="en-US" dirty="0"/>
               <a:t>Organizations often face challenges in evaluating employee performance due to scattered data, inconsistent evaluation methods, and a lack of real-time insights. This limits the ability to identify top performers, areas of improvement, and overall team productivity. Analyzing employee performance with a structured approach can improve decision-making and productivity</a:t>
             </a:r>
-            <a:endParaRPr dirty="0" lang="en-IN"/>
+            <a:endParaRPr lang="en-IN" dirty="0"/>
           </a:p>
         </p:txBody>
       </p:sp>
@@ -9073,21 +8856,24 @@
             <a:off x="834072" y="3768407"/>
             <a:ext cx="6244579" cy="646331"/>
           </a:xfrm>
-          <a:prstGeom prst="rect"/>
+          <a:prstGeom prst="rect">
+            <a:avLst/>
+          </a:prstGeom>
           <a:noFill/>
         </p:spPr>
         <p:txBody>
-          <a:bodyPr rtlCol="0" wrap="square">
+          <a:bodyPr wrap="square" rtlCol="0">
             <a:spAutoFit/>
           </a:bodyPr>
-          <a:p>
-            <a:r>
-              <a:rPr dirty="0" lang="en-US"/>
+          <a:lstStyle/>
+          <a:p>
+            <a:r>
+              <a:rPr lang="en-US" dirty="0"/>
               <a:t>.</a:t>
             </a:r>
           </a:p>
           <a:p>
-            <a:endParaRPr dirty="0" lang="en-IN"/>
+            <a:endParaRPr lang="en-IN" dirty="0"/>
           </a:p>
         </p:txBody>
       </p:sp>
@@ -9104,7 +8890,7 @@
   <p:cSld>
     <p:spTree>
       <p:nvGrpSpPr>
-        <p:cNvPr id="34" name=""/>
+        <p:cNvPr id="1" name=""/>
         <p:cNvGrpSpPr/>
         <p:nvPr/>
       </p:nvGrpSpPr>
@@ -9143,7 +8929,9 @@
             </a:xfrm>
             <a:custGeom>
               <a:avLst/>
+              <a:gdLst/>
               <a:ahLst/>
+              <a:cxnLst/>
               <a:rect l="l" t="t" r="r" b="b"/>
               <a:pathLst>
                 <a:path w="457200" h="457200">
@@ -9171,8 +8959,11 @@
             </a:solidFill>
           </p:spPr>
           <p:txBody>
-            <a:bodyPr bIns="0" lIns="0" rIns="0" rtlCol="0" tIns="0" wrap="square"/>
-            <a:p/>
+            <a:bodyPr wrap="square" lIns="0" tIns="0" rIns="0" bIns="0" rtlCol="0"/>
+            <a:lstStyle/>
+            <a:p>
+              <a:endParaRPr/>
+            </a:p>
           </p:txBody>
         </p:sp>
         <p:sp>
@@ -9188,7 +8979,9 @@
             </a:xfrm>
             <a:custGeom>
               <a:avLst/>
+              <a:gdLst/>
               <a:ahLst/>
+              <a:cxnLst/>
               <a:rect l="l" t="t" r="r" b="b"/>
               <a:pathLst>
                 <a:path w="180975" h="180975">
@@ -9216,8 +9009,11 @@
             </a:solidFill>
           </p:spPr>
           <p:txBody>
-            <a:bodyPr bIns="0" lIns="0" rIns="0" rtlCol="0" tIns="0" wrap="square"/>
-            <a:p/>
+            <a:bodyPr wrap="square" lIns="0" tIns="0" rIns="0" bIns="0" rtlCol="0"/>
+            <a:lstStyle/>
+            <a:p>
+              <a:endParaRPr/>
+            </a:p>
           </p:txBody>
         </p:sp>
         <p:pic>
@@ -9229,7 +9025,7 @@
             <p:nvPr/>
           </p:nvPicPr>
           <p:blipFill>
-            <a:blip xmlns:r="http://schemas.openxmlformats.org/officeDocument/2006/relationships" r:embed="rId1" cstate="print"/>
+            <a:blip r:embed="rId2" cstate="print"/>
             <a:stretch>
               <a:fillRect/>
             </a:stretch>
@@ -9239,7 +9035,9 @@
               <a:off x="8658225" y="2647950"/>
               <a:ext cx="3533775" cy="3810000"/>
             </a:xfrm>
-            <a:prstGeom prst="rect"/>
+            <a:prstGeom prst="rect">
+              <a:avLst/>
+            </a:prstGeom>
           </p:spPr>
         </p:pic>
       </p:grpSp>
@@ -9256,7 +9054,9 @@
           </a:xfrm>
           <a:custGeom>
             <a:avLst/>
+            <a:gdLst/>
             <a:ahLst/>
+            <a:cxnLst/>
             <a:rect l="l" t="t" r="r" b="b"/>
             <a:pathLst>
               <a:path w="314325" h="323850">
@@ -9284,8 +9084,11 @@
           </a:solidFill>
         </p:spPr>
         <p:txBody>
-          <a:bodyPr bIns="0" lIns="0" rIns="0" rtlCol="0" tIns="0" wrap="square"/>
-          <a:p/>
+          <a:bodyPr wrap="square" lIns="0" tIns="0" rIns="0" bIns="0" rtlCol="0"/>
+          <a:lstStyle/>
+          <a:p>
+            <a:endParaRPr/>
+          </a:p>
         </p:txBody>
       </p:sp>
       <p:sp>
@@ -9303,12 +9106,15 @@
             <a:off x="739775" y="829627"/>
             <a:ext cx="5263515" cy="638810"/>
           </a:xfrm>
-          <a:prstGeom prst="rect"/>
+          <a:prstGeom prst="rect">
+            <a:avLst/>
+          </a:prstGeom>
         </p:spPr>
         <p:txBody>
-          <a:bodyPr bIns="0" lIns="0" rIns="0" rtlCol="0" tIns="16510" vert="horz" wrap="square">
+          <a:bodyPr vert="horz" wrap="square" lIns="0" tIns="16510" rIns="0" bIns="0" rtlCol="0">
             <a:spAutoFit/>
           </a:bodyPr>
+          <a:lstStyle/>
           <a:p>
             <a:pPr marL="12700">
               <a:lnSpc>
@@ -9318,15 +9124,15 @@
                 <a:spcPts val="130"/>
               </a:spcBef>
               <a:tabLst>
-                <a:tab algn="l" pos="2642870"/>
+                <a:tab pos="2642870" algn="l"/>
               </a:tabLst>
             </a:pPr>
             <a:r>
-              <a:rPr dirty="0" sz="4250" spc="5"/>
+              <a:rPr sz="4250" spc="5" dirty="0"/>
               <a:t>PROJECT	</a:t>
             </a:r>
             <a:r>
-              <a:rPr dirty="0" sz="4250" spc="-20"/>
+              <a:rPr sz="4250" spc="-20" dirty="0"/>
               <a:t>OVERVIEW</a:t>
             </a:r>
             <a:endParaRPr sz="4250"/>
@@ -9342,7 +9148,7 @@
           <p:nvPr/>
         </p:nvPicPr>
         <p:blipFill>
-          <a:blip xmlns:r="http://schemas.openxmlformats.org/officeDocument/2006/relationships" r:embed="rId2" cstate="print"/>
+          <a:blip r:embed="rId3" cstate="print"/>
           <a:stretch>
             <a:fillRect/>
           </a:stretch>
@@ -9352,7 +9158,9 @@
             <a:off x="676275" y="6467475"/>
             <a:ext cx="2143125" cy="200025"/>
           </a:xfrm>
-          <a:prstGeom prst="rect"/>
+          <a:prstGeom prst="rect">
+            <a:avLst/>
+          </a:prstGeom>
         </p:spPr>
       </p:pic>
       <p:sp>
@@ -9366,12 +9174,15 @@
           </p:nvPr>
         </p:nvSpPr>
         <p:spPr>
-          <a:prstGeom prst="rect"/>
+          <a:prstGeom prst="rect">
+            <a:avLst/>
+          </a:prstGeom>
         </p:spPr>
         <p:txBody>
-          <a:bodyPr bIns="0" lIns="0" rIns="0" rtlCol="0" tIns="6985" vert="horz" wrap="square">
+          <a:bodyPr vert="horz" wrap="square" lIns="0" tIns="6985" rIns="0" bIns="0" rtlCol="0">
             <a:spAutoFit/>
           </a:bodyPr>
+          <a:lstStyle/>
           <a:p>
             <a:pPr marL="38100">
               <a:lnSpc>
@@ -9382,10 +9193,10 @@
               </a:spcBef>
             </a:pPr>
             <a:fld id="{81D60167-4931-47E6-BA6A-407CBD079E47}" type="slidenum">
-              <a:rPr dirty="0" spc="10"/>
+              <a:rPr spc="10" dirty="0"/>
               <a:t>5</a:t>
             </a:fld>
-            <a:endParaRPr dirty="0" spc="10"/>
+            <a:endParaRPr spc="10" dirty="0"/>
           </a:p>
         </p:txBody>
       </p:sp>
@@ -9400,19 +9211,22 @@
             <a:off x="676275" y="2373302"/>
             <a:ext cx="7924799" cy="802640"/>
           </a:xfrm>
-          <a:prstGeom prst="rect"/>
+          <a:prstGeom prst="rect">
+            <a:avLst/>
+          </a:prstGeom>
           <a:noFill/>
         </p:spPr>
         <p:txBody>
-          <a:bodyPr rtlCol="0" wrap="square">
+          <a:bodyPr wrap="square" rtlCol="0">
             <a:spAutoFit/>
           </a:bodyPr>
+          <a:lstStyle/>
           <a:p>
             <a:pPr algn="l">
               <a:buFont typeface="Arial" panose="020B0604020202020204" pitchFamily="34" charset="0"/>
               <a:buChar char="•"/>
             </a:pPr>
-            <a:endParaRPr b="0" dirty="0" sz="2400" i="0" lang="en-US">
+            <a:endParaRPr lang="en-US" sz="2400" b="0" i="0" dirty="0">
               <a:solidFill>
                 <a:srgbClr val="0D0D0D"/>
               </a:solidFill>
@@ -9422,7 +9236,7 @@
             </a:endParaRPr>
           </a:p>
           <a:p>
-            <a:endParaRPr dirty="0" sz="2400" lang="en-IN">
+            <a:endParaRPr lang="en-IN" sz="2400" dirty="0">
               <a:latin typeface="Times New Roman" panose="02020603050405020304" pitchFamily="18" charset="0"/>
               <a:cs typeface="Times New Roman" panose="02020603050405020304" pitchFamily="18" charset="0"/>
             </a:endParaRPr>
@@ -9440,23 +9254,26 @@
             <a:off x="666443" y="1695450"/>
             <a:ext cx="5956300" cy="3025140"/>
           </a:xfrm>
-          <a:prstGeom prst="rect"/>
+          <a:prstGeom prst="rect">
+            <a:avLst/>
+          </a:prstGeom>
           <a:noFill/>
         </p:spPr>
         <p:txBody>
-          <a:bodyPr rtlCol="0" wrap="square">
+          <a:bodyPr wrap="square" rtlCol="0">
             <a:spAutoFit/>
           </a:bodyPr>
-          <a:p>
-            <a:pPr indent="-285750" marL="285750">
+          <a:lstStyle/>
+          <a:p>
+            <a:pPr marL="285750" indent="-285750">
               <a:buFont typeface="Arial" panose="020B0604020202020204" pitchFamily="34" charset="0"/>
               <a:buChar char="•"/>
             </a:pPr>
             <a:r>
-              <a:rPr dirty="0" lang="en-US"/>
+              <a:rPr lang="en-US" dirty="0"/>
               <a:t>This project focuses on developing a systematic approach to analyze employee performance using Excel. The data will be collected, organized, and visually represented with charts and pivot tables to highlight key performance indicators. By applying Excel's built-in functions and formulas, we will automate the calculation of metrics such as efficiency, task completion, and goal achievement. The project will also demonstrate how data can be filtered and customized for better insights, enabling management to make data-driven decisions. Ultimately, it provides a comprehensive performance analysis solution.</a:t>
             </a:r>
-            <a:endParaRPr dirty="0" lang="en-IN"/>
+            <a:endParaRPr lang="en-IN" dirty="0"/>
           </a:p>
         </p:txBody>
       </p:sp>
@@ -9473,7 +9290,7 @@
   <p:cSld>
     <p:spTree>
       <p:nvGrpSpPr>
-        <p:cNvPr id="36" name=""/>
+        <p:cNvPr id="1" name=""/>
         <p:cNvGrpSpPr/>
         <p:nvPr/>
       </p:nvGrpSpPr>
@@ -9498,7 +9315,9 @@
           </a:xfrm>
           <a:custGeom>
             <a:avLst/>
+            <a:gdLst/>
             <a:ahLst/>
+            <a:cxnLst/>
             <a:rect l="l" t="t" r="r" b="b"/>
             <a:pathLst>
               <a:path w="457200" h="457200">
@@ -9526,8 +9345,11 @@
           </a:solidFill>
         </p:spPr>
         <p:txBody>
-          <a:bodyPr bIns="0" lIns="0" rIns="0" rtlCol="0" tIns="0" wrap="square"/>
-          <a:p/>
+          <a:bodyPr wrap="square" lIns="0" tIns="0" rIns="0" bIns="0" rtlCol="0"/>
+          <a:lstStyle/>
+          <a:p>
+            <a:endParaRPr/>
+          </a:p>
         </p:txBody>
       </p:sp>
       <p:sp>
@@ -9543,7 +9365,9 @@
           </a:xfrm>
           <a:custGeom>
             <a:avLst/>
+            <a:gdLst/>
             <a:ahLst/>
+            <a:cxnLst/>
             <a:rect l="l" t="t" r="r" b="b"/>
             <a:pathLst>
               <a:path w="314325" h="323850">
@@ -9571,8 +9395,11 @@
           </a:solidFill>
         </p:spPr>
         <p:txBody>
-          <a:bodyPr bIns="0" lIns="0" rIns="0" rtlCol="0" tIns="0" wrap="square"/>
-          <a:p/>
+          <a:bodyPr wrap="square" lIns="0" tIns="0" rIns="0" bIns="0" rtlCol="0"/>
+          <a:lstStyle/>
+          <a:p>
+            <a:endParaRPr/>
+          </a:p>
         </p:txBody>
       </p:sp>
       <p:sp>
@@ -9588,7 +9415,9 @@
           </a:xfrm>
           <a:custGeom>
             <a:avLst/>
+            <a:gdLst/>
             <a:ahLst/>
+            <a:cxnLst/>
             <a:rect l="l" t="t" r="r" b="b"/>
             <a:pathLst>
               <a:path w="180975" h="180975">
@@ -9616,8 +9445,11 @@
           </a:solidFill>
         </p:spPr>
         <p:txBody>
-          <a:bodyPr bIns="0" lIns="0" rIns="0" rtlCol="0" tIns="0" wrap="square"/>
-          <a:p/>
+          <a:bodyPr wrap="square" lIns="0" tIns="0" rIns="0" bIns="0" rtlCol="0"/>
+          <a:lstStyle/>
+          <a:p>
+            <a:endParaRPr/>
+          </a:p>
         </p:txBody>
       </p:sp>
       <p:sp>
@@ -9635,12 +9467,15 @@
             <a:off x="699452" y="891793"/>
             <a:ext cx="5014595" cy="518159"/>
           </a:xfrm>
-          <a:prstGeom prst="rect"/>
+          <a:prstGeom prst="rect">
+            <a:avLst/>
+          </a:prstGeom>
         </p:spPr>
         <p:txBody>
-          <a:bodyPr bIns="0" lIns="0" rIns="0" rtlCol="0" tIns="16510" vert="horz" wrap="square">
+          <a:bodyPr vert="horz" wrap="square" lIns="0" tIns="16510" rIns="0" bIns="0" rtlCol="0">
             <a:spAutoFit/>
           </a:bodyPr>
+          <a:lstStyle/>
           <a:p>
             <a:pPr marL="12700">
               <a:lnSpc>
@@ -9651,86 +9486,86 @@
               </a:spcBef>
             </a:pPr>
             <a:r>
-              <a:rPr dirty="0" sz="3200" spc="25"/>
+              <a:rPr sz="3200" spc="25" dirty="0"/>
               <a:t>W</a:t>
             </a:r>
             <a:r>
-              <a:rPr dirty="0" sz="3200" spc="-20"/>
+              <a:rPr sz="3200" spc="-20" dirty="0"/>
               <a:t>H</a:t>
             </a:r>
             <a:r>
-              <a:rPr dirty="0" sz="3200" spc="20"/>
+              <a:rPr sz="3200" spc="20" dirty="0"/>
               <a:t>O</a:t>
             </a:r>
             <a:r>
-              <a:rPr dirty="0" sz="3200" spc="-235"/>
+              <a:rPr sz="3200" spc="-235" dirty="0"/>
               <a:t> </a:t>
             </a:r>
             <a:r>
-              <a:rPr dirty="0" sz="3200" spc="-10"/>
+              <a:rPr sz="3200" spc="-10" dirty="0"/>
               <a:t>AR</a:t>
             </a:r>
             <a:r>
-              <a:rPr dirty="0" sz="3200" spc="15"/>
+              <a:rPr sz="3200" spc="15" dirty="0"/>
               <a:t>E</a:t>
             </a:r>
             <a:r>
-              <a:rPr dirty="0" sz="3200" spc="-35"/>
+              <a:rPr sz="3200" spc="-35" dirty="0"/>
               <a:t> </a:t>
             </a:r>
             <a:r>
-              <a:rPr dirty="0" sz="3200" spc="-10"/>
+              <a:rPr sz="3200" spc="-10" dirty="0"/>
               <a:t>T</a:t>
             </a:r>
             <a:r>
-              <a:rPr dirty="0" sz="3200" spc="-15"/>
+              <a:rPr sz="3200" spc="-15" dirty="0"/>
               <a:t>H</a:t>
             </a:r>
             <a:r>
-              <a:rPr dirty="0" sz="3200" spc="15"/>
+              <a:rPr sz="3200" spc="15" dirty="0"/>
               <a:t>E</a:t>
             </a:r>
             <a:r>
-              <a:rPr dirty="0" sz="3200" spc="-35"/>
+              <a:rPr sz="3200" spc="-35" dirty="0"/>
               <a:t> </a:t>
             </a:r>
             <a:r>
-              <a:rPr dirty="0" sz="3200" spc="-20"/>
+              <a:rPr sz="3200" spc="-20" dirty="0"/>
               <a:t>E</a:t>
             </a:r>
             <a:r>
-              <a:rPr dirty="0" sz="3200" spc="30"/>
+              <a:rPr sz="3200" spc="30" dirty="0"/>
               <a:t>N</a:t>
             </a:r>
             <a:r>
-              <a:rPr dirty="0" sz="3200" spc="15"/>
+              <a:rPr sz="3200" spc="15" dirty="0"/>
               <a:t>D</a:t>
             </a:r>
             <a:r>
-              <a:rPr dirty="0" sz="3200" spc="-45"/>
+              <a:rPr sz="3200" spc="-45" dirty="0"/>
               <a:t> </a:t>
             </a:r>
             <a:r>
-              <a:rPr dirty="0" sz="3200"/>
+              <a:rPr sz="3200" dirty="0"/>
               <a:t>U</a:t>
             </a:r>
             <a:r>
-              <a:rPr dirty="0" sz="3200" spc="10"/>
+              <a:rPr sz="3200" spc="10" dirty="0"/>
               <a:t>S</a:t>
             </a:r>
             <a:r>
-              <a:rPr dirty="0" sz="3200" spc="-25"/>
+              <a:rPr sz="3200" spc="-25" dirty="0"/>
               <a:t>E</a:t>
             </a:r>
             <a:r>
-              <a:rPr dirty="0" sz="3200" spc="-10"/>
+              <a:rPr sz="3200" spc="-10" dirty="0"/>
               <a:t>R</a:t>
             </a:r>
             <a:r>
-              <a:rPr dirty="0" sz="3200" spc="5"/>
+              <a:rPr sz="3200" spc="5" dirty="0"/>
               <a:t>S?</a:t>
             </a:r>
-            <a:endParaRPr dirty="0" sz="3200"/>
+            <a:endParaRPr sz="3200" dirty="0"/>
           </a:p>
         </p:txBody>
       </p:sp>
@@ -9743,7 +9578,7 @@
           <p:nvPr/>
         </p:nvPicPr>
         <p:blipFill>
-          <a:blip xmlns:r="http://schemas.openxmlformats.org/officeDocument/2006/relationships" r:embed="rId1" cstate="print"/>
+          <a:blip r:embed="rId2" cstate="print"/>
           <a:stretch>
             <a:fillRect/>
           </a:stretch>
@@ -9753,7 +9588,9 @@
             <a:off x="723900" y="6172200"/>
             <a:ext cx="2181225" cy="485775"/>
           </a:xfrm>
-          <a:prstGeom prst="rect"/>
+          <a:prstGeom prst="rect">
+            <a:avLst/>
+          </a:prstGeom>
         </p:spPr>
       </p:pic>
       <p:sp>
@@ -9767,12 +9604,15 @@
           </p:nvPr>
         </p:nvSpPr>
         <p:spPr>
-          <a:prstGeom prst="rect"/>
+          <a:prstGeom prst="rect">
+            <a:avLst/>
+          </a:prstGeom>
         </p:spPr>
         <p:txBody>
-          <a:bodyPr bIns="0" lIns="0" rIns="0" rtlCol="0" tIns="6985" vert="horz" wrap="square">
+          <a:bodyPr vert="horz" wrap="square" lIns="0" tIns="6985" rIns="0" bIns="0" rtlCol="0">
             <a:spAutoFit/>
           </a:bodyPr>
+          <a:lstStyle/>
           <a:p>
             <a:pPr marL="38100">
               <a:lnSpc>
@@ -9783,10 +9623,10 @@
               </a:spcBef>
             </a:pPr>
             <a:fld id="{81D60167-4931-47E6-BA6A-407CBD079E47}" type="slidenum">
-              <a:rPr dirty="0" spc="10"/>
+              <a:rPr spc="10" dirty="0"/>
               <a:t>6</a:t>
             </a:fld>
-            <a:endParaRPr dirty="0" spc="10"/>
+            <a:endParaRPr spc="10" dirty="0"/>
           </a:p>
         </p:txBody>
       </p:sp>
@@ -9803,7 +9643,9 @@
             <a:off x="699451" y="2360325"/>
             <a:ext cx="7939089" cy="2758441"/>
           </a:xfrm>
-          <a:prstGeom prst="rect"/>
+          <a:prstGeom prst="rect">
+            <a:avLst/>
+          </a:prstGeom>
           <a:noFill/>
           <a:ln>
             <a:noFill/>
@@ -9811,12 +9653,15 @@
           <a:effectLst/>
         </p:spPr>
         <p:txBody>
-          <a:bodyPr anchor="ctr" anchorCtr="0" bIns="45720" compatLnSpc="1" lIns="91440" numCol="1" rIns="91440" tIns="45720" vert="horz" wrap="square">
-            <a:prstTxWarp prst="textNoShape"/>
+          <a:bodyPr vert="horz" wrap="square" lIns="91440" tIns="45720" rIns="91440" bIns="45720" numCol="1" anchor="ctr" anchorCtr="0" compatLnSpc="1">
+            <a:prstTxWarp prst="textNoShape">
+              <a:avLst/>
+            </a:prstTxWarp>
             <a:spAutoFit/>
           </a:bodyPr>
-          <a:p>
-            <a:pPr eaLnBrk="0" fontAlgn="base" hangingPunct="0" indent="-285750" marL="285750">
+          <a:lstStyle/>
+          <a:p>
+            <a:pPr marL="285750" indent="-285750" eaLnBrk="0" fontAlgn="base" hangingPunct="0">
               <a:spcBef>
                 <a:spcPct val="0"/>
               </a:spcBef>
@@ -9827,7 +9672,7 @@
               <a:buChar char="•"/>
             </a:pPr>
             <a:r>
-              <a:rPr altLang="en-US" baseline="0" b="1" cap="none" dirty="0" i="0" kumimoji="0" lang="en-US" normalizeH="0" strike="noStrike" u="none">
+              <a:rPr kumimoji="0" lang="en-US" altLang="en-US" b="1" i="0" u="none" strike="noStrike" cap="none" normalizeH="0" baseline="0" dirty="0">
                 <a:ln>
                   <a:noFill/>
                 </a:ln>
@@ -9840,7 +9685,7 @@
               <a:t>HR Managers</a:t>
             </a:r>
             <a:r>
-              <a:rPr altLang="en-US" baseline="0" b="0" cap="none" dirty="0" i="0" kumimoji="0" lang="en-US" normalizeH="0" strike="noStrike" u="none">
+              <a:rPr kumimoji="0" lang="en-US" altLang="en-US" b="0" i="0" u="none" strike="noStrike" cap="none" normalizeH="0" baseline="0" dirty="0">
                 <a:ln>
                   <a:noFill/>
                 </a:ln>
@@ -9854,7 +9699,7 @@
             </a:r>
           </a:p>
           <a:p>
-            <a:pPr defTabSz="914400" eaLnBrk="0" fontAlgn="base" hangingPunct="0" indent="-285750" latinLnBrk="0" lvl="0" marL="285750" marR="0" rtl="0">
+            <a:pPr marL="285750" marR="0" lvl="0" indent="-285750" defTabSz="914400" rtl="0" eaLnBrk="0" fontAlgn="base" latinLnBrk="0" hangingPunct="0">
               <a:lnSpc>
                 <a:spcPct val="100000"/>
               </a:lnSpc>
@@ -9870,7 +9715,7 @@
               <a:buChar char="•"/>
             </a:pPr>
             <a:r>
-              <a:rPr altLang="en-US" baseline="0" b="1" cap="none" dirty="0" sz="1800" i="0" kumimoji="0" lang="en-US" normalizeH="0" strike="noStrike" u="none">
+              <a:rPr kumimoji="0" lang="en-US" altLang="en-US" sz="1800" b="1" i="0" u="none" strike="noStrike" cap="none" normalizeH="0" baseline="0" dirty="0">
                 <a:ln>
                   <a:noFill/>
                 </a:ln>
@@ -9883,7 +9728,7 @@
               <a:t>Team Leaders</a:t>
             </a:r>
             <a:r>
-              <a:rPr altLang="en-US" baseline="0" b="0" cap="none" dirty="0" sz="1800" i="0" kumimoji="0" lang="en-US" normalizeH="0" strike="noStrike" u="none">
+              <a:rPr kumimoji="0" lang="en-US" altLang="en-US" sz="1800" b="0" i="0" u="none" strike="noStrike" cap="none" normalizeH="0" baseline="0" dirty="0">
                 <a:ln>
                   <a:noFill/>
                 </a:ln>
@@ -9897,7 +9742,7 @@
             </a:r>
           </a:p>
           <a:p>
-            <a:pPr defTabSz="914400" eaLnBrk="0" fontAlgn="base" hangingPunct="0" indent="-285750" latinLnBrk="0" lvl="0" marL="285750" marR="0" rtl="0">
+            <a:pPr marL="285750" marR="0" lvl="0" indent="-285750" defTabSz="914400" rtl="0" eaLnBrk="0" fontAlgn="base" latinLnBrk="0" hangingPunct="0">
               <a:lnSpc>
                 <a:spcPct val="100000"/>
               </a:lnSpc>
@@ -9913,7 +9758,7 @@
               <a:buChar char="•"/>
             </a:pPr>
             <a:r>
-              <a:rPr altLang="en-US" baseline="0" b="1" cap="none" dirty="0" sz="1800" i="0" kumimoji="0" lang="en-US" normalizeH="0" strike="noStrike" u="none">
+              <a:rPr kumimoji="0" lang="en-US" altLang="en-US" sz="1800" b="1" i="0" u="none" strike="noStrike" cap="none" normalizeH="0" baseline="0" dirty="0">
                 <a:ln>
                   <a:noFill/>
                 </a:ln>
@@ -9926,7 +9771,7 @@
               <a:t>Executives</a:t>
             </a:r>
             <a:r>
-              <a:rPr altLang="en-US" baseline="0" b="0" cap="none" dirty="0" sz="1800" i="0" kumimoji="0" lang="en-US" normalizeH="0" strike="noStrike" u="none">
+              <a:rPr kumimoji="0" lang="en-US" altLang="en-US" sz="1800" b="0" i="0" u="none" strike="noStrike" cap="none" normalizeH="0" baseline="0" dirty="0">
                 <a:ln>
                   <a:noFill/>
                 </a:ln>
@@ -9940,7 +9785,7 @@
             </a:r>
           </a:p>
           <a:p>
-            <a:pPr defTabSz="914400" eaLnBrk="0" fontAlgn="base" hangingPunct="0" indent="-285750" latinLnBrk="0" lvl="0" marL="285750" marR="0" rtl="0">
+            <a:pPr marL="285750" marR="0" lvl="0" indent="-285750" defTabSz="914400" rtl="0" eaLnBrk="0" fontAlgn="base" latinLnBrk="0" hangingPunct="0">
               <a:lnSpc>
                 <a:spcPct val="100000"/>
               </a:lnSpc>
@@ -9956,7 +9801,7 @@
               <a:buChar char="•"/>
             </a:pPr>
             <a:r>
-              <a:rPr altLang="en-US" baseline="0" b="1" cap="none" dirty="0" sz="1800" i="0" kumimoji="0" lang="en-US" normalizeH="0" strike="noStrike" u="none">
+              <a:rPr kumimoji="0" lang="en-US" altLang="en-US" sz="1800" b="1" i="0" u="none" strike="noStrike" cap="none" normalizeH="0" baseline="0" dirty="0">
                 <a:ln>
                   <a:noFill/>
                 </a:ln>
@@ -9969,7 +9814,7 @@
               <a:t>Employees</a:t>
             </a:r>
             <a:r>
-              <a:rPr altLang="en-US" baseline="0" b="0" cap="none" dirty="0" sz="1800" i="0" kumimoji="0" lang="en-US" normalizeH="0" strike="noStrike" u="none">
+              <a:rPr kumimoji="0" lang="en-US" altLang="en-US" sz="1800" b="0" i="0" u="none" strike="noStrike" cap="none" normalizeH="0" baseline="0" dirty="0">
                 <a:ln>
                   <a:noFill/>
                 </a:ln>
@@ -9983,7 +9828,7 @@
             </a:r>
           </a:p>
           <a:p>
-            <a:pPr defTabSz="914400" eaLnBrk="0" fontAlgn="base" hangingPunct="0" indent="-285750" latinLnBrk="0" lvl="0" marL="285750" marR="0" rtl="0">
+            <a:pPr marL="285750" marR="0" lvl="0" indent="-285750" defTabSz="914400" rtl="0" eaLnBrk="0" fontAlgn="base" latinLnBrk="0" hangingPunct="0">
               <a:lnSpc>
                 <a:spcPct val="100000"/>
               </a:lnSpc>
@@ -9999,7 +9844,7 @@
               <a:buChar char="•"/>
             </a:pPr>
             <a:r>
-              <a:rPr altLang="en-US" baseline="0" b="1" cap="none" dirty="0" sz="1800" i="0" kumimoji="0" lang="en-US" normalizeH="0" strike="noStrike" u="none">
+              <a:rPr kumimoji="0" lang="en-US" altLang="en-US" sz="1800" b="1" i="0" u="none" strike="noStrike" cap="none" normalizeH="0" baseline="0" dirty="0">
                 <a:ln>
                   <a:noFill/>
                 </a:ln>
@@ -10012,7 +9857,7 @@
               <a:t>Department Heads</a:t>
             </a:r>
             <a:r>
-              <a:rPr altLang="en-US" baseline="0" b="0" cap="none" dirty="0" sz="1800" i="0" kumimoji="0" lang="en-US" normalizeH="0" strike="noStrike" u="none">
+              <a:rPr kumimoji="0" lang="en-US" altLang="en-US" sz="1800" b="0" i="0" u="none" strike="noStrike" cap="none" normalizeH="0" baseline="0" dirty="0">
                 <a:ln>
                   <a:noFill/>
                 </a:ln>
@@ -10040,7 +9885,7 @@
   <p:cSld>
     <p:spTree>
       <p:nvGrpSpPr>
-        <p:cNvPr id="37" name=""/>
+        <p:cNvPr id="1" name=""/>
         <p:cNvGrpSpPr/>
         <p:nvPr/>
       </p:nvGrpSpPr>
@@ -10061,7 +9906,7 @@
           <p:nvPr/>
         </p:nvPicPr>
         <p:blipFill>
-          <a:blip xmlns:r="http://schemas.openxmlformats.org/officeDocument/2006/relationships" r:embed="rId1" cstate="print"/>
+          <a:blip r:embed="rId2" cstate="print"/>
           <a:stretch>
             <a:fillRect/>
           </a:stretch>
@@ -10071,7 +9916,9 @@
             <a:off x="0" y="1476375"/>
             <a:ext cx="2695574" cy="3248025"/>
           </a:xfrm>
-          <a:prstGeom prst="rect"/>
+          <a:prstGeom prst="rect">
+            <a:avLst/>
+          </a:prstGeom>
         </p:spPr>
       </p:pic>
       <p:sp>
@@ -10087,7 +9934,9 @@
           </a:xfrm>
           <a:custGeom>
             <a:avLst/>
+            <a:gdLst/>
             <a:ahLst/>
+            <a:cxnLst/>
             <a:rect l="l" t="t" r="r" b="b"/>
             <a:pathLst>
               <a:path w="457200" h="457200">
@@ -10115,8 +9964,11 @@
           </a:solidFill>
         </p:spPr>
         <p:txBody>
-          <a:bodyPr bIns="0" lIns="0" rIns="0" rtlCol="0" tIns="0" wrap="square"/>
-          <a:p/>
+          <a:bodyPr wrap="square" lIns="0" tIns="0" rIns="0" bIns="0" rtlCol="0"/>
+          <a:lstStyle/>
+          <a:p>
+            <a:endParaRPr/>
+          </a:p>
         </p:txBody>
       </p:sp>
       <p:sp>
@@ -10132,7 +9984,9 @@
           </a:xfrm>
           <a:custGeom>
             <a:avLst/>
+            <a:gdLst/>
             <a:ahLst/>
+            <a:cxnLst/>
             <a:rect l="l" t="t" r="r" b="b"/>
             <a:pathLst>
               <a:path w="314325" h="323850">
@@ -10160,8 +10014,11 @@
           </a:solidFill>
         </p:spPr>
         <p:txBody>
-          <a:bodyPr bIns="0" lIns="0" rIns="0" rtlCol="0" tIns="0" wrap="square"/>
-          <a:p/>
+          <a:bodyPr wrap="square" lIns="0" tIns="0" rIns="0" bIns="0" rtlCol="0"/>
+          <a:lstStyle/>
+          <a:p>
+            <a:endParaRPr/>
+          </a:p>
         </p:txBody>
       </p:sp>
       <p:sp>
@@ -10177,7 +10034,9 @@
           </a:xfrm>
           <a:custGeom>
             <a:avLst/>
+            <a:gdLst/>
             <a:ahLst/>
+            <a:cxnLst/>
             <a:rect l="l" t="t" r="r" b="b"/>
             <a:pathLst>
               <a:path w="180975" h="180975">
@@ -10205,8 +10064,11 @@
           </a:solidFill>
         </p:spPr>
         <p:txBody>
-          <a:bodyPr bIns="0" lIns="0" rIns="0" rtlCol="0" tIns="0" wrap="square"/>
-          <a:p/>
+          <a:bodyPr wrap="square" lIns="0" tIns="0" rIns="0" bIns="0" rtlCol="0"/>
+          <a:lstStyle/>
+          <a:p>
+            <a:endParaRPr/>
+          </a:p>
         </p:txBody>
       </p:sp>
       <p:sp>
@@ -10224,12 +10086,15 @@
             <a:off x="558165" y="857885"/>
             <a:ext cx="9763125" cy="575310"/>
           </a:xfrm>
-          <a:prstGeom prst="rect"/>
+          <a:prstGeom prst="rect">
+            <a:avLst/>
+          </a:prstGeom>
         </p:spPr>
         <p:txBody>
-          <a:bodyPr bIns="0" lIns="0" rIns="0" rtlCol="0" tIns="13335" vert="horz" wrap="square">
+          <a:bodyPr vert="horz" wrap="square" lIns="0" tIns="13335" rIns="0" bIns="0" rtlCol="0">
             <a:spAutoFit/>
           </a:bodyPr>
+          <a:lstStyle/>
           <a:p>
             <a:pPr marL="12700">
               <a:lnSpc>
@@ -10240,147 +10105,147 @@
               </a:spcBef>
             </a:pPr>
             <a:r>
-              <a:rPr dirty="0" sz="3600" spc="10"/>
+              <a:rPr sz="3600" spc="10" dirty="0"/>
               <a:t>O</a:t>
             </a:r>
             <a:r>
-              <a:rPr dirty="0" sz="3600" spc="25"/>
+              <a:rPr sz="3600" spc="25" dirty="0"/>
               <a:t>U</a:t>
             </a:r>
             <a:r>
-              <a:rPr dirty="0" sz="3600"/>
+              <a:rPr sz="3600" dirty="0"/>
               <a:t>R</a:t>
             </a:r>
             <a:r>
-              <a:rPr dirty="0" sz="3600" spc="5"/>
+              <a:rPr sz="3600" spc="5" dirty="0"/>
               <a:t> </a:t>
             </a:r>
             <a:r>
-              <a:rPr dirty="0" sz="3600" spc="25"/>
+              <a:rPr sz="3600" spc="25" dirty="0"/>
               <a:t>S</a:t>
             </a:r>
             <a:r>
-              <a:rPr dirty="0" sz="3600" spc="10"/>
+              <a:rPr sz="3600" spc="10" dirty="0"/>
               <a:t>O</a:t>
             </a:r>
             <a:r>
-              <a:rPr dirty="0" sz="3600" spc="25"/>
+              <a:rPr sz="3600" spc="25" dirty="0"/>
               <a:t>LU</a:t>
             </a:r>
             <a:r>
-              <a:rPr dirty="0" sz="3600" spc="-35"/>
+              <a:rPr sz="3600" spc="-35" dirty="0"/>
               <a:t>T</a:t>
             </a:r>
             <a:r>
-              <a:rPr dirty="0" sz="3600" spc="-30"/>
+              <a:rPr sz="3600" spc="-30" dirty="0"/>
               <a:t>I</a:t>
             </a:r>
             <a:r>
-              <a:rPr dirty="0" sz="3600" spc="10"/>
+              <a:rPr sz="3600" spc="10" dirty="0"/>
               <a:t>O</a:t>
             </a:r>
             <a:r>
-              <a:rPr dirty="0" sz="3600"/>
+              <a:rPr sz="3600" dirty="0"/>
               <a:t>N</a:t>
             </a:r>
             <a:r>
-              <a:rPr dirty="0" sz="3600" spc="-345"/>
+              <a:rPr sz="3600" spc="-345" dirty="0"/>
               <a:t> </a:t>
             </a:r>
             <a:r>
-              <a:rPr dirty="0" sz="3600" spc="-35"/>
+              <a:rPr sz="3600" spc="-35" dirty="0"/>
               <a:t>A</a:t>
             </a:r>
             <a:r>
-              <a:rPr dirty="0" sz="3600" spc="-5"/>
+              <a:rPr sz="3600" spc="-5" dirty="0"/>
               <a:t>N</a:t>
             </a:r>
             <a:r>
-              <a:rPr dirty="0" sz="3600"/>
+              <a:rPr sz="3600" dirty="0"/>
               <a:t>D</a:t>
             </a:r>
             <a:r>
-              <a:rPr dirty="0" sz="3600" spc="35"/>
+              <a:rPr sz="3600" spc="35" dirty="0"/>
               <a:t> </a:t>
             </a:r>
             <a:r>
-              <a:rPr dirty="0" sz="3600" spc="-30"/>
+              <a:rPr sz="3600" spc="-30" dirty="0"/>
               <a:t>I</a:t>
             </a:r>
             <a:r>
-              <a:rPr dirty="0" sz="3600" spc="-35"/>
+              <a:rPr sz="3600" spc="-35" dirty="0"/>
               <a:t>T</a:t>
             </a:r>
             <a:r>
-              <a:rPr dirty="0" sz="3600"/>
+              <a:rPr sz="3600" dirty="0"/>
               <a:t>S</a:t>
             </a:r>
             <a:r>
-              <a:rPr dirty="0" sz="3600" spc="60"/>
+              <a:rPr sz="3600" spc="60" dirty="0"/>
               <a:t> </a:t>
             </a:r>
             <a:r>
-              <a:rPr dirty="0" sz="3600" spc="-295"/>
+              <a:rPr sz="3600" spc="-295" dirty="0"/>
               <a:t>V</a:t>
             </a:r>
             <a:r>
-              <a:rPr dirty="0" sz="3600" spc="-35"/>
+              <a:rPr sz="3600" spc="-35" dirty="0"/>
               <a:t>A</a:t>
             </a:r>
             <a:r>
-              <a:rPr dirty="0" sz="3600" spc="25"/>
+              <a:rPr sz="3600" spc="25" dirty="0"/>
               <a:t>LU</a:t>
             </a:r>
             <a:r>
-              <a:rPr dirty="0" sz="3600"/>
+              <a:rPr sz="3600" dirty="0"/>
               <a:t>E</a:t>
             </a:r>
             <a:r>
-              <a:rPr dirty="0" sz="3600" spc="-65"/>
+              <a:rPr sz="3600" spc="-65" dirty="0"/>
               <a:t> </a:t>
             </a:r>
             <a:r>
-              <a:rPr dirty="0" sz="3600" spc="-15"/>
+              <a:rPr sz="3600" spc="-15" dirty="0"/>
               <a:t>P</a:t>
             </a:r>
             <a:r>
-              <a:rPr dirty="0" sz="3600" spc="-30"/>
+              <a:rPr sz="3600" spc="-30" dirty="0"/>
               <a:t>R</a:t>
             </a:r>
             <a:r>
-              <a:rPr dirty="0" sz="3600" spc="10"/>
+              <a:rPr sz="3600" spc="10" dirty="0"/>
               <a:t>O</a:t>
             </a:r>
             <a:r>
-              <a:rPr dirty="0" sz="3600" spc="-15"/>
+              <a:rPr sz="3600" spc="-15" dirty="0"/>
               <a:t>P</a:t>
             </a:r>
             <a:r>
-              <a:rPr dirty="0" sz="3600" spc="10"/>
+              <a:rPr sz="3600" spc="10" dirty="0"/>
               <a:t>O</a:t>
             </a:r>
             <a:r>
-              <a:rPr dirty="0" sz="3600" spc="25"/>
+              <a:rPr sz="3600" spc="25" dirty="0"/>
               <a:t>S</a:t>
             </a:r>
             <a:r>
-              <a:rPr dirty="0" sz="3600" spc="-30"/>
+              <a:rPr sz="3600" spc="-30" dirty="0"/>
               <a:t>I</a:t>
             </a:r>
             <a:r>
-              <a:rPr dirty="0" sz="3600" spc="-35"/>
+              <a:rPr sz="3600" spc="-35" dirty="0"/>
               <a:t>T</a:t>
             </a:r>
             <a:r>
-              <a:rPr dirty="0" sz="3600" spc="-30"/>
+              <a:rPr sz="3600" spc="-30" dirty="0"/>
               <a:t>I</a:t>
             </a:r>
             <a:r>
-              <a:rPr dirty="0" sz="3600" spc="10"/>
+              <a:rPr sz="3600" spc="10" dirty="0"/>
               <a:t>O</a:t>
             </a:r>
             <a:r>
-              <a:rPr dirty="0" sz="3600"/>
+              <a:rPr sz="3600" dirty="0"/>
               <a:t>N</a:t>
             </a:r>
           </a:p>
@@ -10395,7 +10260,7 @@
           <p:nvPr/>
         </p:nvPicPr>
         <p:blipFill>
-          <a:blip xmlns:r="http://schemas.openxmlformats.org/officeDocument/2006/relationships" r:embed="rId2" cstate="print"/>
+          <a:blip r:embed="rId3" cstate="print"/>
           <a:stretch>
             <a:fillRect/>
           </a:stretch>
@@ -10405,7 +10270,9 @@
             <a:off x="676275" y="6467475"/>
             <a:ext cx="2143125" cy="200025"/>
           </a:xfrm>
-          <a:prstGeom prst="rect"/>
+          <a:prstGeom prst="rect">
+            <a:avLst/>
+          </a:prstGeom>
         </p:spPr>
       </p:pic>
       <p:sp>
@@ -10419,12 +10286,15 @@
           </p:nvPr>
         </p:nvSpPr>
         <p:spPr>
-          <a:prstGeom prst="rect"/>
+          <a:prstGeom prst="rect">
+            <a:avLst/>
+          </a:prstGeom>
         </p:spPr>
         <p:txBody>
-          <a:bodyPr bIns="0" lIns="0" rIns="0" rtlCol="0" tIns="6985" vert="horz" wrap="square">
+          <a:bodyPr vert="horz" wrap="square" lIns="0" tIns="6985" rIns="0" bIns="0" rtlCol="0">
             <a:spAutoFit/>
           </a:bodyPr>
+          <a:lstStyle/>
           <a:p>
             <a:pPr marL="38100">
               <a:lnSpc>
@@ -10435,10 +10305,10 @@
               </a:spcBef>
             </a:pPr>
             <a:fld id="{81D60167-4931-47E6-BA6A-407CBD079E47}" type="slidenum">
-              <a:rPr dirty="0" spc="10"/>
+              <a:rPr spc="10" dirty="0"/>
               <a:t>7</a:t>
             </a:fld>
-            <a:endParaRPr dirty="0" spc="10"/>
+            <a:endParaRPr spc="10" dirty="0"/>
           </a:p>
         </p:txBody>
       </p:sp>
@@ -10453,63 +10323,66 @@
             <a:off x="3127658" y="2950502"/>
             <a:ext cx="6016342" cy="1477328"/>
           </a:xfrm>
-          <a:prstGeom prst="rect"/>
+          <a:prstGeom prst="rect">
+            <a:avLst/>
+          </a:prstGeom>
           <a:noFill/>
         </p:spPr>
         <p:txBody>
-          <a:bodyPr rtlCol="0" wrap="square">
+          <a:bodyPr wrap="square" rtlCol="0">
             <a:spAutoFit/>
           </a:bodyPr>
-          <a:p>
-            <a:r>
-              <a:rPr b="1" dirty="0" lang="en-US"/>
+          <a:lstStyle/>
+          <a:p>
+            <a:r>
+              <a:rPr lang="en-US" b="1" dirty="0"/>
               <a:t>Conditional formatting - </a:t>
             </a:r>
             <a:r>
-              <a:rPr dirty="0" lang="en-US"/>
+              <a:rPr lang="en-US" dirty="0"/>
               <a:t>To highlight the missing values.</a:t>
             </a:r>
           </a:p>
           <a:p>
             <a:r>
-              <a:rPr b="1" dirty="0" lang="en-US"/>
+              <a:rPr lang="en-US" b="1" dirty="0"/>
               <a:t>Filter</a:t>
             </a:r>
             <a:r>
-              <a:rPr dirty="0" lang="en-US"/>
+              <a:rPr lang="en-US" dirty="0"/>
               <a:t>- To remove the missing values or to filter .</a:t>
             </a:r>
           </a:p>
           <a:p>
             <a:r>
-              <a:rPr b="1" dirty="0" lang="en-US"/>
+              <a:rPr lang="en-US" b="1" dirty="0"/>
               <a:t>Formula</a:t>
             </a:r>
             <a:r>
-              <a:rPr dirty="0" lang="en-US"/>
+              <a:rPr lang="en-US" dirty="0"/>
               <a:t>- To calculate the performance level  of the  employee</a:t>
             </a:r>
           </a:p>
           <a:p>
             <a:r>
-              <a:rPr b="1" dirty="0" lang="en-US"/>
+              <a:rPr lang="en-US" b="1" dirty="0"/>
               <a:t>Pivot table </a:t>
             </a:r>
             <a:r>
-              <a:rPr dirty="0" lang="en-US"/>
+              <a:rPr lang="en-US" dirty="0"/>
               <a:t>-  Is used for summary</a:t>
             </a:r>
           </a:p>
           <a:p>
             <a:r>
-              <a:rPr b="1" dirty="0" lang="en-US"/>
+              <a:rPr lang="en-US" b="1" dirty="0"/>
               <a:t>Graph</a:t>
             </a:r>
             <a:r>
-              <a:rPr dirty="0" lang="en-US"/>
+              <a:rPr lang="en-US" dirty="0"/>
               <a:t>- For visualizing  the data</a:t>
             </a:r>
-            <a:endParaRPr dirty="0" lang="en-IN"/>
+            <a:endParaRPr lang="en-IN" dirty="0"/>
           </a:p>
         </p:txBody>
       </p:sp>
@@ -10526,7 +10399,7 @@
   <p:cSld>
     <p:spTree>
       <p:nvGrpSpPr>
-        <p:cNvPr id="38" name=""/>
+        <p:cNvPr id="1" name=""/>
         <p:cNvGrpSpPr/>
         <p:nvPr/>
       </p:nvGrpSpPr>
@@ -10551,9 +10424,10 @@
         <p:spPr/>
         <p:txBody>
           <a:bodyPr/>
-          <a:p>
-            <a:r>
-              <a:rPr dirty="0" lang="en-IN"/>
+          <a:lstStyle/>
+          <a:p>
+            <a:r>
+              <a:rPr lang="en-IN" dirty="0"/>
               <a:t>Dataset Description</a:t>
             </a:r>
           </a:p>
@@ -10570,109 +10444,112 @@
             <a:off x="990600" y="1828800"/>
             <a:ext cx="5278561" cy="2308324"/>
           </a:xfrm>
-          <a:prstGeom prst="rect"/>
+          <a:prstGeom prst="rect">
+            <a:avLst/>
+          </a:prstGeom>
           <a:noFill/>
         </p:spPr>
         <p:txBody>
-          <a:bodyPr rtlCol="0" wrap="none">
+          <a:bodyPr wrap="none" rtlCol="0">
             <a:spAutoFit/>
           </a:bodyPr>
-          <a:p>
-            <a:pPr indent="-285750" marL="285750">
+          <a:lstStyle/>
+          <a:p>
+            <a:pPr marL="285750" indent="-285750">
               <a:buFont typeface="Arial" panose="020B0604020202020204" pitchFamily="34" charset="0"/>
               <a:buChar char="•"/>
             </a:pPr>
             <a:r>
-              <a:rPr b="1" dirty="0" lang="en-US"/>
+              <a:rPr lang="en-US" b="1" dirty="0"/>
               <a:t>Employee data</a:t>
             </a:r>
             <a:r>
-              <a:rPr dirty="0" lang="en-US"/>
+              <a:rPr lang="en-US" dirty="0"/>
               <a:t>- Collected data from  Kaggle</a:t>
             </a:r>
           </a:p>
           <a:p>
-            <a:pPr indent="-285750" marL="285750">
+            <a:pPr marL="285750" indent="-285750">
               <a:buFont typeface="Arial" panose="020B0604020202020204" pitchFamily="34" charset="0"/>
               <a:buChar char="•"/>
             </a:pPr>
             <a:r>
-              <a:rPr b="1" dirty="0" lang="en-US"/>
+              <a:rPr lang="en-US" b="1" dirty="0"/>
               <a:t>Features </a:t>
             </a:r>
             <a:r>
-              <a:rPr dirty="0" lang="en-US"/>
+              <a:rPr lang="en-US" dirty="0"/>
               <a:t>- There were </a:t>
             </a:r>
             <a:r>
-              <a:rPr b="1" dirty="0" lang="en-US"/>
+              <a:rPr lang="en-US" b="1" dirty="0"/>
               <a:t>26</a:t>
             </a:r>
             <a:r>
-              <a:rPr dirty="0" lang="en-US"/>
+              <a:rPr lang="en-US" dirty="0"/>
               <a:t> features</a:t>
             </a:r>
           </a:p>
           <a:p>
-            <a:pPr indent="-285750" marL="285750">
+            <a:pPr marL="285750" indent="-285750">
               <a:buFont typeface="Arial" panose="020B0604020202020204" pitchFamily="34" charset="0"/>
               <a:buChar char="•"/>
             </a:pPr>
             <a:r>
-              <a:rPr dirty="0" lang="en-US"/>
+              <a:rPr lang="en-US" dirty="0"/>
               <a:t>Considered mainly 5 features</a:t>
             </a:r>
           </a:p>
           <a:p>
-            <a:pPr indent="-342900" marL="342900">
+            <a:pPr marL="342900" indent="-342900">
               <a:buFont typeface="+mj-lt"/>
               <a:buAutoNum type="arabicPeriod"/>
             </a:pPr>
             <a:r>
-              <a:rPr dirty="0" lang="en-US"/>
+              <a:rPr lang="en-US" dirty="0"/>
               <a:t>Emp-id- which was in numerical values</a:t>
             </a:r>
           </a:p>
           <a:p>
-            <a:pPr indent="-342900" marL="342900">
+            <a:pPr marL="342900" indent="-342900">
               <a:buFont typeface="+mj-lt"/>
               <a:buAutoNum type="arabicPeriod"/>
             </a:pPr>
             <a:r>
-              <a:rPr dirty="0" lang="en-US"/>
+              <a:rPr lang="en-US" dirty="0"/>
               <a:t>Name- this was in the form of text</a:t>
             </a:r>
           </a:p>
           <a:p>
-            <a:pPr indent="-342900" marL="342900">
+            <a:pPr marL="342900" indent="-342900">
               <a:buFont typeface="+mj-lt"/>
               <a:buAutoNum type="arabicPeriod"/>
             </a:pPr>
             <a:r>
-              <a:rPr dirty="0" lang="en-US"/>
+              <a:rPr lang="en-US" dirty="0"/>
               <a:t>Performance level</a:t>
             </a:r>
           </a:p>
           <a:p>
-            <a:pPr indent="-342900" marL="342900">
+            <a:pPr marL="342900" indent="-342900">
               <a:buFont typeface="+mj-lt"/>
               <a:buAutoNum type="arabicPeriod"/>
             </a:pPr>
             <a:r>
-              <a:rPr dirty="0" lang="en-US"/>
+              <a:rPr lang="en-US" dirty="0"/>
               <a:t>Gender- Gender was considered as male or female</a:t>
             </a:r>
           </a:p>
           <a:p>
-            <a:pPr indent="-342900" marL="342900">
+            <a:pPr marL="342900" indent="-342900">
               <a:buFont typeface="+mj-lt"/>
               <a:buAutoNum type="arabicPeriod"/>
             </a:pPr>
             <a:r>
-              <a:rPr dirty="0" lang="en-US"/>
+              <a:rPr lang="en-US" dirty="0"/>
               <a:t>Employee rating- this is in numeric values</a:t>
             </a:r>
-            <a:endParaRPr dirty="0" lang="en-IN"/>
+            <a:endParaRPr lang="en-IN" dirty="0"/>
           </a:p>
         </p:txBody>
       </p:sp>
@@ -10689,7 +10566,7 @@
   <p:cSld>
     <p:spTree>
       <p:nvGrpSpPr>
-        <p:cNvPr id="39" name=""/>
+        <p:cNvPr id="1" name=""/>
         <p:cNvGrpSpPr/>
         <p:nvPr/>
       </p:nvGrpSpPr>
@@ -10712,12 +10589,15 @@
             <a:off x="752475" y="6486037"/>
             <a:ext cx="1773555" cy="166370"/>
           </a:xfrm>
-          <a:prstGeom prst="rect"/>
+          <a:prstGeom prst="rect">
+            <a:avLst/>
+          </a:prstGeom>
         </p:spPr>
         <p:txBody>
-          <a:bodyPr bIns="0" lIns="0" rIns="0" rtlCol="0" tIns="0" vert="horz" wrap="square">
+          <a:bodyPr vert="horz" wrap="square" lIns="0" tIns="0" rIns="0" bIns="0" rtlCol="0">
             <a:spAutoFit/>
           </a:bodyPr>
+          <a:lstStyle/>
           <a:p>
             <a:pPr>
               <a:lnSpc>
@@ -10725,7 +10605,7 @@
               </a:lnSpc>
             </a:pPr>
             <a:r>
-              <a:rPr dirty="0" sz="1100" spc="20">
+              <a:rPr sz="1100" spc="20" dirty="0">
                 <a:solidFill>
                   <a:srgbClr val="2D83C3"/>
                 </a:solidFill>
@@ -10735,7 +10615,7 @@
               <a:t>3/21/202</a:t>
             </a:r>
             <a:r>
-              <a:rPr dirty="0" sz="1100" spc="10">
+              <a:rPr sz="1100" spc="10" dirty="0">
                 <a:solidFill>
                   <a:srgbClr val="2D83C3"/>
                 </a:solidFill>
@@ -10745,7 +10625,7 @@
               <a:t>4</a:t>
             </a:r>
             <a:r>
-              <a:rPr dirty="0" sz="1100">
+              <a:rPr sz="1100" dirty="0">
                 <a:solidFill>
                   <a:srgbClr val="2D83C3"/>
                 </a:solidFill>
@@ -10755,7 +10635,7 @@
               <a:t> </a:t>
             </a:r>
             <a:r>
-              <a:rPr dirty="0" sz="1100" spc="130">
+              <a:rPr sz="1100" spc="130" dirty="0">
                 <a:solidFill>
                   <a:srgbClr val="2D83C3"/>
                 </a:solidFill>
@@ -10765,7 +10645,7 @@
               <a:t> </a:t>
             </a:r>
             <a:r>
-              <a:rPr b="1" dirty="0" sz="1100" spc="50">
+              <a:rPr sz="1100" b="1" spc="50" dirty="0">
                 <a:solidFill>
                   <a:srgbClr val="2D83C3"/>
                 </a:solidFill>
@@ -10775,7 +10655,7 @@
               <a:t>A</a:t>
             </a:r>
             <a:r>
-              <a:rPr b="1" dirty="0" sz="1100" spc="15">
+              <a:rPr sz="1100" b="1" spc="15" dirty="0">
                 <a:solidFill>
                   <a:srgbClr val="2D83C3"/>
                 </a:solidFill>
@@ -10785,7 +10665,7 @@
               <a:t>nnu</a:t>
             </a:r>
             <a:r>
-              <a:rPr b="1" dirty="0" sz="1100" spc="10">
+              <a:rPr sz="1100" b="1" spc="10" dirty="0">
                 <a:solidFill>
                   <a:srgbClr val="2D83C3"/>
                 </a:solidFill>
@@ -10795,7 +10675,7 @@
               <a:t>al</a:t>
             </a:r>
             <a:r>
-              <a:rPr b="1" dirty="0" sz="1100" spc="-140">
+              <a:rPr sz="1100" b="1" spc="-140" dirty="0">
                 <a:solidFill>
                   <a:srgbClr val="2D83C3"/>
                 </a:solidFill>
@@ -10805,7 +10685,7 @@
               <a:t> </a:t>
             </a:r>
             <a:r>
-              <a:rPr b="1" dirty="0" sz="1100">
+              <a:rPr sz="1100" b="1" dirty="0">
                 <a:solidFill>
                   <a:srgbClr val="2D83C3"/>
                 </a:solidFill>
@@ -10815,7 +10695,7 @@
               <a:t>R</a:t>
             </a:r>
             <a:r>
-              <a:rPr b="1" dirty="0" sz="1100" spc="35">
+              <a:rPr sz="1100" b="1" spc="35" dirty="0">
                 <a:solidFill>
                   <a:srgbClr val="2D83C3"/>
                 </a:solidFill>
@@ -10825,7 +10705,7 @@
               <a:t>e</a:t>
             </a:r>
             <a:r>
-              <a:rPr b="1" dirty="0" sz="1100" spc="90">
+              <a:rPr sz="1100" b="1" spc="90" dirty="0">
                 <a:solidFill>
                   <a:srgbClr val="2D83C3"/>
                 </a:solidFill>
@@ -10835,7 +10715,7 @@
               <a:t>v</a:t>
             </a:r>
             <a:r>
-              <a:rPr b="1" dirty="0" sz="1100" spc="-35">
+              <a:rPr sz="1100" b="1" spc="-35" dirty="0">
                 <a:solidFill>
                   <a:srgbClr val="2D83C3"/>
                 </a:solidFill>
@@ -10845,7 +10725,7 @@
               <a:t>i</a:t>
             </a:r>
             <a:r>
-              <a:rPr b="1" dirty="0" sz="1100" spc="35">
+              <a:rPr sz="1100" b="1" spc="35" dirty="0">
                 <a:solidFill>
                   <a:srgbClr val="2D83C3"/>
                 </a:solidFill>
@@ -10855,7 +10735,7 @@
               <a:t>e</a:t>
             </a:r>
             <a:r>
-              <a:rPr b="1" dirty="0" sz="1100" spc="15">
+              <a:rPr sz="1100" b="1" spc="15" dirty="0">
                 <a:solidFill>
                   <a:srgbClr val="2D83C3"/>
                 </a:solidFill>
@@ -10884,7 +10764,9 @@
           </a:xfrm>
           <a:custGeom>
             <a:avLst/>
+            <a:gdLst/>
             <a:ahLst/>
+            <a:cxnLst/>
             <a:rect l="l" t="t" r="r" b="b"/>
             <a:pathLst>
               <a:path w="457200" h="457200">
@@ -10912,8 +10794,11 @@
           </a:solidFill>
         </p:spPr>
         <p:txBody>
-          <a:bodyPr bIns="0" lIns="0" rIns="0" rtlCol="0" tIns="0" wrap="square"/>
-          <a:p/>
+          <a:bodyPr wrap="square" lIns="0" tIns="0" rIns="0" bIns="0" rtlCol="0"/>
+          <a:lstStyle/>
+          <a:p>
+            <a:endParaRPr/>
+          </a:p>
         </p:txBody>
       </p:sp>
       <p:sp>
@@ -10929,7 +10814,9 @@
           </a:xfrm>
           <a:custGeom>
             <a:avLst/>
+            <a:gdLst/>
             <a:ahLst/>
+            <a:cxnLst/>
             <a:rect l="l" t="t" r="r" b="b"/>
             <a:pathLst>
               <a:path w="314325" h="323850">
@@ -10957,8 +10844,11 @@
           </a:solidFill>
         </p:spPr>
         <p:txBody>
-          <a:bodyPr bIns="0" lIns="0" rIns="0" rtlCol="0" tIns="0" wrap="square"/>
-          <a:p/>
+          <a:bodyPr wrap="square" lIns="0" tIns="0" rIns="0" bIns="0" rtlCol="0"/>
+          <a:lstStyle/>
+          <a:p>
+            <a:endParaRPr/>
+          </a:p>
         </p:txBody>
       </p:sp>
       <p:sp>
@@ -10974,7 +10864,9 @@
           </a:xfrm>
           <a:custGeom>
             <a:avLst/>
+            <a:gdLst/>
             <a:ahLst/>
+            <a:cxnLst/>
             <a:rect l="l" t="t" r="r" b="b"/>
             <a:pathLst>
               <a:path w="180975" h="180975">
@@ -11002,8 +10894,11 @@
           </a:solidFill>
         </p:spPr>
         <p:txBody>
-          <a:bodyPr bIns="0" lIns="0" rIns="0" rtlCol="0" tIns="0" wrap="square"/>
-          <a:p/>
+          <a:bodyPr wrap="square" lIns="0" tIns="0" rIns="0" bIns="0" rtlCol="0"/>
+          <a:lstStyle/>
+          <a:p>
+            <a:endParaRPr/>
+          </a:p>
         </p:txBody>
       </p:sp>
       <p:pic>
@@ -11015,7 +10910,7 @@
           <p:nvPr/>
         </p:nvPicPr>
         <p:blipFill>
-          <a:blip xmlns:r="http://schemas.openxmlformats.org/officeDocument/2006/relationships" r:embed="rId1" cstate="print"/>
+          <a:blip r:embed="rId2" cstate="print"/>
           <a:stretch>
             <a:fillRect/>
           </a:stretch>
@@ -11025,7 +10920,9 @@
             <a:off x="66675" y="3381373"/>
             <a:ext cx="2466975" cy="3419475"/>
           </a:xfrm>
-          <a:prstGeom prst="rect"/>
+          <a:prstGeom prst="rect">
+            <a:avLst/>
+          </a:prstGeom>
         </p:spPr>
       </p:pic>
       <p:sp>
@@ -11043,12 +10940,15 @@
             <a:off x="739775" y="654938"/>
             <a:ext cx="8480425" cy="670696"/>
           </a:xfrm>
-          <a:prstGeom prst="rect"/>
+          <a:prstGeom prst="rect">
+            <a:avLst/>
+          </a:prstGeom>
         </p:spPr>
         <p:txBody>
-          <a:bodyPr bIns="0" lIns="0" rIns="0" rtlCol="0" tIns="16510" vert="horz" wrap="square">
+          <a:bodyPr vert="horz" wrap="square" lIns="0" tIns="16510" rIns="0" bIns="0" rtlCol="0">
             <a:spAutoFit/>
           </a:bodyPr>
+          <a:lstStyle/>
           <a:p>
             <a:pPr marL="12700">
               <a:lnSpc>
@@ -11059,50 +10959,50 @@
               </a:spcBef>
             </a:pPr>
             <a:r>
-              <a:rPr dirty="0" sz="4250" spc="15"/>
+              <a:rPr sz="4250" spc="15" dirty="0"/>
               <a:t>THE</a:t>
             </a:r>
             <a:r>
-              <a:rPr dirty="0" sz="4250" spc="20"/>
+              <a:rPr sz="4250" spc="20" dirty="0"/>
               <a:t> </a:t>
             </a:r>
             <a:r>
-              <a:rPr dirty="0" sz="4250" lang="en-US" spc="20"/>
+              <a:rPr lang="en-US" sz="4250" spc="20" dirty="0"/>
               <a:t>"</a:t>
             </a:r>
             <a:r>
-              <a:rPr dirty="0" sz="4250" spc="10"/>
+              <a:rPr sz="4250" spc="10" dirty="0"/>
               <a:t>WOW</a:t>
             </a:r>
             <a:r>
-              <a:rPr dirty="0" sz="4250" lang="en-US" spc="10"/>
+              <a:rPr lang="en-US" sz="4250" spc="10" dirty="0"/>
               <a:t>"</a:t>
             </a:r>
             <a:r>
-              <a:rPr dirty="0" sz="4250" spc="85"/>
+              <a:rPr sz="4250" spc="85" dirty="0"/>
               <a:t> </a:t>
             </a:r>
             <a:r>
-              <a:rPr dirty="0" sz="4250" spc="10"/>
+              <a:rPr sz="4250" spc="10" dirty="0"/>
               <a:t>IN</a:t>
             </a:r>
             <a:r>
-              <a:rPr dirty="0" sz="4250" spc="-5"/>
+              <a:rPr sz="4250" spc="-5" dirty="0"/>
               <a:t> </a:t>
             </a:r>
             <a:r>
-              <a:rPr dirty="0" sz="4250" spc="15"/>
+              <a:rPr sz="4250" spc="15" dirty="0"/>
               <a:t>OUR</a:t>
             </a:r>
             <a:r>
-              <a:rPr dirty="0" sz="4250" spc="-10"/>
+              <a:rPr sz="4250" spc="-10" dirty="0"/>
               <a:t> </a:t>
             </a:r>
             <a:r>
-              <a:rPr dirty="0" sz="4250" spc="20"/>
+              <a:rPr sz="4250" spc="20" dirty="0"/>
               <a:t>SOLUTION</a:t>
             </a:r>
-            <a:endParaRPr dirty="0" sz="4250"/>
+            <a:endParaRPr sz="4250" dirty="0"/>
           </a:p>
         </p:txBody>
       </p:sp>
@@ -11117,12 +11017,15 @@
             <a:off x="11277218" y="6473337"/>
             <a:ext cx="228600" cy="191770"/>
           </a:xfrm>
-          <a:prstGeom prst="rect"/>
+          <a:prstGeom prst="rect">
+            <a:avLst/>
+          </a:prstGeom>
         </p:spPr>
         <p:txBody>
-          <a:bodyPr bIns="0" lIns="0" rIns="0" rtlCol="0" tIns="6985" vert="horz" wrap="square">
+          <a:bodyPr vert="horz" wrap="square" lIns="0" tIns="6985" rIns="0" bIns="0" rtlCol="0">
             <a:spAutoFit/>
           </a:bodyPr>
+          <a:lstStyle/>
           <a:p>
             <a:pPr marL="38100">
               <a:lnSpc>
@@ -11133,7 +11036,7 @@
               </a:spcBef>
             </a:pPr>
             <a:fld id="{81D60167-4931-47E6-BA6A-407CBD079E47}" type="slidenum">
-              <a:rPr dirty="0" sz="1100" spc="10">
+              <a:rPr sz="1100" spc="10" dirty="0">
                 <a:solidFill>
                   <a:srgbClr val="2D936B"/>
                 </a:solidFill>
@@ -11160,19 +11063,22 @@
             <a:off x="2743200" y="2354703"/>
             <a:ext cx="8534018" cy="954107"/>
           </a:xfrm>
-          <a:prstGeom prst="rect"/>
+          <a:prstGeom prst="rect">
+            <a:avLst/>
+          </a:prstGeom>
           <a:noFill/>
         </p:spPr>
         <p:txBody>
-          <a:bodyPr rtlCol="0" wrap="square">
+          <a:bodyPr wrap="square" rtlCol="0">
             <a:spAutoFit/>
           </a:bodyPr>
+          <a:lstStyle/>
           <a:p>
             <a:pPr algn="l">
               <a:buFont typeface="Arial" panose="020B0604020202020204" pitchFamily="34" charset="0"/>
               <a:buChar char="•"/>
             </a:pPr>
-            <a:endParaRPr b="0" dirty="0" sz="2800" i="0" lang="en-US">
+            <a:endParaRPr lang="en-US" sz="2800" b="0" i="0" dirty="0">
               <a:solidFill>
                 <a:srgbClr val="0D0D0D"/>
               </a:solidFill>
@@ -11182,7 +11088,7 @@
             </a:endParaRPr>
           </a:p>
           <a:p>
-            <a:endParaRPr dirty="0" sz="2800" lang="en-IN">
+            <a:endParaRPr lang="en-IN" sz="2800" dirty="0">
               <a:latin typeface="Times New Roman" panose="02020603050405020304" pitchFamily="18" charset="0"/>
               <a:cs typeface="Times New Roman" panose="02020603050405020304" pitchFamily="18" charset="0"/>
             </a:endParaRPr>
@@ -11200,39 +11106,42 @@
             <a:off x="990600" y="2019300"/>
             <a:ext cx="8754576" cy="1200329"/>
           </a:xfrm>
-          <a:prstGeom prst="rect"/>
+          <a:prstGeom prst="rect">
+            <a:avLst/>
+          </a:prstGeom>
           <a:noFill/>
         </p:spPr>
         <p:txBody>
-          <a:bodyPr rtlCol="0" wrap="none">
+          <a:bodyPr wrap="none" rtlCol="0">
             <a:spAutoFit/>
           </a:bodyPr>
-          <a:p>
-            <a:pPr indent="-285750" marL="285750">
+          <a:lstStyle/>
+          <a:p>
+            <a:pPr marL="285750" indent="-285750">
               <a:buFont typeface="Arial" panose="020B0604020202020204" pitchFamily="34" charset="0"/>
               <a:buChar char="•"/>
             </a:pPr>
             <a:r>
-              <a:rPr b="1" dirty="0" lang="en-US"/>
+              <a:rPr lang="en-US" b="1" dirty="0"/>
               <a:t> </a:t>
             </a:r>
             <a:r>
-              <a:rPr b="1" dirty="0" sz="2400" lang="en-US"/>
+              <a:rPr lang="en-US" sz="2400" b="1" dirty="0"/>
               <a:t>Calculated the Performance level using the formula :</a:t>
             </a:r>
           </a:p>
           <a:p>
             <a:r>
-              <a:rPr b="1" dirty="0" sz="2400" lang="en-US"/>
+              <a:rPr lang="en-US" sz="2400" b="1" dirty="0"/>
               <a:t> </a:t>
             </a:r>
           </a:p>
           <a:p>
             <a:r>
-              <a:rPr dirty="0" sz="2400" lang="en-US"/>
+              <a:rPr lang="en-US" sz="2400" dirty="0"/>
               <a:t>        IFS(Z8&gt;5,”VERY HIGH”,Z8&gt;=4,”HIGH”,Z8&gt;=3,”MED”,TRUE,”LOW”)</a:t>
             </a:r>
-            <a:endParaRPr dirty="0" sz="2400" lang="en-IN"/>
+            <a:endParaRPr lang="en-IN" sz="2400" dirty="0"/>
           </a:p>
         </p:txBody>
       </p:sp>
@@ -11249,10 +11158,10 @@
   <a:themeElements>
     <a:clrScheme name="Office">
       <a:dk1>
-        <a:sysClr lastClr="000000" val="windowText"/>
+        <a:sysClr val="windowText" lastClr="000000"/>
       </a:dk1>
       <a:lt1>
-        <a:sysClr lastClr="FFFFFF" val="window"/>
+        <a:sysClr val="window" lastClr="FFFFFF"/>
       </a:lt1>
       <a:dk2>
         <a:srgbClr val="1F497D"/>
@@ -11433,7 +11342,7 @@
       <a:effectStyleLst>
         <a:effectStyle>
           <a:effectLst>
-            <a:outerShdw blurRad="40000" dir="5400000" dist="20000" rotWithShape="0">
+            <a:outerShdw blurRad="40000" dist="20000" dir="5400000" rotWithShape="0">
               <a:srgbClr val="000000">
                 <a:alpha val="38000"/>
               </a:srgbClr>
@@ -11442,7 +11351,7 @@
         </a:effectStyle>
         <a:effectStyle>
           <a:effectLst>
-            <a:outerShdw blurRad="40000" dir="5400000" dist="23000" rotWithShape="0">
+            <a:outerShdw blurRad="40000" dist="23000" dir="5400000" rotWithShape="0">
               <a:srgbClr val="000000">
                 <a:alpha val="35000"/>
               </a:srgbClr>
@@ -11451,7 +11360,7 @@
         </a:effectStyle>
         <a:effectStyle>
           <a:effectLst>
-            <a:outerShdw blurRad="40000" dir="5400000" dist="23000" rotWithShape="0">
+            <a:outerShdw blurRad="40000" dist="23000" dir="5400000" rotWithShape="0">
               <a:srgbClr val="000000">
                 <a:alpha val="35000"/>
               </a:srgbClr>
@@ -11461,7 +11370,7 @@
             <a:camera prst="orthographicFront">
               <a:rot lat="0" lon="0" rev="0"/>
             </a:camera>
-            <a:lightRig dir="t" rig="threePt">
+            <a:lightRig rig="threePt" dir="t">
               <a:rot lat="0" lon="0" rev="1200000"/>
             </a:lightRig>
           </a:scene3d>
@@ -11522,6 +11431,8 @@
       </a:bgFillStyleLst>
     </a:fmtScheme>
   </a:themeElements>
+  <a:objectDefaults/>
+  <a:extraClrSchemeLst/>
 </a:theme>
 </file>
 
@@ -11530,10 +11441,10 @@
   <a:themeElements>
     <a:clrScheme name="Office">
       <a:dk1>
-        <a:sysClr lastClr="000000" val="windowText"/>
+        <a:sysClr val="windowText" lastClr="000000"/>
       </a:dk1>
       <a:lt1>
-        <a:sysClr lastClr="FFFFFF" val="window"/>
+        <a:sysClr val="window" lastClr="FFFFFF"/>
       </a:lt1>
       <a:dk2>
         <a:srgbClr val="44546A"/>
@@ -11762,7 +11673,7 @@
         </a:effectStyle>
         <a:effectStyle>
           <a:effectLst>
-            <a:outerShdw algn="ctr" blurRad="57150" dir="5400000" dist="19050" rotWithShape="0">
+            <a:outerShdw blurRad="57150" dist="19050" dir="5400000" algn="ctr" rotWithShape="0">
               <a:srgbClr val="000000">
                 <a:alpha val="63000"/>
               </a:srgbClr>
@@ -11810,5 +11721,7 @@
       </a:bgFillStyleLst>
     </a:fmtScheme>
   </a:themeElements>
+  <a:objectDefaults/>
+  <a:extraClrSchemeLst/>
 </a:theme>
 </file>